--- a/GCB_parser/doc/實作文件.pptx
+++ b/GCB_parser/doc/實作文件.pptx
@@ -5,7 +5,8 @@
     <p:sldMasterId id="2147483648" r:id="rId1"/>
   </p:sldMasterIdLst>
   <p:sldIdLst>
-    <p:sldId id="256" r:id="rId2"/>
+    <p:sldId id="257" r:id="rId2"/>
+    <p:sldId id="256" r:id="rId3"/>
   </p:sldIdLst>
   <p:sldSz cx="12192000" cy="6858000"/>
   <p:notesSz cx="6858000" cy="9144000"/>
@@ -104,6 +105,11 @@
       </a:defRPr>
     </a:lvl9pPr>
   </p:defaultTextStyle>
+  <p:extLst>
+    <p:ext uri="{EFAFB233-063F-42B5-8137-9DF3F51BA10A}">
+      <p15:sldGuideLst xmlns:p15="http://schemas.microsoft.com/office/powerpoint/2012/main"/>
+    </p:ext>
+  </p:extLst>
 </p:presentation>
 </file>
 
@@ -238,7 +244,7 @@
           <a:p>
             <a:fld id="{D36D3C6B-B939-4B91-BEC9-CDCFDB0F8485}" type="datetimeFigureOut">
               <a:rPr lang="zh-TW" altLang="en-US" smtClean="0"/>
-              <a:t>2019/12/9</a:t>
+              <a:t>2019/12/18</a:t>
             </a:fld>
             <a:endParaRPr lang="zh-TW" altLang="en-US"/>
           </a:p>
@@ -408,7 +414,7 @@
           <a:p>
             <a:fld id="{D36D3C6B-B939-4B91-BEC9-CDCFDB0F8485}" type="datetimeFigureOut">
               <a:rPr lang="zh-TW" altLang="en-US" smtClean="0"/>
-              <a:t>2019/12/9</a:t>
+              <a:t>2019/12/18</a:t>
             </a:fld>
             <a:endParaRPr lang="zh-TW" altLang="en-US"/>
           </a:p>
@@ -588,7 +594,7 @@
           <a:p>
             <a:fld id="{D36D3C6B-B939-4B91-BEC9-CDCFDB0F8485}" type="datetimeFigureOut">
               <a:rPr lang="zh-TW" altLang="en-US" smtClean="0"/>
-              <a:t>2019/12/9</a:t>
+              <a:t>2019/12/18</a:t>
             </a:fld>
             <a:endParaRPr lang="zh-TW" altLang="en-US"/>
           </a:p>
@@ -758,7 +764,7 @@
           <a:p>
             <a:fld id="{D36D3C6B-B939-4B91-BEC9-CDCFDB0F8485}" type="datetimeFigureOut">
               <a:rPr lang="zh-TW" altLang="en-US" smtClean="0"/>
-              <a:t>2019/12/9</a:t>
+              <a:t>2019/12/18</a:t>
             </a:fld>
             <a:endParaRPr lang="zh-TW" altLang="en-US"/>
           </a:p>
@@ -1004,7 +1010,7 @@
           <a:p>
             <a:fld id="{D36D3C6B-B939-4B91-BEC9-CDCFDB0F8485}" type="datetimeFigureOut">
               <a:rPr lang="zh-TW" altLang="en-US" smtClean="0"/>
-              <a:t>2019/12/9</a:t>
+              <a:t>2019/12/18</a:t>
             </a:fld>
             <a:endParaRPr lang="zh-TW" altLang="en-US"/>
           </a:p>
@@ -1236,7 +1242,7 @@
           <a:p>
             <a:fld id="{D36D3C6B-B939-4B91-BEC9-CDCFDB0F8485}" type="datetimeFigureOut">
               <a:rPr lang="zh-TW" altLang="en-US" smtClean="0"/>
-              <a:t>2019/12/9</a:t>
+              <a:t>2019/12/18</a:t>
             </a:fld>
             <a:endParaRPr lang="zh-TW" altLang="en-US"/>
           </a:p>
@@ -1603,7 +1609,7 @@
           <a:p>
             <a:fld id="{D36D3C6B-B939-4B91-BEC9-CDCFDB0F8485}" type="datetimeFigureOut">
               <a:rPr lang="zh-TW" altLang="en-US" smtClean="0"/>
-              <a:t>2019/12/9</a:t>
+              <a:t>2019/12/18</a:t>
             </a:fld>
             <a:endParaRPr lang="zh-TW" altLang="en-US"/>
           </a:p>
@@ -1721,7 +1727,7 @@
           <a:p>
             <a:fld id="{D36D3C6B-B939-4B91-BEC9-CDCFDB0F8485}" type="datetimeFigureOut">
               <a:rPr lang="zh-TW" altLang="en-US" smtClean="0"/>
-              <a:t>2019/12/9</a:t>
+              <a:t>2019/12/18</a:t>
             </a:fld>
             <a:endParaRPr lang="zh-TW" altLang="en-US"/>
           </a:p>
@@ -1816,7 +1822,7 @@
           <a:p>
             <a:fld id="{D36D3C6B-B939-4B91-BEC9-CDCFDB0F8485}" type="datetimeFigureOut">
               <a:rPr lang="zh-TW" altLang="en-US" smtClean="0"/>
-              <a:t>2019/12/9</a:t>
+              <a:t>2019/12/18</a:t>
             </a:fld>
             <a:endParaRPr lang="zh-TW" altLang="en-US"/>
           </a:p>
@@ -2093,7 +2099,7 @@
           <a:p>
             <a:fld id="{D36D3C6B-B939-4B91-BEC9-CDCFDB0F8485}" type="datetimeFigureOut">
               <a:rPr lang="zh-TW" altLang="en-US" smtClean="0"/>
-              <a:t>2019/12/9</a:t>
+              <a:t>2019/12/18</a:t>
             </a:fld>
             <a:endParaRPr lang="zh-TW" altLang="en-US"/>
           </a:p>
@@ -2346,7 +2352,7 @@
           <a:p>
             <a:fld id="{D36D3C6B-B939-4B91-BEC9-CDCFDB0F8485}" type="datetimeFigureOut">
               <a:rPr lang="zh-TW" altLang="en-US" smtClean="0"/>
-              <a:t>2019/12/9</a:t>
+              <a:t>2019/12/18</a:t>
             </a:fld>
             <a:endParaRPr lang="zh-TW" altLang="en-US"/>
           </a:p>
@@ -2559,7 +2565,7 @@
           <a:p>
             <a:fld id="{D36D3C6B-B939-4B91-BEC9-CDCFDB0F8485}" type="datetimeFigureOut">
               <a:rPr lang="zh-TW" altLang="en-US" smtClean="0"/>
-              <a:t>2019/12/9</a:t>
+              <a:t>2019/12/18</a:t>
             </a:fld>
             <a:endParaRPr lang="zh-TW" altLang="en-US"/>
           </a:p>
@@ -2972,8 +2978,8 @@
         </p:nvSpPr>
         <p:spPr>
           <a:xfrm>
-            <a:off x="3339783" y="377555"/>
-            <a:ext cx="871855" cy="271780"/>
+            <a:off x="1518603" y="2236833"/>
+            <a:ext cx="871855" cy="567325"/>
           </a:xfrm>
           <a:prstGeom prst="rect">
             <a:avLst/>
@@ -3016,14 +3022,13 @@
               </a:spcAft>
             </a:pPr>
             <a:r>
-              <a:rPr lang="en-US" sz="1000" kern="100">
-                <a:effectLst/>
+              <a:rPr lang="en-US" altLang="zh-TW" sz="1000" kern="100" dirty="0" smtClean="0">
                 <a:ea typeface="新細明體" panose="02020500000000000000" pitchFamily="18" charset="-120"/>
                 <a:cs typeface="Times New Roman" panose="02020603050405020304" pitchFamily="18" charset="0"/>
               </a:rPr>
-              <a:t>Read line</a:t>
-            </a:r>
-            <a:endParaRPr lang="zh-TW" sz="1200" kern="100">
+              <a:t>Read argument(*1)</a:t>
+            </a:r>
+            <a:endParaRPr lang="zh-TW" sz="1200" kern="100" dirty="0">
               <a:effectLst/>
               <a:ea typeface="新細明體" panose="02020500000000000000" pitchFamily="18" charset="-120"/>
               <a:cs typeface="Times New Roman" panose="02020603050405020304" pitchFamily="18" charset="0"/>
@@ -3033,14 +3038,241 @@
       </p:sp>
       <p:sp>
         <p:nvSpPr>
-          <p:cNvPr id="5" name="矩形 4"/>
+          <p:cNvPr id="5" name="橢圓 4"/>
           <p:cNvSpPr/>
           <p:nvPr/>
         </p:nvSpPr>
         <p:spPr>
           <a:xfrm>
-            <a:off x="3231515" y="3210560"/>
-            <a:ext cx="1088390" cy="413385"/>
+            <a:off x="525780" y="2299516"/>
+            <a:ext cx="441960" cy="441960"/>
+          </a:xfrm>
+          <a:prstGeom prst="ellipse">
+            <a:avLst/>
+          </a:prstGeom>
+          <a:ln>
+            <a:solidFill>
+              <a:schemeClr val="tx1"/>
+            </a:solidFill>
+          </a:ln>
+        </p:spPr>
+        <p:style>
+          <a:lnRef idx="2">
+            <a:schemeClr val="dk1"/>
+          </a:lnRef>
+          <a:fillRef idx="1">
+            <a:schemeClr val="lt1"/>
+          </a:fillRef>
+          <a:effectRef idx="0">
+            <a:schemeClr val="dk1"/>
+          </a:effectRef>
+          <a:fontRef idx="minor">
+            <a:schemeClr val="dk1"/>
+          </a:fontRef>
+        </p:style>
+        <p:txBody>
+          <a:bodyPr rot="0" spcFirstLastPara="0" vert="horz" wrap="square" lIns="36000" tIns="0" rIns="36000" bIns="0" numCol="1" spcCol="0" rtlCol="0" fromWordArt="0" anchor="ctr" anchorCtr="0" forceAA="0" compatLnSpc="1">
+            <a:prstTxWarp prst="textNoShape">
+              <a:avLst/>
+            </a:prstTxWarp>
+            <a:noAutofit/>
+          </a:bodyPr>
+          <a:lstStyle/>
+          <a:p>
+            <a:pPr algn="ctr">
+              <a:lnSpc>
+                <a:spcPts val="1200"/>
+              </a:lnSpc>
+            </a:pPr>
+            <a:r>
+              <a:rPr lang="en-US" altLang="zh-TW" sz="1000" kern="100" dirty="0" smtClean="0">
+                <a:solidFill>
+                  <a:schemeClr val="dk1"/>
+                </a:solidFill>
+                <a:ea typeface="新細明體" panose="02020500000000000000" pitchFamily="18" charset="-120"/>
+                <a:cs typeface="Times New Roman" panose="02020603050405020304" pitchFamily="18" charset="0"/>
+              </a:rPr>
+              <a:t>start</a:t>
+            </a:r>
+            <a:endParaRPr lang="zh-TW" altLang="en-US" sz="1000" kern="100" dirty="0">
+              <a:solidFill>
+                <a:schemeClr val="dk1"/>
+              </a:solidFill>
+              <a:ea typeface="新細明體" panose="02020500000000000000" pitchFamily="18" charset="-120"/>
+              <a:cs typeface="Times New Roman" panose="02020603050405020304" pitchFamily="18" charset="0"/>
+            </a:endParaRPr>
+          </a:p>
+        </p:txBody>
+      </p:sp>
+      <p:cxnSp>
+        <p:nvCxnSpPr>
+          <p:cNvPr id="7" name="直線單箭頭接點 6"/>
+          <p:cNvCxnSpPr>
+            <a:stCxn id="5" idx="6"/>
+            <a:endCxn id="4" idx="1"/>
+          </p:cNvCxnSpPr>
+          <p:nvPr/>
+        </p:nvCxnSpPr>
+        <p:spPr>
+          <a:xfrm>
+            <a:off x="967740" y="2520496"/>
+            <a:ext cx="550863" cy="0"/>
+          </a:xfrm>
+          <a:prstGeom prst="straightConnector1">
+            <a:avLst/>
+          </a:prstGeom>
+          <a:ln>
+            <a:tailEnd type="triangle"/>
+          </a:ln>
+        </p:spPr>
+        <p:style>
+          <a:lnRef idx="1">
+            <a:schemeClr val="dk1"/>
+          </a:lnRef>
+          <a:fillRef idx="0">
+            <a:schemeClr val="dk1"/>
+          </a:fillRef>
+          <a:effectRef idx="0">
+            <a:schemeClr val="dk1"/>
+          </a:effectRef>
+          <a:fontRef idx="minor">
+            <a:schemeClr val="tx1"/>
+          </a:fontRef>
+        </p:style>
+      </p:cxnSp>
+      <p:sp>
+        <p:nvSpPr>
+          <p:cNvPr id="9" name="文字方塊 8"/>
+          <p:cNvSpPr txBox="1"/>
+          <p:nvPr/>
+        </p:nvSpPr>
+        <p:spPr>
+          <a:xfrm>
+            <a:off x="220980" y="2763529"/>
+            <a:ext cx="1051560" cy="261610"/>
+          </a:xfrm>
+          <a:prstGeom prst="rect">
+            <a:avLst/>
+          </a:prstGeom>
+          <a:noFill/>
+        </p:spPr>
+        <p:txBody>
+          <a:bodyPr wrap="square" rtlCol="0">
+            <a:spAutoFit/>
+          </a:bodyPr>
+          <a:lstStyle/>
+          <a:p>
+            <a:pPr algn="ctr"/>
+            <a:r>
+              <a:rPr lang="en-US" altLang="zh-TW" sz="1100" dirty="0" smtClean="0"/>
+              <a:t>GCB_parser.py</a:t>
+            </a:r>
+            <a:endParaRPr lang="zh-TW" altLang="en-US" sz="1100" dirty="0"/>
+          </a:p>
+        </p:txBody>
+      </p:sp>
+      <p:sp>
+        <p:nvSpPr>
+          <p:cNvPr id="10" name="矩形 9"/>
+          <p:cNvSpPr/>
+          <p:nvPr/>
+        </p:nvSpPr>
+        <p:spPr>
+          <a:xfrm>
+            <a:off x="8559483" y="234496"/>
+            <a:ext cx="3632517" cy="861774"/>
+          </a:xfrm>
+          <a:prstGeom prst="rect">
+            <a:avLst/>
+          </a:prstGeom>
+        </p:spPr>
+        <p:txBody>
+          <a:bodyPr wrap="square">
+            <a:spAutoFit/>
+          </a:bodyPr>
+          <a:lstStyle/>
+          <a:p>
+            <a:r>
+              <a:rPr lang="en-US" altLang="zh-TW" sz="1000" dirty="0" smtClean="0"/>
+              <a:t>(*1)</a:t>
+            </a:r>
+          </a:p>
+          <a:p>
+            <a:r>
+              <a:rPr lang="en-US" altLang="zh-TW" sz="1000" dirty="0" smtClean="0"/>
+              <a:t>-r,  the </a:t>
+            </a:r>
+            <a:r>
+              <a:rPr lang="en-US" altLang="zh-TW" sz="1000" dirty="0"/>
+              <a:t>path of configuration to be </a:t>
+            </a:r>
+            <a:r>
+              <a:rPr lang="en-US" altLang="zh-TW" sz="1000" dirty="0" smtClean="0"/>
+              <a:t>parsed</a:t>
+            </a:r>
+            <a:endParaRPr lang="en-US" altLang="zh-TW" sz="1000" dirty="0"/>
+          </a:p>
+          <a:p>
+            <a:r>
+              <a:rPr lang="en-US" altLang="zh-TW" sz="1000" dirty="0" smtClean="0"/>
+              <a:t>-p, the </a:t>
+            </a:r>
+            <a:r>
+              <a:rPr lang="en-US" altLang="zh-TW" sz="1000" dirty="0"/>
+              <a:t>path of GCB </a:t>
+            </a:r>
+            <a:r>
+              <a:rPr lang="en-US" altLang="zh-TW" sz="1000" dirty="0" smtClean="0"/>
+              <a:t>patterns</a:t>
+            </a:r>
+            <a:endParaRPr lang="en-US" altLang="zh-TW" sz="1000" dirty="0"/>
+          </a:p>
+          <a:p>
+            <a:r>
+              <a:rPr lang="en-US" altLang="zh-TW" sz="1000" dirty="0" smtClean="0"/>
+              <a:t>-o, the </a:t>
+            </a:r>
+            <a:r>
+              <a:rPr lang="en-US" altLang="zh-TW" sz="1000" dirty="0"/>
+              <a:t>path of output </a:t>
+            </a:r>
+            <a:r>
+              <a:rPr lang="en-US" altLang="zh-TW" sz="1000" dirty="0" smtClean="0"/>
+              <a:t>file</a:t>
+            </a:r>
+            <a:endParaRPr lang="en-US" altLang="zh-TW" sz="1000" dirty="0"/>
+          </a:p>
+          <a:p>
+            <a:r>
+              <a:rPr lang="en-US" altLang="zh-TW" sz="1000" dirty="0" smtClean="0"/>
+              <a:t>-d, the </a:t>
+            </a:r>
+            <a:r>
+              <a:rPr lang="en-US" altLang="zh-TW" sz="1000" dirty="0"/>
+              <a:t>device name, should be one of : </a:t>
+            </a:r>
+            <a:r>
+              <a:rPr lang="en-US" altLang="zh-TW" sz="1000" dirty="0" err="1" smtClean="0"/>
+              <a:t>FortiNet</a:t>
+            </a:r>
+            <a:r>
+              <a:rPr lang="en-US" altLang="zh-TW" sz="1000" dirty="0" smtClean="0"/>
+              <a:t>/Cisco/Juniper</a:t>
+            </a:r>
+            <a:endParaRPr lang="zh-TW" altLang="en-US" sz="1000" dirty="0"/>
+          </a:p>
+        </p:txBody>
+      </p:sp>
+      <p:sp>
+        <p:nvSpPr>
+          <p:cNvPr id="11" name="矩形 10"/>
+          <p:cNvSpPr/>
+          <p:nvPr/>
+        </p:nvSpPr>
+        <p:spPr>
+          <a:xfrm>
+            <a:off x="2941321" y="2236832"/>
+            <a:ext cx="871855" cy="567325"/>
           </a:xfrm>
           <a:prstGeom prst="rect">
             <a:avLst/>
@@ -3083,12 +3315,11 @@
               </a:spcAft>
             </a:pPr>
             <a:r>
-              <a:rPr lang="en-US" sz="1000" kern="100" dirty="0">
-                <a:effectLst/>
+              <a:rPr lang="en-US" altLang="zh-TW" sz="1000" kern="100" dirty="0" smtClean="0">
                 <a:ea typeface="新細明體" panose="02020500000000000000" pitchFamily="18" charset="-120"/>
                 <a:cs typeface="Times New Roman" panose="02020603050405020304" pitchFamily="18" charset="0"/>
               </a:rPr>
-              <a:t>Search config section</a:t>
+              <a:t>Read pattern</a:t>
             </a:r>
             <a:endParaRPr lang="zh-TW" sz="1200" kern="100" dirty="0">
               <a:effectLst/>
@@ -3098,18 +3329,54 @@
           </a:p>
         </p:txBody>
       </p:sp>
-      <p:sp>
-        <p:nvSpPr>
-          <p:cNvPr id="6" name="橢圓 5"/>
+      <p:cxnSp>
+        <p:nvCxnSpPr>
+          <p:cNvPr id="13" name="直線單箭頭接點 12"/>
+          <p:cNvCxnSpPr>
+            <a:stCxn id="4" idx="3"/>
+            <a:endCxn id="11" idx="1"/>
+          </p:cNvCxnSpPr>
+          <p:nvPr/>
+        </p:nvCxnSpPr>
+        <p:spPr>
+          <a:xfrm flipV="1">
+            <a:off x="2390458" y="2520495"/>
+            <a:ext cx="550863" cy="1"/>
+          </a:xfrm>
+          <a:prstGeom prst="straightConnector1">
+            <a:avLst/>
+          </a:prstGeom>
+          <a:ln>
+            <a:tailEnd type="triangle"/>
+          </a:ln>
+        </p:spPr>
+        <p:style>
+          <a:lnRef idx="1">
+            <a:schemeClr val="dk1"/>
+          </a:lnRef>
+          <a:fillRef idx="0">
+            <a:schemeClr val="dk1"/>
+          </a:fillRef>
+          <a:effectRef idx="0">
+            <a:schemeClr val="dk1"/>
+          </a:effectRef>
+          <a:fontRef idx="minor">
+            <a:schemeClr val="tx1"/>
+          </a:fontRef>
+        </p:style>
+      </p:cxnSp>
+      <p:sp>
+        <p:nvSpPr>
+          <p:cNvPr id="14" name="矩形 13"/>
           <p:cNvSpPr/>
           <p:nvPr/>
         </p:nvSpPr>
         <p:spPr>
           <a:xfrm>
-            <a:off x="3665538" y="-43450"/>
-            <a:ext cx="220345" cy="220345"/>
-          </a:xfrm>
-          <a:prstGeom prst="ellipse">
+            <a:off x="4488181" y="2236832"/>
+            <a:ext cx="871855" cy="567325"/>
+          </a:xfrm>
+          <a:prstGeom prst="rect">
             <a:avLst/>
           </a:prstGeom>
           <a:ln>
@@ -3141,6 +3408,268 @@
           </a:bodyPr>
           <a:lstStyle/>
           <a:p>
+            <a:pPr algn="ctr">
+              <a:lnSpc>
+                <a:spcPts val="1200"/>
+              </a:lnSpc>
+              <a:spcAft>
+                <a:spcPts val="0"/>
+              </a:spcAft>
+            </a:pPr>
+            <a:r>
+              <a:rPr lang="en-US" altLang="zh-TW" sz="1000" dirty="0"/>
+              <a:t>config2List</a:t>
+            </a:r>
+            <a:endParaRPr lang="zh-TW" sz="1200" kern="100" dirty="0">
+              <a:effectLst/>
+              <a:ea typeface="新細明體" panose="02020500000000000000" pitchFamily="18" charset="-120"/>
+              <a:cs typeface="Times New Roman" panose="02020603050405020304" pitchFamily="18" charset="0"/>
+            </a:endParaRPr>
+          </a:p>
+        </p:txBody>
+      </p:sp>
+      <p:cxnSp>
+        <p:nvCxnSpPr>
+          <p:cNvPr id="16" name="直線單箭頭接點 15"/>
+          <p:cNvCxnSpPr>
+            <a:stCxn id="11" idx="3"/>
+            <a:endCxn id="14" idx="1"/>
+          </p:cNvCxnSpPr>
+          <p:nvPr/>
+        </p:nvCxnSpPr>
+        <p:spPr>
+          <a:xfrm>
+            <a:off x="3813176" y="2520495"/>
+            <a:ext cx="675005" cy="0"/>
+          </a:xfrm>
+          <a:prstGeom prst="straightConnector1">
+            <a:avLst/>
+          </a:prstGeom>
+          <a:ln>
+            <a:tailEnd type="triangle"/>
+          </a:ln>
+        </p:spPr>
+        <p:style>
+          <a:lnRef idx="1">
+            <a:schemeClr val="dk1"/>
+          </a:lnRef>
+          <a:fillRef idx="0">
+            <a:schemeClr val="dk1"/>
+          </a:fillRef>
+          <a:effectRef idx="0">
+            <a:schemeClr val="dk1"/>
+          </a:effectRef>
+          <a:fontRef idx="minor">
+            <a:schemeClr val="tx1"/>
+          </a:fontRef>
+        </p:style>
+      </p:cxnSp>
+      <p:sp>
+        <p:nvSpPr>
+          <p:cNvPr id="17" name="矩形 16"/>
+          <p:cNvSpPr/>
+          <p:nvPr/>
+        </p:nvSpPr>
+        <p:spPr>
+          <a:xfrm>
+            <a:off x="6035041" y="2236832"/>
+            <a:ext cx="871855" cy="567325"/>
+          </a:xfrm>
+          <a:prstGeom prst="rect">
+            <a:avLst/>
+          </a:prstGeom>
+          <a:ln>
+            <a:solidFill>
+              <a:schemeClr val="tx1"/>
+            </a:solidFill>
+          </a:ln>
+        </p:spPr>
+        <p:style>
+          <a:lnRef idx="2">
+            <a:schemeClr val="dk1"/>
+          </a:lnRef>
+          <a:fillRef idx="1">
+            <a:schemeClr val="lt1"/>
+          </a:fillRef>
+          <a:effectRef idx="0">
+            <a:schemeClr val="dk1"/>
+          </a:effectRef>
+          <a:fontRef idx="minor">
+            <a:schemeClr val="dk1"/>
+          </a:fontRef>
+        </p:style>
+        <p:txBody>
+          <a:bodyPr rot="0" spcFirstLastPara="0" vert="horz" wrap="square" lIns="91440" tIns="0" rIns="91440" bIns="0" numCol="1" spcCol="0" rtlCol="0" fromWordArt="0" anchor="ctr" anchorCtr="0" forceAA="0" compatLnSpc="1">
+            <a:prstTxWarp prst="textNoShape">
+              <a:avLst/>
+            </a:prstTxWarp>
+            <a:noAutofit/>
+          </a:bodyPr>
+          <a:lstStyle/>
+          <a:p>
+            <a:pPr algn="ctr">
+              <a:lnSpc>
+                <a:spcPts val="1200"/>
+              </a:lnSpc>
+              <a:spcAft>
+                <a:spcPts val="0"/>
+              </a:spcAft>
+            </a:pPr>
+            <a:r>
+              <a:rPr lang="en-US" altLang="zh-TW" sz="1000" kern="100" dirty="0" smtClean="0">
+                <a:ea typeface="新細明體" panose="02020500000000000000" pitchFamily="18" charset="-120"/>
+                <a:cs typeface="Times New Roman" panose="02020603050405020304" pitchFamily="18" charset="0"/>
+              </a:rPr>
+              <a:t>processing</a:t>
+            </a:r>
+            <a:endParaRPr lang="zh-TW" sz="1200" kern="100" dirty="0">
+              <a:effectLst/>
+              <a:ea typeface="新細明體" panose="02020500000000000000" pitchFamily="18" charset="-120"/>
+              <a:cs typeface="Times New Roman" panose="02020603050405020304" pitchFamily="18" charset="0"/>
+            </a:endParaRPr>
+          </a:p>
+        </p:txBody>
+      </p:sp>
+    </p:spTree>
+    <p:extLst>
+      <p:ext uri="{BB962C8B-B14F-4D97-AF65-F5344CB8AC3E}">
+        <p14:creationId xmlns:p14="http://schemas.microsoft.com/office/powerpoint/2010/main" val="4244092591"/>
+      </p:ext>
+    </p:extLst>
+  </p:cSld>
+  <p:clrMapOvr>
+    <a:masterClrMapping/>
+  </p:clrMapOvr>
+</p:sld>
+</file>
+
+<file path=ppt/slides/slide2.xml><?xml version="1.0" encoding="utf-8"?>
+<p:sld xmlns:a="http://schemas.openxmlformats.org/drawingml/2006/main" xmlns:r="http://schemas.openxmlformats.org/officeDocument/2006/relationships" xmlns:p="http://schemas.openxmlformats.org/presentationml/2006/main">
+  <p:cSld>
+    <p:spTree>
+      <p:nvGrpSpPr>
+        <p:cNvPr id="1" name=""/>
+        <p:cNvGrpSpPr/>
+        <p:nvPr/>
+      </p:nvGrpSpPr>
+      <p:grpSpPr>
+        <a:xfrm>
+          <a:off x="0" y="0"/>
+          <a:ext cx="0" cy="0"/>
+          <a:chOff x="0" y="0"/>
+          <a:chExt cx="0" cy="0"/>
+        </a:xfrm>
+      </p:grpSpPr>
+      <p:sp>
+        <p:nvSpPr>
+          <p:cNvPr id="4" name="矩形 3"/>
+          <p:cNvSpPr/>
+          <p:nvPr/>
+        </p:nvSpPr>
+        <p:spPr>
+          <a:xfrm>
+            <a:off x="3339783" y="377555"/>
+            <a:ext cx="871855" cy="271780"/>
+          </a:xfrm>
+          <a:prstGeom prst="rect">
+            <a:avLst/>
+          </a:prstGeom>
+          <a:ln>
+            <a:solidFill>
+              <a:schemeClr val="tx1"/>
+            </a:solidFill>
+          </a:ln>
+        </p:spPr>
+        <p:style>
+          <a:lnRef idx="2">
+            <a:schemeClr val="dk1"/>
+          </a:lnRef>
+          <a:fillRef idx="1">
+            <a:schemeClr val="lt1"/>
+          </a:fillRef>
+          <a:effectRef idx="0">
+            <a:schemeClr val="dk1"/>
+          </a:effectRef>
+          <a:fontRef idx="minor">
+            <a:schemeClr val="dk1"/>
+          </a:fontRef>
+        </p:style>
+        <p:txBody>
+          <a:bodyPr rot="0" spcFirstLastPara="0" vert="horz" wrap="square" lIns="91440" tIns="0" rIns="91440" bIns="0" numCol="1" spcCol="0" rtlCol="0" fromWordArt="0" anchor="ctr" anchorCtr="0" forceAA="0" compatLnSpc="1">
+            <a:prstTxWarp prst="textNoShape">
+              <a:avLst/>
+            </a:prstTxWarp>
+            <a:noAutofit/>
+          </a:bodyPr>
+          <a:lstStyle/>
+          <a:p>
+            <a:pPr algn="ctr">
+              <a:lnSpc>
+                <a:spcPts val="1200"/>
+              </a:lnSpc>
+              <a:spcAft>
+                <a:spcPts val="0"/>
+              </a:spcAft>
+            </a:pPr>
+            <a:r>
+              <a:rPr lang="en-US" sz="1000" kern="100">
+                <a:effectLst/>
+                <a:ea typeface="新細明體" panose="02020500000000000000" pitchFamily="18" charset="-120"/>
+                <a:cs typeface="Times New Roman" panose="02020603050405020304" pitchFamily="18" charset="0"/>
+              </a:rPr>
+              <a:t>Read line</a:t>
+            </a:r>
+            <a:endParaRPr lang="zh-TW" sz="1200" kern="100">
+              <a:effectLst/>
+              <a:ea typeface="新細明體" panose="02020500000000000000" pitchFamily="18" charset="-120"/>
+              <a:cs typeface="Times New Roman" panose="02020603050405020304" pitchFamily="18" charset="0"/>
+            </a:endParaRPr>
+          </a:p>
+        </p:txBody>
+      </p:sp>
+      <p:sp>
+        <p:nvSpPr>
+          <p:cNvPr id="6" name="橢圓 5"/>
+          <p:cNvSpPr/>
+          <p:nvPr/>
+        </p:nvSpPr>
+        <p:spPr>
+          <a:xfrm>
+            <a:off x="3662840" y="-768667"/>
+            <a:ext cx="220345" cy="220345"/>
+          </a:xfrm>
+          <a:prstGeom prst="ellipse">
+            <a:avLst/>
+          </a:prstGeom>
+          <a:ln>
+            <a:solidFill>
+              <a:schemeClr val="tx1"/>
+            </a:solidFill>
+          </a:ln>
+        </p:spPr>
+        <p:style>
+          <a:lnRef idx="2">
+            <a:schemeClr val="dk1"/>
+          </a:lnRef>
+          <a:fillRef idx="1">
+            <a:schemeClr val="lt1"/>
+          </a:fillRef>
+          <a:effectRef idx="0">
+            <a:schemeClr val="dk1"/>
+          </a:effectRef>
+          <a:fontRef idx="minor">
+            <a:schemeClr val="dk1"/>
+          </a:fontRef>
+        </p:style>
+        <p:txBody>
+          <a:bodyPr rot="0" spcFirstLastPara="0" vert="horz" wrap="square" lIns="91440" tIns="0" rIns="91440" bIns="0" numCol="1" spcCol="0" rtlCol="0" fromWordArt="0" anchor="ctr" anchorCtr="0" forceAA="0" compatLnSpc="1">
+            <a:prstTxWarp prst="textNoShape">
+              <a:avLst/>
+            </a:prstTxWarp>
+            <a:noAutofit/>
+          </a:bodyPr>
+          <a:lstStyle/>
+          <a:p>
             <a:endParaRPr lang="zh-TW" altLang="en-US"/>
           </a:p>
         </p:txBody>
@@ -3148,13 +3677,15 @@
       <p:cxnSp>
         <p:nvCxnSpPr>
           <p:cNvPr id="7" name="直線單箭頭接點 6"/>
-          <p:cNvCxnSpPr/>
+          <p:cNvCxnSpPr>
+            <a:stCxn id="38" idx="2"/>
+          </p:cNvCxnSpPr>
           <p:nvPr/>
         </p:nvCxnSpPr>
         <p:spPr>
-          <a:xfrm>
-            <a:off x="3773805" y="181340"/>
-            <a:ext cx="3810" cy="196215"/>
+          <a:xfrm flipH="1">
+            <a:off x="3777615" y="181215"/>
+            <a:ext cx="64" cy="196340"/>
           </a:xfrm>
           <a:prstGeom prst="straightConnector1">
             <a:avLst/>
@@ -3227,8 +3758,8 @@
         </p:nvSpPr>
         <p:spPr>
           <a:xfrm>
-            <a:off x="3318510" y="3827780"/>
-            <a:ext cx="914400" cy="340995"/>
+            <a:off x="3057889" y="2417535"/>
+            <a:ext cx="1430609" cy="688813"/>
           </a:xfrm>
           <a:prstGeom prst="flowChartDecision">
             <a:avLst/>
@@ -3271,14 +3802,14 @@
               </a:spcAft>
             </a:pPr>
             <a:r>
-              <a:rPr lang="en-US" sz="1000" kern="100">
+              <a:rPr lang="en-US" sz="1000" kern="100" dirty="0" smtClean="0">
                 <a:effectLst/>
                 <a:ea typeface="新細明體" panose="02020500000000000000" pitchFamily="18" charset="-120"/>
                 <a:cs typeface="Times New Roman" panose="02020603050405020304" pitchFamily="18" charset="0"/>
               </a:rPr>
-              <a:t>found</a:t>
-            </a:r>
-            <a:endParaRPr lang="zh-TW" sz="1200" kern="100">
+              <a:t>Line begin with “config”?</a:t>
+            </a:r>
+            <a:endParaRPr lang="zh-TW" sz="1200" kern="100" dirty="0">
               <a:effectLst/>
               <a:ea typeface="新細明體" panose="02020500000000000000" pitchFamily="18" charset="-120"/>
               <a:cs typeface="Times New Roman" panose="02020603050405020304" pitchFamily="18" charset="0"/>
@@ -3286,82 +3817,6 @@
           </a:p>
         </p:txBody>
       </p:sp>
-      <p:cxnSp>
-        <p:nvCxnSpPr>
-          <p:cNvPr id="10" name="直線單箭頭接點 9"/>
-          <p:cNvCxnSpPr/>
-          <p:nvPr/>
-        </p:nvCxnSpPr>
-        <p:spPr>
-          <a:xfrm>
-            <a:off x="3775710" y="3623945"/>
-            <a:ext cx="0" cy="203835"/>
-          </a:xfrm>
-          <a:prstGeom prst="straightConnector1">
-            <a:avLst/>
-          </a:prstGeom>
-          <a:ln>
-            <a:solidFill>
-              <a:schemeClr val="tx1"/>
-            </a:solidFill>
-            <a:tailEnd type="triangle"/>
-          </a:ln>
-        </p:spPr>
-        <p:style>
-          <a:lnRef idx="1">
-            <a:schemeClr val="dk1"/>
-          </a:lnRef>
-          <a:fillRef idx="0">
-            <a:schemeClr val="dk1"/>
-          </a:fillRef>
-          <a:effectRef idx="0">
-            <a:schemeClr val="dk1"/>
-          </a:effectRef>
-          <a:fontRef idx="minor">
-            <a:schemeClr val="tx1"/>
-          </a:fontRef>
-        </p:style>
-      </p:cxnSp>
-      <p:cxnSp>
-        <p:nvCxnSpPr>
-          <p:cNvPr id="18" name="肘形接點 17"/>
-          <p:cNvCxnSpPr>
-            <a:stCxn id="32" idx="2"/>
-          </p:cNvCxnSpPr>
-          <p:nvPr/>
-        </p:nvCxnSpPr>
-        <p:spPr>
-          <a:xfrm rot="5400000" flipH="1">
-            <a:off x="2126591" y="4654209"/>
-            <a:ext cx="1996885" cy="1301353"/>
-          </a:xfrm>
-          <a:prstGeom prst="bentConnector3">
-            <a:avLst>
-              <a:gd name="adj1" fmla="val -11448"/>
-            </a:avLst>
-          </a:prstGeom>
-          <a:ln>
-            <a:solidFill>
-              <a:schemeClr val="tx1"/>
-            </a:solidFill>
-            <a:tailEnd type="triangle"/>
-          </a:ln>
-        </p:spPr>
-        <p:style>
-          <a:lnRef idx="1">
-            <a:schemeClr val="dk1"/>
-          </a:lnRef>
-          <a:fillRef idx="0">
-            <a:schemeClr val="dk1"/>
-          </a:fillRef>
-          <a:effectRef idx="0">
-            <a:schemeClr val="dk1"/>
-          </a:effectRef>
-          <a:fontRef idx="minor">
-            <a:schemeClr val="tx1"/>
-          </a:fontRef>
-        </p:style>
-      </p:cxnSp>
       <p:sp>
         <p:nvSpPr>
           <p:cNvPr id="20" name="文字方塊 19"/>
@@ -3370,7 +3825,7 @@
         </p:nvSpPr>
         <p:spPr>
           <a:xfrm>
-            <a:off x="4260377" y="3774678"/>
+            <a:off x="4462502" y="2500166"/>
             <a:ext cx="220978" cy="246221"/>
           </a:xfrm>
           <a:prstGeom prst="rect">
@@ -3400,8 +3855,8 @@
         </p:nvSpPr>
         <p:spPr>
           <a:xfrm>
-            <a:off x="3318510" y="4355780"/>
-            <a:ext cx="914400" cy="731204"/>
+            <a:off x="3144074" y="3278187"/>
+            <a:ext cx="1253823" cy="1026342"/>
           </a:xfrm>
           <a:prstGeom prst="flowChartDecision">
             <a:avLst/>
@@ -3449,7 +3904,39 @@
                 <a:ea typeface="新細明體" panose="02020500000000000000" pitchFamily="18" charset="-120"/>
                 <a:cs typeface="Times New Roman" panose="02020603050405020304" pitchFamily="18" charset="0"/>
               </a:rPr>
-              <a:t>Invalid config sec.</a:t>
+              <a:t>Config </a:t>
+            </a:r>
+            <a:r>
+              <a:rPr lang="en-US" sz="1000" kern="100" dirty="0" err="1" smtClean="0">
+                <a:effectLst/>
+                <a:ea typeface="新細明體" panose="02020500000000000000" pitchFamily="18" charset="-120"/>
+                <a:cs typeface="Times New Roman" panose="02020603050405020304" pitchFamily="18" charset="0"/>
+              </a:rPr>
+              <a:t>cmd</a:t>
+            </a:r>
+            <a:r>
+              <a:rPr lang="en-US" sz="1000" kern="100" dirty="0" smtClean="0">
+                <a:effectLst/>
+                <a:ea typeface="新細明體" panose="02020500000000000000" pitchFamily="18" charset="-120"/>
+                <a:cs typeface="Times New Roman" panose="02020603050405020304" pitchFamily="18" charset="0"/>
+              </a:rPr>
+              <a:t> in </a:t>
+            </a:r>
+            <a:r>
+              <a:rPr lang="en-US" sz="1000" kern="100" dirty="0" err="1" smtClean="0">
+                <a:effectLst/>
+                <a:ea typeface="新細明體" panose="02020500000000000000" pitchFamily="18" charset="-120"/>
+                <a:cs typeface="Times New Roman" panose="02020603050405020304" pitchFamily="18" charset="0"/>
+              </a:rPr>
+              <a:t>configCmd</a:t>
+            </a:r>
+            <a:r>
+              <a:rPr lang="en-US" sz="1000" kern="100" dirty="0" smtClean="0">
+                <a:effectLst/>
+                <a:ea typeface="新細明體" panose="02020500000000000000" pitchFamily="18" charset="-120"/>
+                <a:cs typeface="Times New Roman" panose="02020603050405020304" pitchFamily="18" charset="0"/>
+              </a:rPr>
+              <a:t>?</a:t>
             </a:r>
             <a:endParaRPr lang="zh-TW" sz="1200" kern="100" dirty="0">
               <a:effectLst/>
@@ -3467,7 +3954,7 @@
         </p:nvCxnSpPr>
         <p:spPr>
           <a:xfrm>
-            <a:off x="3775710" y="4168775"/>
+            <a:off x="3770986" y="3108091"/>
             <a:ext cx="0" cy="187005"/>
           </a:xfrm>
           <a:prstGeom prst="straightConnector1">
@@ -3503,7 +3990,7 @@
         </p:nvSpPr>
         <p:spPr>
           <a:xfrm>
-            <a:off x="4965065" y="4514689"/>
+            <a:off x="4827826" y="3584665"/>
             <a:ext cx="1088390" cy="413385"/>
           </a:xfrm>
           <a:prstGeom prst="rect">
@@ -3552,7 +4039,35 @@
                 <a:ea typeface="新細明體" panose="02020500000000000000" pitchFamily="18" charset="-120"/>
                 <a:cs typeface="Times New Roman" panose="02020603050405020304" pitchFamily="18" charset="0"/>
               </a:rPr>
-              <a:t> set Skip flag to True</a:t>
+              <a:t> set </a:t>
+            </a:r>
+            <a:r>
+              <a:rPr lang="en-US" altLang="zh-TW" sz="1000" kern="100" dirty="0" err="1">
+                <a:cs typeface="Times New Roman" panose="02020603050405020304" pitchFamily="18" charset="0"/>
+              </a:rPr>
+              <a:t>skipConfigSec</a:t>
+            </a:r>
+            <a:r>
+              <a:rPr lang="en-US" altLang="zh-TW" sz="1000" kern="100" dirty="0">
+                <a:cs typeface="Times New Roman" panose="02020603050405020304" pitchFamily="18" charset="0"/>
+              </a:rPr>
+              <a:t> </a:t>
+            </a:r>
+            <a:r>
+              <a:rPr lang="en-US" sz="1000" kern="100" dirty="0" smtClean="0">
+                <a:effectLst/>
+                <a:ea typeface="新細明體" panose="02020500000000000000" pitchFamily="18" charset="-120"/>
+                <a:cs typeface="Times New Roman" panose="02020603050405020304" pitchFamily="18" charset="0"/>
+              </a:rPr>
+              <a:t>to </a:t>
+            </a:r>
+            <a:r>
+              <a:rPr lang="en-US" sz="1000" kern="100" dirty="0" smtClean="0">
+                <a:effectLst/>
+                <a:ea typeface="新細明體" panose="02020500000000000000" pitchFamily="18" charset="-120"/>
+                <a:cs typeface="Times New Roman" panose="02020603050405020304" pitchFamily="18" charset="0"/>
+              </a:rPr>
+              <a:t>True</a:t>
             </a:r>
             <a:endParaRPr lang="zh-TW" sz="1200" kern="100" dirty="0">
               <a:effectLst/>
@@ -3573,8 +4088,8 @@
         </p:nvCxnSpPr>
         <p:spPr>
           <a:xfrm>
-            <a:off x="4232910" y="4721382"/>
-            <a:ext cx="732155" cy="0"/>
+            <a:off x="4397897" y="3791358"/>
+            <a:ext cx="429929" cy="0"/>
           </a:xfrm>
           <a:prstGeom prst="straightConnector1">
             <a:avLst/>
@@ -3601,45 +4116,6 @@
           </a:fontRef>
         </p:style>
       </p:cxnSp>
-      <p:cxnSp>
-        <p:nvCxnSpPr>
-          <p:cNvPr id="30" name="肘形接點 29"/>
-          <p:cNvCxnSpPr>
-            <a:stCxn id="26" idx="0"/>
-            <a:endCxn id="4" idx="3"/>
-          </p:cNvCxnSpPr>
-          <p:nvPr/>
-        </p:nvCxnSpPr>
-        <p:spPr>
-          <a:xfrm rot="16200000" flipV="1">
-            <a:off x="2859827" y="1865256"/>
-            <a:ext cx="4001244" cy="1297622"/>
-          </a:xfrm>
-          <a:prstGeom prst="bentConnector2">
-            <a:avLst/>
-          </a:prstGeom>
-          <a:ln>
-            <a:solidFill>
-              <a:schemeClr val="tx1"/>
-            </a:solidFill>
-            <a:tailEnd type="triangle"/>
-          </a:ln>
-        </p:spPr>
-        <p:style>
-          <a:lnRef idx="1">
-            <a:schemeClr val="accent1"/>
-          </a:lnRef>
-          <a:fillRef idx="0">
-            <a:schemeClr val="accent1"/>
-          </a:fillRef>
-          <a:effectRef idx="0">
-            <a:schemeClr val="accent1"/>
-          </a:effectRef>
-          <a:fontRef idx="minor">
-            <a:schemeClr val="tx1"/>
-          </a:fontRef>
-        </p:style>
-      </p:cxnSp>
       <p:sp>
         <p:nvSpPr>
           <p:cNvPr id="31" name="文字方塊 30"/>
@@ -3672,216 +4148,13 @@
       </p:sp>
       <p:sp>
         <p:nvSpPr>
-          <p:cNvPr id="32" name="矩形 31"/>
-          <p:cNvSpPr/>
-          <p:nvPr/>
-        </p:nvSpPr>
-        <p:spPr>
-          <a:xfrm>
-            <a:off x="3231515" y="5373526"/>
-            <a:ext cx="1088390" cy="929801"/>
-          </a:xfrm>
-          <a:prstGeom prst="rect">
-            <a:avLst/>
-          </a:prstGeom>
-          <a:ln>
-            <a:solidFill>
-              <a:schemeClr val="tx1"/>
-            </a:solidFill>
-          </a:ln>
-        </p:spPr>
-        <p:style>
-          <a:lnRef idx="2">
-            <a:schemeClr val="dk1"/>
-          </a:lnRef>
-          <a:fillRef idx="1">
-            <a:schemeClr val="lt1"/>
-          </a:fillRef>
-          <a:effectRef idx="0">
-            <a:schemeClr val="dk1"/>
-          </a:effectRef>
-          <a:fontRef idx="minor">
-            <a:schemeClr val="dk1"/>
-          </a:fontRef>
-        </p:style>
-        <p:txBody>
-          <a:bodyPr rot="0" spcFirstLastPara="0" vert="horz" wrap="square" lIns="91440" tIns="0" rIns="91440" bIns="0" numCol="1" spcCol="0" rtlCol="0" fromWordArt="0" anchor="ctr" anchorCtr="0" forceAA="0" compatLnSpc="1">
-            <a:prstTxWarp prst="textNoShape">
-              <a:avLst/>
-            </a:prstTxWarp>
-            <a:noAutofit/>
-          </a:bodyPr>
-          <a:lstStyle/>
-          <a:p>
-            <a:pPr marL="171450" indent="-171450">
-              <a:lnSpc>
-                <a:spcPts val="800"/>
-              </a:lnSpc>
-              <a:spcAft>
-                <a:spcPts val="0"/>
-              </a:spcAft>
-              <a:buFont typeface="Arial" panose="020B0604020202020204" pitchFamily="34" charset="0"/>
-              <a:buChar char="•"/>
-            </a:pPr>
-            <a:r>
-              <a:rPr lang="en-US" sz="800" kern="100" dirty="0" smtClean="0">
-                <a:effectLst/>
-                <a:ea typeface="新細明體" panose="02020500000000000000" pitchFamily="18" charset="-120"/>
-                <a:cs typeface="Times New Roman" panose="02020603050405020304" pitchFamily="18" charset="0"/>
-              </a:rPr>
-              <a:t>Build a </a:t>
-            </a:r>
-            <a:r>
-              <a:rPr lang="en-US" sz="800" kern="100" dirty="0" err="1" smtClean="0">
-                <a:effectLst/>
-                <a:ea typeface="新細明體" panose="02020500000000000000" pitchFamily="18" charset="-120"/>
-                <a:cs typeface="Times New Roman" panose="02020603050405020304" pitchFamily="18" charset="0"/>
-              </a:rPr>
-              <a:t>subtree</a:t>
-            </a:r>
-            <a:r>
-              <a:rPr lang="en-US" sz="800" kern="100" dirty="0" smtClean="0">
-                <a:effectLst/>
-                <a:ea typeface="新細明體" panose="02020500000000000000" pitchFamily="18" charset="-120"/>
-                <a:cs typeface="Times New Roman" panose="02020603050405020304" pitchFamily="18" charset="0"/>
-              </a:rPr>
-              <a:t>(S) by creating a top node and gather info</a:t>
-            </a:r>
-          </a:p>
-          <a:p>
-            <a:pPr marL="171450" indent="-171450">
-              <a:lnSpc>
-                <a:spcPts val="800"/>
-              </a:lnSpc>
-              <a:spcAft>
-                <a:spcPts val="0"/>
-              </a:spcAft>
-              <a:buFont typeface="Arial" panose="020B0604020202020204" pitchFamily="34" charset="0"/>
-              <a:buChar char="•"/>
-            </a:pPr>
-            <a:r>
-              <a:rPr lang="en-US" altLang="zh-TW" sz="800" kern="100" dirty="0" smtClean="0">
-                <a:cs typeface="Times New Roman" panose="02020603050405020304" pitchFamily="18" charset="0"/>
-              </a:rPr>
-              <a:t> </a:t>
-            </a:r>
-            <a:r>
-              <a:rPr lang="en-US" altLang="zh-TW" sz="800" kern="100" dirty="0">
-                <a:cs typeface="Times New Roman" panose="02020603050405020304" pitchFamily="18" charset="0"/>
-              </a:rPr>
-              <a:t>set </a:t>
-            </a:r>
-            <a:r>
-              <a:rPr lang="en-US" altLang="zh-TW" sz="800" kern="100" dirty="0" err="1">
-                <a:cs typeface="Times New Roman" panose="02020603050405020304" pitchFamily="18" charset="0"/>
-              </a:rPr>
-              <a:t>enterValidConfigSec</a:t>
-            </a:r>
-            <a:r>
-              <a:rPr lang="en-US" altLang="zh-TW" sz="800" kern="100" dirty="0">
-                <a:cs typeface="Times New Roman" panose="02020603050405020304" pitchFamily="18" charset="0"/>
-              </a:rPr>
-              <a:t> flag to false</a:t>
-            </a:r>
-            <a:r>
-              <a:rPr lang="en-US" sz="800" kern="100" dirty="0" smtClean="0">
-                <a:effectLst/>
-                <a:ea typeface="新細明體" panose="02020500000000000000" pitchFamily="18" charset="-120"/>
-                <a:cs typeface="Times New Roman" panose="02020603050405020304" pitchFamily="18" charset="0"/>
-              </a:rPr>
-              <a:t> </a:t>
-            </a:r>
-            <a:endParaRPr lang="zh-TW" sz="1050" kern="100" dirty="0">
-              <a:effectLst/>
-              <a:ea typeface="新細明體" panose="02020500000000000000" pitchFamily="18" charset="-120"/>
-              <a:cs typeface="Times New Roman" panose="02020603050405020304" pitchFamily="18" charset="0"/>
-            </a:endParaRPr>
-          </a:p>
-        </p:txBody>
-      </p:sp>
-      <p:cxnSp>
-        <p:nvCxnSpPr>
-          <p:cNvPr id="34" name="直線單箭頭接點 33"/>
-          <p:cNvCxnSpPr/>
-          <p:nvPr/>
-        </p:nvCxnSpPr>
-        <p:spPr>
-          <a:xfrm>
-            <a:off x="3775710" y="5086984"/>
-            <a:ext cx="0" cy="286542"/>
-          </a:xfrm>
-          <a:prstGeom prst="straightConnector1">
-            <a:avLst/>
-          </a:prstGeom>
-          <a:ln>
-            <a:solidFill>
-              <a:schemeClr val="tx1"/>
-            </a:solidFill>
-            <a:tailEnd type="triangle"/>
-          </a:ln>
-        </p:spPr>
-        <p:style>
-          <a:lnRef idx="1">
-            <a:schemeClr val="accent1"/>
-          </a:lnRef>
-          <a:fillRef idx="0">
-            <a:schemeClr val="accent1"/>
-          </a:fillRef>
-          <a:effectRef idx="0">
-            <a:schemeClr val="accent1"/>
-          </a:effectRef>
-          <a:fontRef idx="minor">
-            <a:schemeClr val="tx1"/>
-          </a:fontRef>
-        </p:style>
-      </p:cxnSp>
-      <p:cxnSp>
-        <p:nvCxnSpPr>
-          <p:cNvPr id="40" name="直線單箭頭接點 39"/>
-          <p:cNvCxnSpPr>
-            <a:stCxn id="9" idx="3"/>
-          </p:cNvCxnSpPr>
-          <p:nvPr/>
-        </p:nvCxnSpPr>
-        <p:spPr>
-          <a:xfrm flipV="1">
-            <a:off x="4232910" y="3998277"/>
-            <a:ext cx="1276350" cy="1"/>
-          </a:xfrm>
-          <a:prstGeom prst="straightConnector1">
-            <a:avLst/>
-          </a:prstGeom>
-          <a:ln>
-            <a:solidFill>
-              <a:schemeClr val="tx1"/>
-            </a:solidFill>
-            <a:tailEnd type="triangle"/>
-          </a:ln>
-        </p:spPr>
-        <p:style>
-          <a:lnRef idx="1">
-            <a:schemeClr val="accent1"/>
-          </a:lnRef>
-          <a:fillRef idx="0">
-            <a:schemeClr val="accent1"/>
-          </a:fillRef>
-          <a:effectRef idx="0">
-            <a:schemeClr val="accent1"/>
-          </a:effectRef>
-          <a:fontRef idx="minor">
-            <a:schemeClr val="tx1"/>
-          </a:fontRef>
-        </p:style>
-      </p:cxnSp>
-      <p:sp>
-        <p:nvSpPr>
           <p:cNvPr id="46" name="流程圖: 決策 45"/>
           <p:cNvSpPr/>
           <p:nvPr/>
         </p:nvSpPr>
         <p:spPr>
           <a:xfrm>
-            <a:off x="3318510" y="1918936"/>
+            <a:off x="3313786" y="1664936"/>
             <a:ext cx="914400" cy="546168"/>
           </a:xfrm>
           <a:prstGeom prst="flowChartDecision">
@@ -3928,7 +4201,7 @@
               <a:rPr lang="en-US" altLang="zh-TW" sz="800" kern="100" dirty="0" err="1" smtClean="0">
                 <a:cs typeface="Times New Roman" panose="02020603050405020304" pitchFamily="18" charset="0"/>
               </a:rPr>
-              <a:t>enterValidConfigSec</a:t>
+              <a:t>enterConfigSec</a:t>
             </a:r>
             <a:endParaRPr lang="zh-TW" sz="800" kern="100" dirty="0">
               <a:effectLst/>
@@ -3941,16 +4214,13 @@
       <p:cxnSp>
         <p:nvCxnSpPr>
           <p:cNvPr id="52" name="直線單箭頭接點 51"/>
-          <p:cNvCxnSpPr>
-            <a:stCxn id="46" idx="2"/>
-            <a:endCxn id="5" idx="0"/>
-          </p:cNvCxnSpPr>
+          <p:cNvCxnSpPr/>
           <p:nvPr/>
         </p:nvCxnSpPr>
         <p:spPr>
           <a:xfrm>
-            <a:off x="3775710" y="2465104"/>
-            <a:ext cx="0" cy="745456"/>
+            <a:off x="3770986" y="2211104"/>
+            <a:ext cx="0" cy="197373"/>
           </a:xfrm>
           <a:prstGeom prst="straightConnector1">
             <a:avLst/>
@@ -3982,7 +4252,7 @@
         </p:nvSpPr>
         <p:spPr>
           <a:xfrm>
-            <a:off x="3773805" y="2461374"/>
+            <a:off x="3814734" y="2169850"/>
             <a:ext cx="719646" cy="246221"/>
           </a:xfrm>
           <a:prstGeom prst="rect">
@@ -3998,7 +4268,7 @@
           <a:p>
             <a:r>
               <a:rPr lang="en-US" altLang="zh-TW" sz="1000" dirty="0" smtClean="0"/>
-              <a:t>False</a:t>
+              <a:t>N</a:t>
             </a:r>
             <a:endParaRPr lang="zh-TW" altLang="en-US" sz="1000" dirty="0"/>
           </a:p>
@@ -4012,7 +4282,7 @@
         </p:nvSpPr>
         <p:spPr>
           <a:xfrm>
-            <a:off x="628810" y="3414395"/>
+            <a:off x="456090" y="3414395"/>
             <a:ext cx="1088390" cy="688213"/>
           </a:xfrm>
           <a:prstGeom prst="rect">
@@ -4082,8 +4352,8 @@
         </p:nvCxnSpPr>
         <p:spPr>
           <a:xfrm rot="10800000" flipV="1">
-            <a:off x="1173324" y="2192020"/>
-            <a:ext cx="2145187" cy="308146"/>
+            <a:off x="1000604" y="1938020"/>
+            <a:ext cx="2313183" cy="562146"/>
           </a:xfrm>
           <a:prstGeom prst="bentConnector2">
             <a:avLst/>
@@ -4115,7 +4385,7 @@
         </p:nvSpPr>
         <p:spPr>
           <a:xfrm>
-            <a:off x="716123" y="2500166"/>
+            <a:off x="543403" y="2500166"/>
             <a:ext cx="914400" cy="546168"/>
           </a:xfrm>
           <a:prstGeom prst="flowChartDecision">
@@ -4198,7 +4468,7 @@
           <a:p>
             <a:r>
               <a:rPr lang="en-US" altLang="zh-TW" sz="1000" dirty="0" smtClean="0"/>
-              <a:t>True</a:t>
+              <a:t>Y</a:t>
             </a:r>
             <a:endParaRPr lang="zh-TW" altLang="en-US" sz="1000" dirty="0"/>
           </a:p>
@@ -4215,13 +4485,13 @@
         </p:nvCxnSpPr>
         <p:spPr>
           <a:xfrm rot="5400000" flipH="1" flipV="1">
-            <a:off x="461812" y="1224638"/>
-            <a:ext cx="3589163" cy="2166778"/>
+            <a:off x="375452" y="1138278"/>
+            <a:ext cx="3589163" cy="2339498"/>
           </a:xfrm>
           <a:prstGeom prst="bentConnector4">
             <a:avLst>
               <a:gd name="adj1" fmla="val -6369"/>
-              <a:gd name="adj2" fmla="val -38963"/>
+              <a:gd name="adj2" fmla="val -34780"/>
             </a:avLst>
           </a:prstGeom>
           <a:ln>
@@ -4251,7 +4521,7 @@
         </p:nvSpPr>
         <p:spPr>
           <a:xfrm>
-            <a:off x="1151732" y="3048875"/>
+            <a:off x="979012" y="3048875"/>
             <a:ext cx="220978" cy="246221"/>
           </a:xfrm>
           <a:prstGeom prst="rect">
@@ -4284,7 +4554,7 @@
         </p:nvCxnSpPr>
         <p:spPr>
           <a:xfrm flipH="1">
-            <a:off x="1173005" y="3046334"/>
+            <a:off x="1000285" y="3046334"/>
             <a:ext cx="318" cy="368061"/>
           </a:xfrm>
           <a:prstGeom prst="straightConnector1">
@@ -4317,8 +4587,8 @@
         </p:nvSpPr>
         <p:spPr>
           <a:xfrm>
-            <a:off x="1933182" y="3414394"/>
-            <a:ext cx="1088390" cy="688213"/>
+            <a:off x="1760462" y="3414395"/>
+            <a:ext cx="1088390" cy="452240"/>
           </a:xfrm>
           <a:prstGeom prst="rect">
             <a:avLst/>
@@ -4352,61 +4622,21 @@
           </a:bodyPr>
           <a:lstStyle/>
           <a:p>
-            <a:pPr marL="171450" indent="-171450">
+            <a:pPr>
               <a:lnSpc>
                 <a:spcPts val="800"/>
               </a:lnSpc>
               <a:spcAft>
                 <a:spcPts val="0"/>
               </a:spcAft>
-              <a:buFont typeface="Arial" panose="020B0604020202020204" pitchFamily="34" charset="0"/>
-              <a:buChar char="•"/>
             </a:pPr>
             <a:r>
               <a:rPr lang="en-US" altLang="zh-TW" sz="800" kern="100" dirty="0" smtClean="0">
                 <a:ea typeface="新細明體" panose="02020500000000000000" pitchFamily="18" charset="-120"/>
                 <a:cs typeface="Times New Roman" panose="02020603050405020304" pitchFamily="18" charset="0"/>
               </a:rPr>
-              <a:t>Link S to original tree</a:t>
-            </a:r>
-          </a:p>
-          <a:p>
-            <a:pPr marL="171450" indent="-171450">
-              <a:lnSpc>
-                <a:spcPts val="800"/>
-              </a:lnSpc>
-              <a:spcAft>
-                <a:spcPts val="0"/>
-              </a:spcAft>
-              <a:buFont typeface="Arial" panose="020B0604020202020204" pitchFamily="34" charset="0"/>
-              <a:buChar char="•"/>
-            </a:pPr>
-            <a:r>
-              <a:rPr lang="en-US" altLang="zh-TW" sz="800" kern="100" dirty="0" smtClean="0">
-                <a:ea typeface="新細明體" panose="02020500000000000000" pitchFamily="18" charset="-120"/>
-                <a:cs typeface="Times New Roman" panose="02020603050405020304" pitchFamily="18" charset="0"/>
-              </a:rPr>
-              <a:t>Set </a:t>
-            </a:r>
-            <a:r>
-              <a:rPr lang="en-US" altLang="zh-TW" sz="800" kern="100" dirty="0" err="1" smtClean="0">
-                <a:ea typeface="新細明體" panose="02020500000000000000" pitchFamily="18" charset="-120"/>
-                <a:cs typeface="Times New Roman" panose="02020603050405020304" pitchFamily="18" charset="0"/>
-              </a:rPr>
-              <a:t>enterValidConfigSec</a:t>
-            </a:r>
-            <a:r>
-              <a:rPr lang="en-US" altLang="zh-TW" sz="800" kern="100" dirty="0" smtClean="0">
-                <a:ea typeface="新細明體" panose="02020500000000000000" pitchFamily="18" charset="-120"/>
-                <a:cs typeface="Times New Roman" panose="02020603050405020304" pitchFamily="18" charset="0"/>
-              </a:rPr>
-              <a:t> flag to false </a:t>
-            </a:r>
-            <a:endParaRPr lang="zh-TW" sz="1050" kern="100" dirty="0">
-              <a:effectLst/>
-              <a:ea typeface="新細明體" panose="02020500000000000000" pitchFamily="18" charset="-120"/>
-              <a:cs typeface="Times New Roman" panose="02020603050405020304" pitchFamily="18" charset="0"/>
-            </a:endParaRPr>
+              <a:t>Go up 1 level to new node(parent)</a:t>
+            </a:r>
           </a:p>
         </p:txBody>
       </p:sp>
@@ -4421,8 +4651,8 @@
         </p:nvCxnSpPr>
         <p:spPr>
           <a:xfrm>
-            <a:off x="1630523" y="2773250"/>
-            <a:ext cx="846854" cy="641144"/>
+            <a:off x="1457803" y="2773250"/>
+            <a:ext cx="846854" cy="641145"/>
           </a:xfrm>
           <a:prstGeom prst="bentConnector2">
             <a:avLst/>
@@ -4454,7 +4684,7 @@
         </p:nvSpPr>
         <p:spPr>
           <a:xfrm>
-            <a:off x="1667358" y="2527029"/>
+            <a:off x="1494638" y="2527029"/>
             <a:ext cx="220978" cy="246221"/>
           </a:xfrm>
           <a:prstGeom prst="rect">
@@ -4476,41 +4706,6 @@
           </a:p>
         </p:txBody>
       </p:sp>
-      <p:cxnSp>
-        <p:nvCxnSpPr>
-          <p:cNvPr id="77" name="肘形接點 76"/>
-          <p:cNvCxnSpPr>
-            <a:stCxn id="71" idx="2"/>
-          </p:cNvCxnSpPr>
-          <p:nvPr/>
-        </p:nvCxnSpPr>
-        <p:spPr>
-          <a:xfrm rot="5400000">
-            <a:off x="1701548" y="3552792"/>
-            <a:ext cx="226014" cy="1325645"/>
-          </a:xfrm>
-          <a:prstGeom prst="bentConnector2">
-            <a:avLst/>
-          </a:prstGeom>
-          <a:ln>
-            <a:tailEnd type="triangle"/>
-          </a:ln>
-        </p:spPr>
-        <p:style>
-          <a:lnRef idx="1">
-            <a:schemeClr val="dk1"/>
-          </a:lnRef>
-          <a:fillRef idx="0">
-            <a:schemeClr val="dk1"/>
-          </a:fillRef>
-          <a:effectRef idx="0">
-            <a:schemeClr val="dk1"/>
-          </a:effectRef>
-          <a:fontRef idx="minor">
-            <a:schemeClr val="tx1"/>
-          </a:fontRef>
-        </p:style>
-      </p:cxnSp>
       <p:sp>
         <p:nvSpPr>
           <p:cNvPr id="103" name="文字方塊 102"/>
@@ -4519,7 +4714,7 @@
         </p:nvSpPr>
         <p:spPr>
           <a:xfrm>
-            <a:off x="3800003" y="4136348"/>
+            <a:off x="3790601" y="3084281"/>
             <a:ext cx="220978" cy="246221"/>
           </a:xfrm>
           <a:prstGeom prst="rect">
@@ -4536,36 +4731,6 @@
             <a:r>
               <a:rPr lang="en-US" altLang="zh-TW" sz="1000" dirty="0" smtClean="0"/>
               <a:t>Y</a:t>
-            </a:r>
-            <a:endParaRPr lang="zh-TW" altLang="en-US" sz="1000" dirty="0"/>
-          </a:p>
-        </p:txBody>
-      </p:sp>
-      <p:sp>
-        <p:nvSpPr>
-          <p:cNvPr id="104" name="文字方塊 103"/>
-          <p:cNvSpPr txBox="1"/>
-          <p:nvPr/>
-        </p:nvSpPr>
-        <p:spPr>
-          <a:xfrm>
-            <a:off x="3772696" y="5064835"/>
-            <a:ext cx="220978" cy="246221"/>
-          </a:xfrm>
-          <a:prstGeom prst="rect">
-            <a:avLst/>
-          </a:prstGeom>
-          <a:noFill/>
-        </p:spPr>
-        <p:txBody>
-          <a:bodyPr wrap="square" rtlCol="0">
-            <a:spAutoFit/>
-          </a:bodyPr>
-          <a:lstStyle/>
-          <a:p>
-            <a:r>
-              <a:rPr lang="en-US" altLang="zh-TW" sz="1000" dirty="0" smtClean="0"/>
-              <a:t>N</a:t>
             </a:r>
             <a:endParaRPr lang="zh-TW" altLang="en-US" sz="1000" dirty="0"/>
           </a:p>
@@ -4626,13 +4791,1161 @@
               <a:rPr lang="en-US" altLang="zh-TW" sz="800" kern="100" dirty="0" err="1" smtClean="0">
                 <a:cs typeface="Times New Roman" panose="02020603050405020304" pitchFamily="18" charset="0"/>
               </a:rPr>
-              <a:t>enterValidConfigSec</a:t>
+              <a:t>skip</a:t>
+            </a:r>
+            <a:r>
+              <a:rPr lang="en-US" altLang="zh-TW" sz="800" kern="100" dirty="0" err="1" smtClean="0">
+                <a:cs typeface="Times New Roman" panose="02020603050405020304" pitchFamily="18" charset="0"/>
+              </a:rPr>
+              <a:t>ConfigSec</a:t>
             </a:r>
             <a:endParaRPr lang="zh-TW" sz="800" kern="100" dirty="0">
               <a:effectLst/>
               <a:ea typeface="新細明體" panose="02020500000000000000" pitchFamily="18" charset="-120"/>
               <a:cs typeface="Times New Roman" panose="02020603050405020304" pitchFamily="18" charset="0"/>
             </a:endParaRPr>
+          </a:p>
+        </p:txBody>
+      </p:sp>
+      <p:sp>
+        <p:nvSpPr>
+          <p:cNvPr id="2" name="文字方塊 1"/>
+          <p:cNvSpPr txBox="1"/>
+          <p:nvPr/>
+        </p:nvSpPr>
+        <p:spPr>
+          <a:xfrm>
+            <a:off x="10298635" y="66722"/>
+            <a:ext cx="1689497" cy="369332"/>
+          </a:xfrm>
+          <a:prstGeom prst="rect">
+            <a:avLst/>
+          </a:prstGeom>
+          <a:noFill/>
+        </p:spPr>
+        <p:txBody>
+          <a:bodyPr wrap="square" rtlCol="0">
+            <a:spAutoFit/>
+          </a:bodyPr>
+          <a:lstStyle/>
+          <a:p>
+            <a:r>
+              <a:rPr lang="en-US" altLang="zh-TW" dirty="0" smtClean="0"/>
+              <a:t>config2List</a:t>
+            </a:r>
+            <a:endParaRPr lang="zh-TW" altLang="en-US" dirty="0"/>
+          </a:p>
+        </p:txBody>
+      </p:sp>
+      <p:sp>
+        <p:nvSpPr>
+          <p:cNvPr id="38" name="矩形 37"/>
+          <p:cNvSpPr/>
+          <p:nvPr/>
+        </p:nvSpPr>
+        <p:spPr>
+          <a:xfrm>
+            <a:off x="3341751" y="-415719"/>
+            <a:ext cx="871855" cy="596934"/>
+          </a:xfrm>
+          <a:prstGeom prst="rect">
+            <a:avLst/>
+          </a:prstGeom>
+          <a:ln>
+            <a:solidFill>
+              <a:schemeClr val="tx1"/>
+            </a:solidFill>
+          </a:ln>
+        </p:spPr>
+        <p:style>
+          <a:lnRef idx="2">
+            <a:schemeClr val="dk1"/>
+          </a:lnRef>
+          <a:fillRef idx="1">
+            <a:schemeClr val="lt1"/>
+          </a:fillRef>
+          <a:effectRef idx="0">
+            <a:schemeClr val="dk1"/>
+          </a:effectRef>
+          <a:fontRef idx="minor">
+            <a:schemeClr val="dk1"/>
+          </a:fontRef>
+        </p:style>
+        <p:txBody>
+          <a:bodyPr rot="0" spcFirstLastPara="0" vert="horz" wrap="square" lIns="91440" tIns="0" rIns="91440" bIns="0" numCol="1" spcCol="0" rtlCol="0" fromWordArt="0" anchor="ctr" anchorCtr="0" forceAA="0" compatLnSpc="1">
+            <a:prstTxWarp prst="textNoShape">
+              <a:avLst/>
+            </a:prstTxWarp>
+            <a:noAutofit/>
+          </a:bodyPr>
+          <a:lstStyle/>
+          <a:p>
+            <a:pPr algn="ctr">
+              <a:lnSpc>
+                <a:spcPts val="1200"/>
+              </a:lnSpc>
+              <a:spcAft>
+                <a:spcPts val="0"/>
+              </a:spcAft>
+            </a:pPr>
+            <a:r>
+              <a:rPr lang="en-US" sz="1000" kern="100" dirty="0" smtClean="0">
+                <a:effectLst/>
+                <a:ea typeface="新細明體" panose="02020500000000000000" pitchFamily="18" charset="-120"/>
+                <a:cs typeface="Times New Roman" panose="02020603050405020304" pitchFamily="18" charset="0"/>
+              </a:rPr>
+              <a:t>Read config 1</a:t>
+            </a:r>
+            <a:r>
+              <a:rPr lang="en-US" sz="1000" kern="100" baseline="30000" dirty="0" smtClean="0">
+                <a:effectLst/>
+                <a:ea typeface="新細明體" panose="02020500000000000000" pitchFamily="18" charset="-120"/>
+                <a:cs typeface="Times New Roman" panose="02020603050405020304" pitchFamily="18" charset="0"/>
+              </a:rPr>
+              <a:t>st</a:t>
+            </a:r>
+            <a:r>
+              <a:rPr lang="en-US" sz="1000" kern="100" dirty="0" smtClean="0">
+                <a:effectLst/>
+                <a:ea typeface="新細明體" panose="02020500000000000000" pitchFamily="18" charset="-120"/>
+                <a:cs typeface="Times New Roman" panose="02020603050405020304" pitchFamily="18" charset="0"/>
+              </a:rPr>
+              <a:t> part in config file</a:t>
+            </a:r>
+            <a:endParaRPr lang="zh-TW" sz="1200" kern="100" dirty="0">
+              <a:effectLst/>
+              <a:ea typeface="新細明體" panose="02020500000000000000" pitchFamily="18" charset="-120"/>
+              <a:cs typeface="Times New Roman" panose="02020603050405020304" pitchFamily="18" charset="0"/>
+            </a:endParaRPr>
+          </a:p>
+        </p:txBody>
+      </p:sp>
+      <p:cxnSp>
+        <p:nvCxnSpPr>
+          <p:cNvPr id="41" name="直線單箭頭接點 40"/>
+          <p:cNvCxnSpPr>
+            <a:stCxn id="6" idx="4"/>
+            <a:endCxn id="38" idx="0"/>
+          </p:cNvCxnSpPr>
+          <p:nvPr/>
+        </p:nvCxnSpPr>
+        <p:spPr>
+          <a:xfrm>
+            <a:off x="3773013" y="-548322"/>
+            <a:ext cx="4666" cy="132603"/>
+          </a:xfrm>
+          <a:prstGeom prst="straightConnector1">
+            <a:avLst/>
+          </a:prstGeom>
+          <a:ln>
+            <a:solidFill>
+              <a:schemeClr val="tx1"/>
+            </a:solidFill>
+            <a:tailEnd type="triangle"/>
+          </a:ln>
+        </p:spPr>
+        <p:style>
+          <a:lnRef idx="1">
+            <a:schemeClr val="dk1"/>
+          </a:lnRef>
+          <a:fillRef idx="0">
+            <a:schemeClr val="dk1"/>
+          </a:fillRef>
+          <a:effectRef idx="0">
+            <a:schemeClr val="dk1"/>
+          </a:effectRef>
+          <a:fontRef idx="minor">
+            <a:schemeClr val="tx1"/>
+          </a:fontRef>
+        </p:style>
+      </p:cxnSp>
+      <p:sp>
+        <p:nvSpPr>
+          <p:cNvPr id="14" name="矩形 13"/>
+          <p:cNvSpPr/>
+          <p:nvPr/>
+        </p:nvSpPr>
+        <p:spPr>
+          <a:xfrm>
+            <a:off x="3814734" y="147107"/>
+            <a:ext cx="793807" cy="261610"/>
+          </a:xfrm>
+          <a:prstGeom prst="rect">
+            <a:avLst/>
+          </a:prstGeom>
+        </p:spPr>
+        <p:txBody>
+          <a:bodyPr wrap="none">
+            <a:spAutoFit/>
+          </a:bodyPr>
+          <a:lstStyle/>
+          <a:p>
+            <a:r>
+              <a:rPr lang="en-US" altLang="zh-TW" sz="1100" dirty="0" err="1"/>
+              <a:t>configCmd</a:t>
+            </a:r>
+            <a:endParaRPr lang="zh-TW" altLang="en-US" sz="1100" dirty="0"/>
+          </a:p>
+        </p:txBody>
+      </p:sp>
+      <p:sp>
+        <p:nvSpPr>
+          <p:cNvPr id="45" name="流程圖: 決策 44"/>
+          <p:cNvSpPr/>
+          <p:nvPr/>
+        </p:nvSpPr>
+        <p:spPr>
+          <a:xfrm>
+            <a:off x="4428965" y="916848"/>
+            <a:ext cx="914400" cy="546168"/>
+          </a:xfrm>
+          <a:prstGeom prst="flowChartDecision">
+            <a:avLst/>
+          </a:prstGeom>
+          <a:ln>
+            <a:solidFill>
+              <a:schemeClr val="tx1"/>
+            </a:solidFill>
+          </a:ln>
+        </p:spPr>
+        <p:style>
+          <a:lnRef idx="2">
+            <a:schemeClr val="dk1"/>
+          </a:lnRef>
+          <a:fillRef idx="1">
+            <a:schemeClr val="lt1"/>
+          </a:fillRef>
+          <a:effectRef idx="0">
+            <a:schemeClr val="dk1"/>
+          </a:effectRef>
+          <a:fontRef idx="minor">
+            <a:schemeClr val="dk1"/>
+          </a:fontRef>
+        </p:style>
+        <p:txBody>
+          <a:bodyPr rot="0" spcFirstLastPara="0" vert="horz" wrap="square" lIns="0" tIns="0" rIns="0" bIns="0" numCol="1" spcCol="0" rtlCol="0" fromWordArt="0" anchor="ctr" anchorCtr="0" forceAA="0" compatLnSpc="1">
+            <a:prstTxWarp prst="textNoShape">
+              <a:avLst/>
+            </a:prstTxWarp>
+            <a:noAutofit/>
+          </a:bodyPr>
+          <a:lstStyle/>
+          <a:p>
+            <a:pPr algn="ctr">
+              <a:lnSpc>
+                <a:spcPts val="1200"/>
+              </a:lnSpc>
+              <a:spcAft>
+                <a:spcPts val="0"/>
+              </a:spcAft>
+            </a:pPr>
+            <a:r>
+              <a:rPr lang="en-US" altLang="zh-TW" sz="800" kern="100" dirty="0" smtClean="0">
+                <a:cs typeface="Times New Roman" panose="02020603050405020304" pitchFamily="18" charset="0"/>
+              </a:rPr>
+              <a:t>Is config sec. end?</a:t>
+            </a:r>
+            <a:endParaRPr lang="zh-TW" sz="800" kern="100" dirty="0">
+              <a:effectLst/>
+              <a:ea typeface="新細明體" panose="02020500000000000000" pitchFamily="18" charset="-120"/>
+              <a:cs typeface="Times New Roman" panose="02020603050405020304" pitchFamily="18" charset="0"/>
+            </a:endParaRPr>
+          </a:p>
+        </p:txBody>
+      </p:sp>
+      <p:cxnSp>
+        <p:nvCxnSpPr>
+          <p:cNvPr id="16" name="直線單箭頭接點 15"/>
+          <p:cNvCxnSpPr>
+            <a:stCxn id="106" idx="3"/>
+            <a:endCxn id="45" idx="1"/>
+          </p:cNvCxnSpPr>
+          <p:nvPr/>
+        </p:nvCxnSpPr>
+        <p:spPr>
+          <a:xfrm>
+            <a:off x="4232910" y="1189932"/>
+            <a:ext cx="196055" cy="0"/>
+          </a:xfrm>
+          <a:prstGeom prst="straightConnector1">
+            <a:avLst/>
+          </a:prstGeom>
+          <a:ln>
+            <a:tailEnd type="triangle"/>
+          </a:ln>
+        </p:spPr>
+        <p:style>
+          <a:lnRef idx="1">
+            <a:schemeClr val="dk1"/>
+          </a:lnRef>
+          <a:fillRef idx="0">
+            <a:schemeClr val="dk1"/>
+          </a:fillRef>
+          <a:effectRef idx="0">
+            <a:schemeClr val="dk1"/>
+          </a:effectRef>
+          <a:fontRef idx="minor">
+            <a:schemeClr val="tx1"/>
+          </a:fontRef>
+        </p:style>
+      </p:cxnSp>
+      <p:sp>
+        <p:nvSpPr>
+          <p:cNvPr id="49" name="矩形 48"/>
+          <p:cNvSpPr/>
+          <p:nvPr/>
+        </p:nvSpPr>
+        <p:spPr>
+          <a:xfrm>
+            <a:off x="5539420" y="950043"/>
+            <a:ext cx="1088390" cy="479777"/>
+          </a:xfrm>
+          <a:prstGeom prst="rect">
+            <a:avLst/>
+          </a:prstGeom>
+          <a:ln>
+            <a:solidFill>
+              <a:schemeClr val="tx1"/>
+            </a:solidFill>
+          </a:ln>
+        </p:spPr>
+        <p:style>
+          <a:lnRef idx="2">
+            <a:schemeClr val="dk1"/>
+          </a:lnRef>
+          <a:fillRef idx="1">
+            <a:schemeClr val="lt1"/>
+          </a:fillRef>
+          <a:effectRef idx="0">
+            <a:schemeClr val="dk1"/>
+          </a:effectRef>
+          <a:fontRef idx="minor">
+            <a:schemeClr val="dk1"/>
+          </a:fontRef>
+        </p:style>
+        <p:txBody>
+          <a:bodyPr rot="0" spcFirstLastPara="0" vert="horz" wrap="square" lIns="91440" tIns="0" rIns="91440" bIns="0" numCol="1" spcCol="0" rtlCol="0" fromWordArt="0" anchor="ctr" anchorCtr="0" forceAA="0" compatLnSpc="1">
+            <a:prstTxWarp prst="textNoShape">
+              <a:avLst/>
+            </a:prstTxWarp>
+            <a:noAutofit/>
+          </a:bodyPr>
+          <a:lstStyle/>
+          <a:p>
+            <a:pPr algn="ctr">
+              <a:lnSpc>
+                <a:spcPts val="1200"/>
+              </a:lnSpc>
+            </a:pPr>
+            <a:r>
+              <a:rPr lang="en-US" sz="1000" kern="100" dirty="0" smtClean="0">
+                <a:effectLst/>
+                <a:ea typeface="新細明體" panose="02020500000000000000" pitchFamily="18" charset="-120"/>
+                <a:cs typeface="Times New Roman" panose="02020603050405020304" pitchFamily="18" charset="0"/>
+              </a:rPr>
+              <a:t> set </a:t>
+            </a:r>
+            <a:r>
+              <a:rPr lang="en-US" altLang="zh-TW" sz="1000" kern="100" dirty="0" err="1">
+                <a:cs typeface="Times New Roman" panose="02020603050405020304" pitchFamily="18" charset="0"/>
+              </a:rPr>
+              <a:t>skipConfigSec</a:t>
+            </a:r>
+            <a:endParaRPr lang="zh-TW" altLang="zh-TW" sz="1000" kern="100" dirty="0">
+              <a:cs typeface="Times New Roman" panose="02020603050405020304" pitchFamily="18" charset="0"/>
+            </a:endParaRPr>
+          </a:p>
+          <a:p>
+            <a:pPr algn="ctr">
+              <a:lnSpc>
+                <a:spcPts val="1200"/>
+              </a:lnSpc>
+              <a:spcAft>
+                <a:spcPts val="0"/>
+              </a:spcAft>
+            </a:pPr>
+            <a:r>
+              <a:rPr lang="en-US" sz="1000" kern="100" dirty="0" smtClean="0">
+                <a:effectLst/>
+                <a:ea typeface="新細明體" panose="02020500000000000000" pitchFamily="18" charset="-120"/>
+                <a:cs typeface="Times New Roman" panose="02020603050405020304" pitchFamily="18" charset="0"/>
+              </a:rPr>
+              <a:t>to False</a:t>
+            </a:r>
+            <a:endParaRPr lang="zh-TW" sz="1200" kern="100" dirty="0">
+              <a:effectLst/>
+              <a:ea typeface="新細明體" panose="02020500000000000000" pitchFamily="18" charset="-120"/>
+              <a:cs typeface="Times New Roman" panose="02020603050405020304" pitchFamily="18" charset="0"/>
+            </a:endParaRPr>
+          </a:p>
+        </p:txBody>
+      </p:sp>
+      <p:cxnSp>
+        <p:nvCxnSpPr>
+          <p:cNvPr id="19" name="直線單箭頭接點 18"/>
+          <p:cNvCxnSpPr>
+            <a:stCxn id="45" idx="3"/>
+            <a:endCxn id="49" idx="1"/>
+          </p:cNvCxnSpPr>
+          <p:nvPr/>
+        </p:nvCxnSpPr>
+        <p:spPr>
+          <a:xfrm>
+            <a:off x="5343365" y="1189932"/>
+            <a:ext cx="196055" cy="0"/>
+          </a:xfrm>
+          <a:prstGeom prst="straightConnector1">
+            <a:avLst/>
+          </a:prstGeom>
+          <a:ln>
+            <a:tailEnd type="triangle"/>
+          </a:ln>
+        </p:spPr>
+        <p:style>
+          <a:lnRef idx="1">
+            <a:schemeClr val="dk1"/>
+          </a:lnRef>
+          <a:fillRef idx="0">
+            <a:schemeClr val="dk1"/>
+          </a:fillRef>
+          <a:effectRef idx="0">
+            <a:schemeClr val="dk1"/>
+          </a:effectRef>
+          <a:fontRef idx="minor">
+            <a:schemeClr val="tx1"/>
+          </a:fontRef>
+        </p:style>
+      </p:cxnSp>
+      <p:cxnSp>
+        <p:nvCxnSpPr>
+          <p:cNvPr id="37" name="肘形接點 36"/>
+          <p:cNvCxnSpPr>
+            <a:stCxn id="49" idx="3"/>
+            <a:endCxn id="4" idx="3"/>
+          </p:cNvCxnSpPr>
+          <p:nvPr/>
+        </p:nvCxnSpPr>
+        <p:spPr>
+          <a:xfrm flipH="1" flipV="1">
+            <a:off x="4211638" y="513445"/>
+            <a:ext cx="2416172" cy="676487"/>
+          </a:xfrm>
+          <a:prstGeom prst="bentConnector3">
+            <a:avLst>
+              <a:gd name="adj1" fmla="val -9461"/>
+            </a:avLst>
+          </a:prstGeom>
+          <a:ln>
+            <a:tailEnd type="triangle"/>
+          </a:ln>
+        </p:spPr>
+        <p:style>
+          <a:lnRef idx="1">
+            <a:schemeClr val="dk1"/>
+          </a:lnRef>
+          <a:fillRef idx="0">
+            <a:schemeClr val="dk1"/>
+          </a:fillRef>
+          <a:effectRef idx="0">
+            <a:schemeClr val="dk1"/>
+          </a:effectRef>
+          <a:fontRef idx="minor">
+            <a:schemeClr val="tx1"/>
+          </a:fontRef>
+        </p:style>
+      </p:cxnSp>
+      <p:cxnSp>
+        <p:nvCxnSpPr>
+          <p:cNvPr id="42" name="肘形接點 41"/>
+          <p:cNvCxnSpPr>
+            <a:stCxn id="45" idx="2"/>
+          </p:cNvCxnSpPr>
+          <p:nvPr/>
+        </p:nvCxnSpPr>
+        <p:spPr>
+          <a:xfrm rot="5400000" flipH="1" flipV="1">
+            <a:off x="5738079" y="338016"/>
+            <a:ext cx="273085" cy="1976915"/>
+          </a:xfrm>
+          <a:prstGeom prst="bentConnector4">
+            <a:avLst>
+              <a:gd name="adj1" fmla="val -83710"/>
+              <a:gd name="adj2" fmla="val 99891"/>
+            </a:avLst>
+          </a:prstGeom>
+          <a:ln>
+            <a:tailEnd type="triangle"/>
+          </a:ln>
+        </p:spPr>
+        <p:style>
+          <a:lnRef idx="1">
+            <a:schemeClr val="dk1"/>
+          </a:lnRef>
+          <a:fillRef idx="0">
+            <a:schemeClr val="dk1"/>
+          </a:fillRef>
+          <a:effectRef idx="0">
+            <a:schemeClr val="dk1"/>
+          </a:effectRef>
+          <a:fontRef idx="minor">
+            <a:schemeClr val="tx1"/>
+          </a:fontRef>
+        </p:style>
+      </p:cxnSp>
+      <p:sp>
+        <p:nvSpPr>
+          <p:cNvPr id="67" name="文字方塊 66"/>
+          <p:cNvSpPr txBox="1"/>
+          <p:nvPr/>
+        </p:nvSpPr>
+        <p:spPr>
+          <a:xfrm>
+            <a:off x="4208812" y="872503"/>
+            <a:ext cx="220978" cy="246221"/>
+          </a:xfrm>
+          <a:prstGeom prst="rect">
+            <a:avLst/>
+          </a:prstGeom>
+          <a:noFill/>
+        </p:spPr>
+        <p:txBody>
+          <a:bodyPr wrap="square" rtlCol="0">
+            <a:spAutoFit/>
+          </a:bodyPr>
+          <a:lstStyle/>
+          <a:p>
+            <a:r>
+              <a:rPr lang="en-US" altLang="zh-TW" sz="1000" dirty="0" smtClean="0"/>
+              <a:t>Y</a:t>
+            </a:r>
+            <a:endParaRPr lang="zh-TW" altLang="en-US" sz="1000" dirty="0"/>
+          </a:p>
+        </p:txBody>
+      </p:sp>
+      <p:sp>
+        <p:nvSpPr>
+          <p:cNvPr id="68" name="文字方塊 67"/>
+          <p:cNvSpPr txBox="1"/>
+          <p:nvPr/>
+        </p:nvSpPr>
+        <p:spPr>
+          <a:xfrm>
+            <a:off x="5307822" y="894227"/>
+            <a:ext cx="220978" cy="246221"/>
+          </a:xfrm>
+          <a:prstGeom prst="rect">
+            <a:avLst/>
+          </a:prstGeom>
+          <a:noFill/>
+        </p:spPr>
+        <p:txBody>
+          <a:bodyPr wrap="square" rtlCol="0">
+            <a:spAutoFit/>
+          </a:bodyPr>
+          <a:lstStyle/>
+          <a:p>
+            <a:r>
+              <a:rPr lang="en-US" altLang="zh-TW" sz="1000" dirty="0" smtClean="0"/>
+              <a:t>Y</a:t>
+            </a:r>
+            <a:endParaRPr lang="zh-TW" altLang="en-US" sz="1000" dirty="0"/>
+          </a:p>
+        </p:txBody>
+      </p:sp>
+      <p:sp>
+        <p:nvSpPr>
+          <p:cNvPr id="70" name="文字方塊 69"/>
+          <p:cNvSpPr txBox="1"/>
+          <p:nvPr/>
+        </p:nvSpPr>
+        <p:spPr>
+          <a:xfrm>
+            <a:off x="4882278" y="1443251"/>
+            <a:ext cx="220978" cy="246221"/>
+          </a:xfrm>
+          <a:prstGeom prst="rect">
+            <a:avLst/>
+          </a:prstGeom>
+          <a:noFill/>
+        </p:spPr>
+        <p:txBody>
+          <a:bodyPr wrap="square" rtlCol="0">
+            <a:spAutoFit/>
+          </a:bodyPr>
+          <a:lstStyle/>
+          <a:p>
+            <a:r>
+              <a:rPr lang="en-US" altLang="zh-TW" sz="1000" dirty="0" smtClean="0"/>
+              <a:t>N</a:t>
+            </a:r>
+            <a:endParaRPr lang="zh-TW" altLang="en-US" sz="1000" dirty="0"/>
+          </a:p>
+        </p:txBody>
+      </p:sp>
+      <p:cxnSp>
+        <p:nvCxnSpPr>
+          <p:cNvPr id="55" name="直線單箭頭接點 54"/>
+          <p:cNvCxnSpPr>
+            <a:stCxn id="106" idx="2"/>
+            <a:endCxn id="46" idx="0"/>
+          </p:cNvCxnSpPr>
+          <p:nvPr/>
+        </p:nvCxnSpPr>
+        <p:spPr>
+          <a:xfrm flipH="1">
+            <a:off x="3770986" y="1463016"/>
+            <a:ext cx="4724" cy="201920"/>
+          </a:xfrm>
+          <a:prstGeom prst="straightConnector1">
+            <a:avLst/>
+          </a:prstGeom>
+          <a:ln>
+            <a:tailEnd type="triangle"/>
+          </a:ln>
+        </p:spPr>
+        <p:style>
+          <a:lnRef idx="1">
+            <a:schemeClr val="dk1"/>
+          </a:lnRef>
+          <a:fillRef idx="0">
+            <a:schemeClr val="dk1"/>
+          </a:fillRef>
+          <a:effectRef idx="0">
+            <a:schemeClr val="dk1"/>
+          </a:effectRef>
+          <a:fontRef idx="minor">
+            <a:schemeClr val="tx1"/>
+          </a:fontRef>
+        </p:style>
+      </p:cxnSp>
+      <p:cxnSp>
+        <p:nvCxnSpPr>
+          <p:cNvPr id="76" name="肘形接點 75"/>
+          <p:cNvCxnSpPr>
+            <a:stCxn id="9" idx="3"/>
+          </p:cNvCxnSpPr>
+          <p:nvPr/>
+        </p:nvCxnSpPr>
+        <p:spPr>
+          <a:xfrm flipV="1">
+            <a:off x="4488498" y="1689472"/>
+            <a:ext cx="2374581" cy="1072470"/>
+          </a:xfrm>
+          <a:prstGeom prst="bentConnector3">
+            <a:avLst>
+              <a:gd name="adj1" fmla="val 100060"/>
+            </a:avLst>
+          </a:prstGeom>
+          <a:ln>
+            <a:tailEnd type="triangle"/>
+          </a:ln>
+        </p:spPr>
+        <p:style>
+          <a:lnRef idx="1">
+            <a:schemeClr val="dk1"/>
+          </a:lnRef>
+          <a:fillRef idx="0">
+            <a:schemeClr val="dk1"/>
+          </a:fillRef>
+          <a:effectRef idx="0">
+            <a:schemeClr val="dk1"/>
+          </a:effectRef>
+          <a:fontRef idx="minor">
+            <a:schemeClr val="tx1"/>
+          </a:fontRef>
+        </p:style>
+      </p:cxnSp>
+      <p:sp>
+        <p:nvSpPr>
+          <p:cNvPr id="86" name="文字方塊 85"/>
+          <p:cNvSpPr txBox="1"/>
+          <p:nvPr/>
+        </p:nvSpPr>
+        <p:spPr>
+          <a:xfrm>
+            <a:off x="4462502" y="3539557"/>
+            <a:ext cx="220978" cy="246221"/>
+          </a:xfrm>
+          <a:prstGeom prst="rect">
+            <a:avLst/>
+          </a:prstGeom>
+          <a:noFill/>
+        </p:spPr>
+        <p:txBody>
+          <a:bodyPr wrap="square" rtlCol="0">
+            <a:spAutoFit/>
+          </a:bodyPr>
+          <a:lstStyle/>
+          <a:p>
+            <a:r>
+              <a:rPr lang="en-US" altLang="zh-TW" sz="1000" dirty="0" smtClean="0"/>
+              <a:t>N</a:t>
+            </a:r>
+            <a:endParaRPr lang="zh-TW" altLang="en-US" sz="1000" dirty="0"/>
+          </a:p>
+        </p:txBody>
+      </p:sp>
+      <p:cxnSp>
+        <p:nvCxnSpPr>
+          <p:cNvPr id="84" name="肘形接點 83"/>
+          <p:cNvCxnSpPr>
+            <a:stCxn id="26" idx="3"/>
+          </p:cNvCxnSpPr>
+          <p:nvPr/>
+        </p:nvCxnSpPr>
+        <p:spPr>
+          <a:xfrm flipV="1">
+            <a:off x="5916216" y="2761941"/>
+            <a:ext cx="946863" cy="1029417"/>
+          </a:xfrm>
+          <a:prstGeom prst="bentConnector2">
+            <a:avLst/>
+          </a:prstGeom>
+          <a:ln>
+            <a:tailEnd type="triangle"/>
+          </a:ln>
+        </p:spPr>
+        <p:style>
+          <a:lnRef idx="1">
+            <a:schemeClr val="dk1"/>
+          </a:lnRef>
+          <a:fillRef idx="0">
+            <a:schemeClr val="dk1"/>
+          </a:fillRef>
+          <a:effectRef idx="0">
+            <a:schemeClr val="dk1"/>
+          </a:effectRef>
+          <a:fontRef idx="minor">
+            <a:schemeClr val="tx1"/>
+          </a:fontRef>
+        </p:style>
+      </p:cxnSp>
+      <p:sp>
+        <p:nvSpPr>
+          <p:cNvPr id="89" name="矩形 88"/>
+          <p:cNvSpPr/>
+          <p:nvPr/>
+        </p:nvSpPr>
+        <p:spPr>
+          <a:xfrm>
+            <a:off x="3225053" y="4455832"/>
+            <a:ext cx="1088390" cy="491317"/>
+          </a:xfrm>
+          <a:prstGeom prst="rect">
+            <a:avLst/>
+          </a:prstGeom>
+          <a:ln>
+            <a:solidFill>
+              <a:schemeClr val="tx1"/>
+            </a:solidFill>
+          </a:ln>
+        </p:spPr>
+        <p:style>
+          <a:lnRef idx="2">
+            <a:schemeClr val="dk1"/>
+          </a:lnRef>
+          <a:fillRef idx="1">
+            <a:schemeClr val="lt1"/>
+          </a:fillRef>
+          <a:effectRef idx="0">
+            <a:schemeClr val="dk1"/>
+          </a:effectRef>
+          <a:fontRef idx="minor">
+            <a:schemeClr val="dk1"/>
+          </a:fontRef>
+        </p:style>
+        <p:txBody>
+          <a:bodyPr rot="0" spcFirstLastPara="0" vert="horz" wrap="square" lIns="91440" tIns="0" rIns="91440" bIns="0" numCol="1" spcCol="0" rtlCol="0" fromWordArt="0" anchor="ctr" anchorCtr="0" forceAA="0" compatLnSpc="1">
+            <a:prstTxWarp prst="textNoShape">
+              <a:avLst/>
+            </a:prstTxWarp>
+            <a:noAutofit/>
+          </a:bodyPr>
+          <a:lstStyle/>
+          <a:p>
+            <a:pPr algn="ctr">
+              <a:lnSpc>
+                <a:spcPts val="1200"/>
+              </a:lnSpc>
+            </a:pPr>
+            <a:r>
+              <a:rPr lang="en-US" sz="1000" kern="100" dirty="0" smtClean="0">
+                <a:effectLst/>
+                <a:ea typeface="新細明體" panose="02020500000000000000" pitchFamily="18" charset="-120"/>
+                <a:cs typeface="Times New Roman" panose="02020603050405020304" pitchFamily="18" charset="0"/>
+              </a:rPr>
+              <a:t> set </a:t>
+            </a:r>
+            <a:r>
+              <a:rPr lang="en-US" altLang="zh-TW" sz="1000" kern="100" dirty="0" err="1">
+                <a:cs typeface="Times New Roman" panose="02020603050405020304" pitchFamily="18" charset="0"/>
+              </a:rPr>
+              <a:t>enterConfigSec</a:t>
+            </a:r>
+            <a:endParaRPr lang="zh-TW" altLang="zh-TW" sz="1000" kern="100" dirty="0">
+              <a:cs typeface="Times New Roman" panose="02020603050405020304" pitchFamily="18" charset="0"/>
+            </a:endParaRPr>
+          </a:p>
+          <a:p>
+            <a:pPr algn="ctr">
+              <a:lnSpc>
+                <a:spcPts val="1200"/>
+              </a:lnSpc>
+              <a:spcAft>
+                <a:spcPts val="0"/>
+              </a:spcAft>
+            </a:pPr>
+            <a:r>
+              <a:rPr lang="en-US" sz="1000" kern="100" dirty="0" smtClean="0">
+                <a:effectLst/>
+                <a:ea typeface="新細明體" panose="02020500000000000000" pitchFamily="18" charset="-120"/>
+                <a:cs typeface="Times New Roman" panose="02020603050405020304" pitchFamily="18" charset="0"/>
+              </a:rPr>
+              <a:t>to </a:t>
+            </a:r>
+            <a:r>
+              <a:rPr lang="en-US" sz="1000" kern="100" dirty="0" smtClean="0">
+                <a:effectLst/>
+                <a:ea typeface="新細明體" panose="02020500000000000000" pitchFamily="18" charset="-120"/>
+                <a:cs typeface="Times New Roman" panose="02020603050405020304" pitchFamily="18" charset="0"/>
+              </a:rPr>
+              <a:t>True</a:t>
+            </a:r>
+            <a:endParaRPr lang="zh-TW" sz="1200" kern="100" dirty="0">
+              <a:effectLst/>
+              <a:ea typeface="新細明體" panose="02020500000000000000" pitchFamily="18" charset="-120"/>
+              <a:cs typeface="Times New Roman" panose="02020603050405020304" pitchFamily="18" charset="0"/>
+            </a:endParaRPr>
+          </a:p>
+        </p:txBody>
+      </p:sp>
+      <p:cxnSp>
+        <p:nvCxnSpPr>
+          <p:cNvPr id="87" name="直線單箭頭接點 86"/>
+          <p:cNvCxnSpPr>
+            <a:stCxn id="21" idx="2"/>
+            <a:endCxn id="89" idx="0"/>
+          </p:cNvCxnSpPr>
+          <p:nvPr/>
+        </p:nvCxnSpPr>
+        <p:spPr>
+          <a:xfrm flipH="1">
+            <a:off x="3769248" y="4304529"/>
+            <a:ext cx="1738" cy="151303"/>
+          </a:xfrm>
+          <a:prstGeom prst="straightConnector1">
+            <a:avLst/>
+          </a:prstGeom>
+          <a:ln>
+            <a:tailEnd type="triangle"/>
+          </a:ln>
+        </p:spPr>
+        <p:style>
+          <a:lnRef idx="1">
+            <a:schemeClr val="dk1"/>
+          </a:lnRef>
+          <a:fillRef idx="0">
+            <a:schemeClr val="dk1"/>
+          </a:fillRef>
+          <a:effectRef idx="0">
+            <a:schemeClr val="dk1"/>
+          </a:effectRef>
+          <a:fontRef idx="minor">
+            <a:schemeClr val="tx1"/>
+          </a:fontRef>
+        </p:style>
+      </p:cxnSp>
+      <p:sp>
+        <p:nvSpPr>
+          <p:cNvPr id="94" name="文字方塊 93"/>
+          <p:cNvSpPr txBox="1"/>
+          <p:nvPr/>
+        </p:nvSpPr>
+        <p:spPr>
+          <a:xfrm>
+            <a:off x="3800647" y="4212654"/>
+            <a:ext cx="220978" cy="246221"/>
+          </a:xfrm>
+          <a:prstGeom prst="rect">
+            <a:avLst/>
+          </a:prstGeom>
+          <a:noFill/>
+        </p:spPr>
+        <p:txBody>
+          <a:bodyPr wrap="square" rtlCol="0">
+            <a:spAutoFit/>
+          </a:bodyPr>
+          <a:lstStyle/>
+          <a:p>
+            <a:r>
+              <a:rPr lang="en-US" altLang="zh-TW" sz="1000" dirty="0" smtClean="0"/>
+              <a:t>Y</a:t>
+            </a:r>
+            <a:endParaRPr lang="zh-TW" altLang="en-US" sz="1000" dirty="0"/>
+          </a:p>
+        </p:txBody>
+      </p:sp>
+      <p:cxnSp>
+        <p:nvCxnSpPr>
+          <p:cNvPr id="92" name="直線單箭頭接點 91"/>
+          <p:cNvCxnSpPr>
+            <a:stCxn id="89" idx="2"/>
+          </p:cNvCxnSpPr>
+          <p:nvPr/>
+        </p:nvCxnSpPr>
+        <p:spPr>
+          <a:xfrm>
+            <a:off x="3769248" y="4947149"/>
+            <a:ext cx="0" cy="167973"/>
+          </a:xfrm>
+          <a:prstGeom prst="straightConnector1">
+            <a:avLst/>
+          </a:prstGeom>
+          <a:ln>
+            <a:tailEnd type="triangle"/>
+          </a:ln>
+        </p:spPr>
+        <p:style>
+          <a:lnRef idx="1">
+            <a:schemeClr val="dk1"/>
+          </a:lnRef>
+          <a:fillRef idx="0">
+            <a:schemeClr val="dk1"/>
+          </a:fillRef>
+          <a:effectRef idx="0">
+            <a:schemeClr val="dk1"/>
+          </a:effectRef>
+          <a:fontRef idx="minor">
+            <a:schemeClr val="tx1"/>
+          </a:fontRef>
+        </p:style>
+      </p:cxnSp>
+      <p:sp>
+        <p:nvSpPr>
+          <p:cNvPr id="99" name="流程圖: 決策 98"/>
+          <p:cNvSpPr/>
+          <p:nvPr/>
+        </p:nvSpPr>
+        <p:spPr>
+          <a:xfrm>
+            <a:off x="1847457" y="4102608"/>
+            <a:ext cx="914400" cy="546168"/>
+          </a:xfrm>
+          <a:prstGeom prst="flowChartDecision">
+            <a:avLst/>
+          </a:prstGeom>
+          <a:ln>
+            <a:solidFill>
+              <a:schemeClr val="tx1"/>
+            </a:solidFill>
+          </a:ln>
+        </p:spPr>
+        <p:style>
+          <a:lnRef idx="2">
+            <a:schemeClr val="dk1"/>
+          </a:lnRef>
+          <a:fillRef idx="1">
+            <a:schemeClr val="lt1"/>
+          </a:fillRef>
+          <a:effectRef idx="0">
+            <a:schemeClr val="dk1"/>
+          </a:effectRef>
+          <a:fontRef idx="minor">
+            <a:schemeClr val="dk1"/>
+          </a:fontRef>
+        </p:style>
+        <p:txBody>
+          <a:bodyPr rot="0" spcFirstLastPara="0" vert="horz" wrap="square" lIns="0" tIns="0" rIns="0" bIns="0" numCol="1" spcCol="0" rtlCol="0" fromWordArt="0" anchor="ctr" anchorCtr="0" forceAA="0" compatLnSpc="1">
+            <a:prstTxWarp prst="textNoShape">
+              <a:avLst/>
+            </a:prstTxWarp>
+            <a:noAutofit/>
+          </a:bodyPr>
+          <a:lstStyle/>
+          <a:p>
+            <a:pPr algn="ctr">
+              <a:lnSpc>
+                <a:spcPts val="1200"/>
+              </a:lnSpc>
+              <a:spcAft>
+                <a:spcPts val="0"/>
+              </a:spcAft>
+            </a:pPr>
+            <a:r>
+              <a:rPr lang="en-US" altLang="zh-TW" sz="800" kern="100" dirty="0" smtClean="0">
+                <a:ea typeface="新細明體" panose="02020500000000000000" pitchFamily="18" charset="-120"/>
+                <a:cs typeface="Times New Roman" panose="02020603050405020304" pitchFamily="18" charset="0"/>
+              </a:rPr>
+              <a:t>Is most top  level?</a:t>
+            </a:r>
+            <a:endParaRPr lang="zh-TW" sz="800" kern="100" dirty="0">
+              <a:effectLst/>
+              <a:ea typeface="新細明體" panose="02020500000000000000" pitchFamily="18" charset="-120"/>
+              <a:cs typeface="Times New Roman" panose="02020603050405020304" pitchFamily="18" charset="0"/>
+            </a:endParaRPr>
+          </a:p>
+        </p:txBody>
+      </p:sp>
+      <p:cxnSp>
+        <p:nvCxnSpPr>
+          <p:cNvPr id="100" name="直線單箭頭接點 99"/>
+          <p:cNvCxnSpPr>
+            <a:stCxn id="71" idx="2"/>
+            <a:endCxn id="99" idx="0"/>
+          </p:cNvCxnSpPr>
+          <p:nvPr/>
+        </p:nvCxnSpPr>
+        <p:spPr>
+          <a:xfrm>
+            <a:off x="2304657" y="3866635"/>
+            <a:ext cx="0" cy="235973"/>
+          </a:xfrm>
+          <a:prstGeom prst="straightConnector1">
+            <a:avLst/>
+          </a:prstGeom>
+          <a:ln>
+            <a:tailEnd type="triangle"/>
+          </a:ln>
+        </p:spPr>
+        <p:style>
+          <a:lnRef idx="1">
+            <a:schemeClr val="dk1"/>
+          </a:lnRef>
+          <a:fillRef idx="0">
+            <a:schemeClr val="dk1"/>
+          </a:fillRef>
+          <a:effectRef idx="0">
+            <a:schemeClr val="dk1"/>
+          </a:effectRef>
+          <a:fontRef idx="minor">
+            <a:schemeClr val="tx1"/>
+          </a:fontRef>
+        </p:style>
+      </p:cxnSp>
+      <p:sp>
+        <p:nvSpPr>
+          <p:cNvPr id="105" name="矩形 104"/>
+          <p:cNvSpPr/>
+          <p:nvPr/>
+        </p:nvSpPr>
+        <p:spPr>
+          <a:xfrm>
+            <a:off x="1760462" y="4889002"/>
+            <a:ext cx="1088390" cy="323078"/>
+          </a:xfrm>
+          <a:prstGeom prst="rect">
+            <a:avLst/>
+          </a:prstGeom>
+          <a:ln>
+            <a:solidFill>
+              <a:schemeClr val="tx1"/>
+            </a:solidFill>
+          </a:ln>
+        </p:spPr>
+        <p:style>
+          <a:lnRef idx="2">
+            <a:schemeClr val="dk1"/>
+          </a:lnRef>
+          <a:fillRef idx="1">
+            <a:schemeClr val="lt1"/>
+          </a:fillRef>
+          <a:effectRef idx="0">
+            <a:schemeClr val="dk1"/>
+          </a:effectRef>
+          <a:fontRef idx="minor">
+            <a:schemeClr val="dk1"/>
+          </a:fontRef>
+        </p:style>
+        <p:txBody>
+          <a:bodyPr rot="0" spcFirstLastPara="0" vert="horz" wrap="square" lIns="91440" tIns="0" rIns="91440" bIns="0" numCol="1" spcCol="0" rtlCol="0" fromWordArt="0" anchor="ctr" anchorCtr="0" forceAA="0" compatLnSpc="1">
+            <a:prstTxWarp prst="textNoShape">
+              <a:avLst/>
+            </a:prstTxWarp>
+            <a:noAutofit/>
+          </a:bodyPr>
+          <a:lstStyle/>
+          <a:p>
+            <a:pPr>
+              <a:lnSpc>
+                <a:spcPts val="800"/>
+              </a:lnSpc>
+              <a:spcAft>
+                <a:spcPts val="0"/>
+              </a:spcAft>
+            </a:pPr>
+            <a:r>
+              <a:rPr lang="en-US" altLang="zh-TW" sz="800" kern="100" dirty="0" smtClean="0">
+                <a:ea typeface="新細明體" panose="02020500000000000000" pitchFamily="18" charset="-120"/>
+                <a:cs typeface="Times New Roman" panose="02020603050405020304" pitchFamily="18" charset="0"/>
+              </a:rPr>
+              <a:t>Go to root</a:t>
+            </a:r>
+          </a:p>
+        </p:txBody>
+      </p:sp>
+      <p:cxnSp>
+        <p:nvCxnSpPr>
+          <p:cNvPr id="102" name="直線單箭頭接點 101"/>
+          <p:cNvCxnSpPr>
+            <a:stCxn id="99" idx="2"/>
+            <a:endCxn id="105" idx="0"/>
+          </p:cNvCxnSpPr>
+          <p:nvPr/>
+        </p:nvCxnSpPr>
+        <p:spPr>
+          <a:xfrm>
+            <a:off x="2304657" y="4648776"/>
+            <a:ext cx="0" cy="240226"/>
+          </a:xfrm>
+          <a:prstGeom prst="straightConnector1">
+            <a:avLst/>
+          </a:prstGeom>
+          <a:ln>
+            <a:tailEnd type="triangle"/>
+          </a:ln>
+        </p:spPr>
+        <p:style>
+          <a:lnRef idx="1">
+            <a:schemeClr val="dk1"/>
+          </a:lnRef>
+          <a:fillRef idx="0">
+            <a:schemeClr val="dk1"/>
+          </a:fillRef>
+          <a:effectRef idx="0">
+            <a:schemeClr val="dk1"/>
+          </a:effectRef>
+          <a:fontRef idx="minor">
+            <a:schemeClr val="tx1"/>
+          </a:fontRef>
+        </p:style>
+      </p:cxnSp>
+      <p:sp>
+        <p:nvSpPr>
+          <p:cNvPr id="108" name="文字方塊 107"/>
+          <p:cNvSpPr txBox="1"/>
+          <p:nvPr/>
+        </p:nvSpPr>
+        <p:spPr>
+          <a:xfrm>
+            <a:off x="2246184" y="4620643"/>
+            <a:ext cx="220978" cy="246221"/>
+          </a:xfrm>
+          <a:prstGeom prst="rect">
+            <a:avLst/>
+          </a:prstGeom>
+          <a:noFill/>
+        </p:spPr>
+        <p:txBody>
+          <a:bodyPr wrap="square" rtlCol="0">
+            <a:spAutoFit/>
+          </a:bodyPr>
+          <a:lstStyle/>
+          <a:p>
+            <a:r>
+              <a:rPr lang="en-US" altLang="zh-TW" sz="1000" dirty="0" smtClean="0"/>
+              <a:t>Y</a:t>
+            </a:r>
+            <a:endParaRPr lang="zh-TW" altLang="en-US" sz="1000" dirty="0"/>
           </a:p>
         </p:txBody>
       </p:sp>

--- a/GCB_parser/doc/實作文件.pptx
+++ b/GCB_parser/doc/實作文件.pptx
@@ -7,6 +7,7 @@
   <p:sldIdLst>
     <p:sldId id="257" r:id="rId2"/>
     <p:sldId id="256" r:id="rId3"/>
+    <p:sldId id="258" r:id="rId4"/>
   </p:sldIdLst>
   <p:sldSz cx="12192000" cy="6858000"/>
   <p:notesSz cx="6858000" cy="9144000"/>
@@ -244,7 +245,7 @@
           <a:p>
             <a:fld id="{D36D3C6B-B939-4B91-BEC9-CDCFDB0F8485}" type="datetimeFigureOut">
               <a:rPr lang="zh-TW" altLang="en-US" smtClean="0"/>
-              <a:t>2019/12/18</a:t>
+              <a:t>2019/12/23</a:t>
             </a:fld>
             <a:endParaRPr lang="zh-TW" altLang="en-US"/>
           </a:p>
@@ -414,7 +415,7 @@
           <a:p>
             <a:fld id="{D36D3C6B-B939-4B91-BEC9-CDCFDB0F8485}" type="datetimeFigureOut">
               <a:rPr lang="zh-TW" altLang="en-US" smtClean="0"/>
-              <a:t>2019/12/18</a:t>
+              <a:t>2019/12/23</a:t>
             </a:fld>
             <a:endParaRPr lang="zh-TW" altLang="en-US"/>
           </a:p>
@@ -594,7 +595,7 @@
           <a:p>
             <a:fld id="{D36D3C6B-B939-4B91-BEC9-CDCFDB0F8485}" type="datetimeFigureOut">
               <a:rPr lang="zh-TW" altLang="en-US" smtClean="0"/>
-              <a:t>2019/12/18</a:t>
+              <a:t>2019/12/23</a:t>
             </a:fld>
             <a:endParaRPr lang="zh-TW" altLang="en-US"/>
           </a:p>
@@ -764,7 +765,7 @@
           <a:p>
             <a:fld id="{D36D3C6B-B939-4B91-BEC9-CDCFDB0F8485}" type="datetimeFigureOut">
               <a:rPr lang="zh-TW" altLang="en-US" smtClean="0"/>
-              <a:t>2019/12/18</a:t>
+              <a:t>2019/12/23</a:t>
             </a:fld>
             <a:endParaRPr lang="zh-TW" altLang="en-US"/>
           </a:p>
@@ -1010,7 +1011,7 @@
           <a:p>
             <a:fld id="{D36D3C6B-B939-4B91-BEC9-CDCFDB0F8485}" type="datetimeFigureOut">
               <a:rPr lang="zh-TW" altLang="en-US" smtClean="0"/>
-              <a:t>2019/12/18</a:t>
+              <a:t>2019/12/23</a:t>
             </a:fld>
             <a:endParaRPr lang="zh-TW" altLang="en-US"/>
           </a:p>
@@ -1242,7 +1243,7 @@
           <a:p>
             <a:fld id="{D36D3C6B-B939-4B91-BEC9-CDCFDB0F8485}" type="datetimeFigureOut">
               <a:rPr lang="zh-TW" altLang="en-US" smtClean="0"/>
-              <a:t>2019/12/18</a:t>
+              <a:t>2019/12/23</a:t>
             </a:fld>
             <a:endParaRPr lang="zh-TW" altLang="en-US"/>
           </a:p>
@@ -1609,7 +1610,7 @@
           <a:p>
             <a:fld id="{D36D3C6B-B939-4B91-BEC9-CDCFDB0F8485}" type="datetimeFigureOut">
               <a:rPr lang="zh-TW" altLang="en-US" smtClean="0"/>
-              <a:t>2019/12/18</a:t>
+              <a:t>2019/12/23</a:t>
             </a:fld>
             <a:endParaRPr lang="zh-TW" altLang="en-US"/>
           </a:p>
@@ -1727,7 +1728,7 @@
           <a:p>
             <a:fld id="{D36D3C6B-B939-4B91-BEC9-CDCFDB0F8485}" type="datetimeFigureOut">
               <a:rPr lang="zh-TW" altLang="en-US" smtClean="0"/>
-              <a:t>2019/12/18</a:t>
+              <a:t>2019/12/23</a:t>
             </a:fld>
             <a:endParaRPr lang="zh-TW" altLang="en-US"/>
           </a:p>
@@ -1822,7 +1823,7 @@
           <a:p>
             <a:fld id="{D36D3C6B-B939-4B91-BEC9-CDCFDB0F8485}" type="datetimeFigureOut">
               <a:rPr lang="zh-TW" altLang="en-US" smtClean="0"/>
-              <a:t>2019/12/18</a:t>
+              <a:t>2019/12/23</a:t>
             </a:fld>
             <a:endParaRPr lang="zh-TW" altLang="en-US"/>
           </a:p>
@@ -2099,7 +2100,7 @@
           <a:p>
             <a:fld id="{D36D3C6B-B939-4B91-BEC9-CDCFDB0F8485}" type="datetimeFigureOut">
               <a:rPr lang="zh-TW" altLang="en-US" smtClean="0"/>
-              <a:t>2019/12/18</a:t>
+              <a:t>2019/12/23</a:t>
             </a:fld>
             <a:endParaRPr lang="zh-TW" altLang="en-US"/>
           </a:p>
@@ -2352,7 +2353,7 @@
           <a:p>
             <a:fld id="{D36D3C6B-B939-4B91-BEC9-CDCFDB0F8485}" type="datetimeFigureOut">
               <a:rPr lang="zh-TW" altLang="en-US" smtClean="0"/>
-              <a:t>2019/12/18</a:t>
+              <a:t>2019/12/23</a:t>
             </a:fld>
             <a:endParaRPr lang="zh-TW" altLang="en-US"/>
           </a:p>
@@ -2565,7 +2566,7 @@
           <a:p>
             <a:fld id="{D36D3C6B-B939-4B91-BEC9-CDCFDB0F8485}" type="datetimeFigureOut">
               <a:rPr lang="zh-TW" altLang="en-US" smtClean="0"/>
-              <a:t>2019/12/18</a:t>
+              <a:t>2019/12/23</a:t>
             </a:fld>
             <a:endParaRPr lang="zh-TW" altLang="en-US"/>
           </a:p>
@@ -4059,15 +4060,7 @@
                 <a:ea typeface="新細明體" panose="02020500000000000000" pitchFamily="18" charset="-120"/>
                 <a:cs typeface="Times New Roman" panose="02020603050405020304" pitchFamily="18" charset="0"/>
               </a:rPr>
-              <a:t>to </a:t>
-            </a:r>
-            <a:r>
-              <a:rPr lang="en-US" sz="1000" kern="100" dirty="0" smtClean="0">
-                <a:effectLst/>
-                <a:ea typeface="新細明體" panose="02020500000000000000" pitchFamily="18" charset="-120"/>
-                <a:cs typeface="Times New Roman" panose="02020603050405020304" pitchFamily="18" charset="0"/>
-              </a:rPr>
-              <a:t>True</a:t>
+              <a:t>to True</a:t>
             </a:r>
             <a:endParaRPr lang="zh-TW" sz="1200" kern="100" dirty="0">
               <a:effectLst/>
@@ -4791,13 +4784,7 @@
               <a:rPr lang="en-US" altLang="zh-TW" sz="800" kern="100" dirty="0" err="1" smtClean="0">
                 <a:cs typeface="Times New Roman" panose="02020603050405020304" pitchFamily="18" charset="0"/>
               </a:rPr>
-              <a:t>skip</a:t>
-            </a:r>
-            <a:r>
-              <a:rPr lang="en-US" altLang="zh-TW" sz="800" kern="100" dirty="0" err="1" smtClean="0">
-                <a:cs typeface="Times New Roman" panose="02020603050405020304" pitchFamily="18" charset="0"/>
-              </a:rPr>
-              <a:t>ConfigSec</a:t>
+              <a:t>skipConfigSec</a:t>
             </a:r>
             <a:endParaRPr lang="zh-TW" sz="800" kern="100" dirty="0">
               <a:effectLst/>
@@ -5601,15 +5588,7 @@
                 <a:ea typeface="新細明體" panose="02020500000000000000" pitchFamily="18" charset="-120"/>
                 <a:cs typeface="Times New Roman" panose="02020603050405020304" pitchFamily="18" charset="0"/>
               </a:rPr>
-              <a:t>to </a:t>
-            </a:r>
-            <a:r>
-              <a:rPr lang="en-US" sz="1000" kern="100" dirty="0" smtClean="0">
-                <a:effectLst/>
-                <a:ea typeface="新細明體" panose="02020500000000000000" pitchFamily="18" charset="-120"/>
-                <a:cs typeface="Times New Roman" panose="02020603050405020304" pitchFamily="18" charset="0"/>
-              </a:rPr>
-              <a:t>True</a:t>
+              <a:t>to True</a:t>
             </a:r>
             <a:endParaRPr lang="zh-TW" sz="1200" kern="100" dirty="0">
               <a:effectLst/>
@@ -5953,6 +5932,2433 @@
     <p:extLst>
       <p:ext uri="{BB962C8B-B14F-4D97-AF65-F5344CB8AC3E}">
         <p14:creationId xmlns:p14="http://schemas.microsoft.com/office/powerpoint/2010/main" val="3737893555"/>
+      </p:ext>
+    </p:extLst>
+  </p:cSld>
+  <p:clrMapOvr>
+    <a:masterClrMapping/>
+  </p:clrMapOvr>
+</p:sld>
+</file>
+
+<file path=ppt/slides/slide3.xml><?xml version="1.0" encoding="utf-8"?>
+<p:sld xmlns:a="http://schemas.openxmlformats.org/drawingml/2006/main" xmlns:r="http://schemas.openxmlformats.org/officeDocument/2006/relationships" xmlns:p="http://schemas.openxmlformats.org/presentationml/2006/main">
+  <p:cSld>
+    <p:spTree>
+      <p:nvGrpSpPr>
+        <p:cNvPr id="1" name=""/>
+        <p:cNvGrpSpPr/>
+        <p:nvPr/>
+      </p:nvGrpSpPr>
+      <p:grpSpPr>
+        <a:xfrm>
+          <a:off x="0" y="0"/>
+          <a:ext cx="0" cy="0"/>
+          <a:chOff x="0" y="0"/>
+          <a:chExt cx="0" cy="0"/>
+        </a:xfrm>
+      </p:grpSpPr>
+      <p:sp>
+        <p:nvSpPr>
+          <p:cNvPr id="4" name="矩形 3"/>
+          <p:cNvSpPr/>
+          <p:nvPr/>
+        </p:nvSpPr>
+        <p:spPr>
+          <a:xfrm>
+            <a:off x="3339783" y="377555"/>
+            <a:ext cx="871855" cy="271780"/>
+          </a:xfrm>
+          <a:prstGeom prst="rect">
+            <a:avLst/>
+          </a:prstGeom>
+          <a:ln>
+            <a:solidFill>
+              <a:schemeClr val="tx1"/>
+            </a:solidFill>
+          </a:ln>
+        </p:spPr>
+        <p:style>
+          <a:lnRef idx="2">
+            <a:schemeClr val="dk1"/>
+          </a:lnRef>
+          <a:fillRef idx="1">
+            <a:schemeClr val="lt1"/>
+          </a:fillRef>
+          <a:effectRef idx="0">
+            <a:schemeClr val="dk1"/>
+          </a:effectRef>
+          <a:fontRef idx="minor">
+            <a:schemeClr val="dk1"/>
+          </a:fontRef>
+        </p:style>
+        <p:txBody>
+          <a:bodyPr rot="0" spcFirstLastPara="0" vert="horz" wrap="square" lIns="91440" tIns="0" rIns="91440" bIns="0" numCol="1" spcCol="0" rtlCol="0" fromWordArt="0" anchor="ctr" anchorCtr="0" forceAA="0" compatLnSpc="1">
+            <a:prstTxWarp prst="textNoShape">
+              <a:avLst/>
+            </a:prstTxWarp>
+            <a:noAutofit/>
+          </a:bodyPr>
+          <a:lstStyle/>
+          <a:p>
+            <a:pPr algn="ctr">
+              <a:lnSpc>
+                <a:spcPts val="1200"/>
+              </a:lnSpc>
+              <a:spcAft>
+                <a:spcPts val="0"/>
+              </a:spcAft>
+            </a:pPr>
+            <a:r>
+              <a:rPr lang="en-US" sz="1000" kern="100">
+                <a:effectLst/>
+                <a:ea typeface="新細明體" panose="02020500000000000000" pitchFamily="18" charset="-120"/>
+                <a:cs typeface="Times New Roman" panose="02020603050405020304" pitchFamily="18" charset="0"/>
+              </a:rPr>
+              <a:t>Read line</a:t>
+            </a:r>
+            <a:endParaRPr lang="zh-TW" sz="1200" kern="100">
+              <a:effectLst/>
+              <a:ea typeface="新細明體" panose="02020500000000000000" pitchFamily="18" charset="-120"/>
+              <a:cs typeface="Times New Roman" panose="02020603050405020304" pitchFamily="18" charset="0"/>
+            </a:endParaRPr>
+          </a:p>
+        </p:txBody>
+      </p:sp>
+      <p:sp>
+        <p:nvSpPr>
+          <p:cNvPr id="6" name="橢圓 5"/>
+          <p:cNvSpPr/>
+          <p:nvPr/>
+        </p:nvSpPr>
+        <p:spPr>
+          <a:xfrm>
+            <a:off x="3662840" y="-768667"/>
+            <a:ext cx="220345" cy="220345"/>
+          </a:xfrm>
+          <a:prstGeom prst="ellipse">
+            <a:avLst/>
+          </a:prstGeom>
+          <a:ln>
+            <a:solidFill>
+              <a:schemeClr val="tx1"/>
+            </a:solidFill>
+          </a:ln>
+        </p:spPr>
+        <p:style>
+          <a:lnRef idx="2">
+            <a:schemeClr val="dk1"/>
+          </a:lnRef>
+          <a:fillRef idx="1">
+            <a:schemeClr val="lt1"/>
+          </a:fillRef>
+          <a:effectRef idx="0">
+            <a:schemeClr val="dk1"/>
+          </a:effectRef>
+          <a:fontRef idx="minor">
+            <a:schemeClr val="dk1"/>
+          </a:fontRef>
+        </p:style>
+        <p:txBody>
+          <a:bodyPr rot="0" spcFirstLastPara="0" vert="horz" wrap="square" lIns="91440" tIns="0" rIns="91440" bIns="0" numCol="1" spcCol="0" rtlCol="0" fromWordArt="0" anchor="ctr" anchorCtr="0" forceAA="0" compatLnSpc="1">
+            <a:prstTxWarp prst="textNoShape">
+              <a:avLst/>
+            </a:prstTxWarp>
+            <a:noAutofit/>
+          </a:bodyPr>
+          <a:lstStyle/>
+          <a:p>
+            <a:endParaRPr lang="zh-TW" altLang="en-US"/>
+          </a:p>
+        </p:txBody>
+      </p:sp>
+      <p:cxnSp>
+        <p:nvCxnSpPr>
+          <p:cNvPr id="7" name="直線單箭頭接點 6"/>
+          <p:cNvCxnSpPr>
+            <a:stCxn id="38" idx="2"/>
+          </p:cNvCxnSpPr>
+          <p:nvPr/>
+        </p:nvCxnSpPr>
+        <p:spPr>
+          <a:xfrm flipH="1">
+            <a:off x="3777615" y="181215"/>
+            <a:ext cx="64" cy="196340"/>
+          </a:xfrm>
+          <a:prstGeom prst="straightConnector1">
+            <a:avLst/>
+          </a:prstGeom>
+          <a:ln>
+            <a:solidFill>
+              <a:schemeClr val="tx1"/>
+            </a:solidFill>
+            <a:tailEnd type="triangle"/>
+          </a:ln>
+        </p:spPr>
+        <p:style>
+          <a:lnRef idx="1">
+            <a:schemeClr val="dk1"/>
+          </a:lnRef>
+          <a:fillRef idx="0">
+            <a:schemeClr val="dk1"/>
+          </a:fillRef>
+          <a:effectRef idx="0">
+            <a:schemeClr val="dk1"/>
+          </a:effectRef>
+          <a:fontRef idx="minor">
+            <a:schemeClr val="tx1"/>
+          </a:fontRef>
+        </p:style>
+      </p:cxnSp>
+      <p:cxnSp>
+        <p:nvCxnSpPr>
+          <p:cNvPr id="8" name="直線單箭頭接點 7"/>
+          <p:cNvCxnSpPr>
+            <a:stCxn id="4" idx="2"/>
+          </p:cNvCxnSpPr>
+          <p:nvPr/>
+        </p:nvCxnSpPr>
+        <p:spPr>
+          <a:xfrm flipH="1">
+            <a:off x="3775710" y="649335"/>
+            <a:ext cx="1" cy="260316"/>
+          </a:xfrm>
+          <a:prstGeom prst="straightConnector1">
+            <a:avLst/>
+          </a:prstGeom>
+          <a:ln>
+            <a:solidFill>
+              <a:schemeClr val="tx1"/>
+            </a:solidFill>
+            <a:tailEnd type="triangle"/>
+          </a:ln>
+        </p:spPr>
+        <p:style>
+          <a:lnRef idx="1">
+            <a:schemeClr val="dk1"/>
+          </a:lnRef>
+          <a:fillRef idx="0">
+            <a:schemeClr val="dk1"/>
+          </a:fillRef>
+          <a:effectRef idx="0">
+            <a:schemeClr val="dk1"/>
+          </a:effectRef>
+          <a:fontRef idx="minor">
+            <a:schemeClr val="tx1"/>
+          </a:fontRef>
+        </p:style>
+      </p:cxnSp>
+      <p:sp>
+        <p:nvSpPr>
+          <p:cNvPr id="9" name="流程圖: 決策 8"/>
+          <p:cNvSpPr/>
+          <p:nvPr/>
+        </p:nvSpPr>
+        <p:spPr>
+          <a:xfrm>
+            <a:off x="3057889" y="2417535"/>
+            <a:ext cx="1430609" cy="688813"/>
+          </a:xfrm>
+          <a:prstGeom prst="flowChartDecision">
+            <a:avLst/>
+          </a:prstGeom>
+          <a:ln>
+            <a:solidFill>
+              <a:schemeClr val="tx1"/>
+            </a:solidFill>
+          </a:ln>
+        </p:spPr>
+        <p:style>
+          <a:lnRef idx="2">
+            <a:schemeClr val="dk1"/>
+          </a:lnRef>
+          <a:fillRef idx="1">
+            <a:schemeClr val="lt1"/>
+          </a:fillRef>
+          <a:effectRef idx="0">
+            <a:schemeClr val="dk1"/>
+          </a:effectRef>
+          <a:fontRef idx="minor">
+            <a:schemeClr val="dk1"/>
+          </a:fontRef>
+        </p:style>
+        <p:txBody>
+          <a:bodyPr rot="0" spcFirstLastPara="0" vert="horz" wrap="square" lIns="0" tIns="0" rIns="0" bIns="0" numCol="1" spcCol="0" rtlCol="0" fromWordArt="0" anchor="ctr" anchorCtr="0" forceAA="0" compatLnSpc="1">
+            <a:prstTxWarp prst="textNoShape">
+              <a:avLst/>
+            </a:prstTxWarp>
+            <a:noAutofit/>
+          </a:bodyPr>
+          <a:lstStyle/>
+          <a:p>
+            <a:pPr algn="ctr">
+              <a:lnSpc>
+                <a:spcPts val="1200"/>
+              </a:lnSpc>
+              <a:spcAft>
+                <a:spcPts val="0"/>
+              </a:spcAft>
+            </a:pPr>
+            <a:r>
+              <a:rPr lang="en-US" sz="1000" kern="100" dirty="0" smtClean="0">
+                <a:effectLst/>
+                <a:ea typeface="新細明體" panose="02020500000000000000" pitchFamily="18" charset="-120"/>
+                <a:cs typeface="Times New Roman" panose="02020603050405020304" pitchFamily="18" charset="0"/>
+              </a:rPr>
+              <a:t>Line begin with “config”?</a:t>
+            </a:r>
+            <a:endParaRPr lang="zh-TW" sz="1200" kern="100" dirty="0">
+              <a:effectLst/>
+              <a:ea typeface="新細明體" panose="02020500000000000000" pitchFamily="18" charset="-120"/>
+              <a:cs typeface="Times New Roman" panose="02020603050405020304" pitchFamily="18" charset="0"/>
+            </a:endParaRPr>
+          </a:p>
+        </p:txBody>
+      </p:sp>
+      <p:sp>
+        <p:nvSpPr>
+          <p:cNvPr id="20" name="文字方塊 19"/>
+          <p:cNvSpPr txBox="1"/>
+          <p:nvPr/>
+        </p:nvSpPr>
+        <p:spPr>
+          <a:xfrm>
+            <a:off x="4462502" y="2500166"/>
+            <a:ext cx="220978" cy="246221"/>
+          </a:xfrm>
+          <a:prstGeom prst="rect">
+            <a:avLst/>
+          </a:prstGeom>
+          <a:noFill/>
+        </p:spPr>
+        <p:txBody>
+          <a:bodyPr wrap="square" rtlCol="0">
+            <a:spAutoFit/>
+          </a:bodyPr>
+          <a:lstStyle/>
+          <a:p>
+            <a:r>
+              <a:rPr lang="en-US" altLang="zh-TW" sz="1000" dirty="0" smtClean="0"/>
+              <a:t>N</a:t>
+            </a:r>
+            <a:endParaRPr lang="zh-TW" altLang="en-US" sz="1000" dirty="0"/>
+          </a:p>
+        </p:txBody>
+      </p:sp>
+      <p:sp>
+        <p:nvSpPr>
+          <p:cNvPr id="21" name="流程圖: 決策 20"/>
+          <p:cNvSpPr/>
+          <p:nvPr/>
+        </p:nvSpPr>
+        <p:spPr>
+          <a:xfrm>
+            <a:off x="3144074" y="3278187"/>
+            <a:ext cx="1253823" cy="1026342"/>
+          </a:xfrm>
+          <a:prstGeom prst="flowChartDecision">
+            <a:avLst/>
+          </a:prstGeom>
+          <a:ln>
+            <a:solidFill>
+              <a:schemeClr val="tx1"/>
+            </a:solidFill>
+          </a:ln>
+        </p:spPr>
+        <p:style>
+          <a:lnRef idx="2">
+            <a:schemeClr val="dk1"/>
+          </a:lnRef>
+          <a:fillRef idx="1">
+            <a:schemeClr val="lt1"/>
+          </a:fillRef>
+          <a:effectRef idx="0">
+            <a:schemeClr val="dk1"/>
+          </a:effectRef>
+          <a:fontRef idx="minor">
+            <a:schemeClr val="dk1"/>
+          </a:fontRef>
+        </p:style>
+        <p:txBody>
+          <a:bodyPr rot="0" spcFirstLastPara="0" vert="horz" wrap="square" lIns="0" tIns="0" rIns="0" bIns="0" numCol="1" spcCol="0" rtlCol="0" fromWordArt="0" anchor="ctr" anchorCtr="0" forceAA="0" compatLnSpc="1">
+            <a:prstTxWarp prst="textNoShape">
+              <a:avLst/>
+            </a:prstTxWarp>
+            <a:noAutofit/>
+          </a:bodyPr>
+          <a:lstStyle/>
+          <a:p>
+            <a:pPr algn="ctr">
+              <a:lnSpc>
+                <a:spcPts val="1200"/>
+              </a:lnSpc>
+              <a:spcAft>
+                <a:spcPts val="0"/>
+              </a:spcAft>
+            </a:pPr>
+            <a:r>
+              <a:rPr lang="en-US" sz="1000" kern="100" dirty="0" smtClean="0">
+                <a:effectLst/>
+                <a:ea typeface="新細明體" panose="02020500000000000000" pitchFamily="18" charset="-120"/>
+                <a:cs typeface="Times New Roman" panose="02020603050405020304" pitchFamily="18" charset="0"/>
+              </a:rPr>
+              <a:t>Config </a:t>
+            </a:r>
+            <a:r>
+              <a:rPr lang="en-US" sz="1000" kern="100" dirty="0" err="1" smtClean="0">
+                <a:effectLst/>
+                <a:ea typeface="新細明體" panose="02020500000000000000" pitchFamily="18" charset="-120"/>
+                <a:cs typeface="Times New Roman" panose="02020603050405020304" pitchFamily="18" charset="0"/>
+              </a:rPr>
+              <a:t>cmd</a:t>
+            </a:r>
+            <a:r>
+              <a:rPr lang="en-US" sz="1000" kern="100" dirty="0" smtClean="0">
+                <a:effectLst/>
+                <a:ea typeface="新細明體" panose="02020500000000000000" pitchFamily="18" charset="-120"/>
+                <a:cs typeface="Times New Roman" panose="02020603050405020304" pitchFamily="18" charset="0"/>
+              </a:rPr>
+              <a:t> in </a:t>
+            </a:r>
+            <a:r>
+              <a:rPr lang="en-US" sz="1000" kern="100" dirty="0" err="1" smtClean="0">
+                <a:effectLst/>
+                <a:ea typeface="新細明體" panose="02020500000000000000" pitchFamily="18" charset="-120"/>
+                <a:cs typeface="Times New Roman" panose="02020603050405020304" pitchFamily="18" charset="0"/>
+              </a:rPr>
+              <a:t>configCmd</a:t>
+            </a:r>
+            <a:r>
+              <a:rPr lang="en-US" sz="1000" kern="100" dirty="0" smtClean="0">
+                <a:effectLst/>
+                <a:ea typeface="新細明體" panose="02020500000000000000" pitchFamily="18" charset="-120"/>
+                <a:cs typeface="Times New Roman" panose="02020603050405020304" pitchFamily="18" charset="0"/>
+              </a:rPr>
+              <a:t>?</a:t>
+            </a:r>
+            <a:endParaRPr lang="zh-TW" sz="1200" kern="100" dirty="0">
+              <a:effectLst/>
+              <a:ea typeface="新細明體" panose="02020500000000000000" pitchFamily="18" charset="-120"/>
+              <a:cs typeface="Times New Roman" panose="02020603050405020304" pitchFamily="18" charset="0"/>
+            </a:endParaRPr>
+          </a:p>
+        </p:txBody>
+      </p:sp>
+      <p:cxnSp>
+        <p:nvCxnSpPr>
+          <p:cNvPr id="22" name="直線單箭頭接點 21"/>
+          <p:cNvCxnSpPr/>
+          <p:nvPr/>
+        </p:nvCxnSpPr>
+        <p:spPr>
+          <a:xfrm>
+            <a:off x="3770986" y="3108091"/>
+            <a:ext cx="0" cy="187005"/>
+          </a:xfrm>
+          <a:prstGeom prst="straightConnector1">
+            <a:avLst/>
+          </a:prstGeom>
+          <a:ln>
+            <a:solidFill>
+              <a:schemeClr val="tx1"/>
+            </a:solidFill>
+            <a:tailEnd type="triangle"/>
+          </a:ln>
+        </p:spPr>
+        <p:style>
+          <a:lnRef idx="1">
+            <a:schemeClr val="dk1"/>
+          </a:lnRef>
+          <a:fillRef idx="0">
+            <a:schemeClr val="dk1"/>
+          </a:fillRef>
+          <a:effectRef idx="0">
+            <a:schemeClr val="dk1"/>
+          </a:effectRef>
+          <a:fontRef idx="minor">
+            <a:schemeClr val="tx1"/>
+          </a:fontRef>
+        </p:style>
+      </p:cxnSp>
+      <p:sp>
+        <p:nvSpPr>
+          <p:cNvPr id="26" name="矩形 25"/>
+          <p:cNvSpPr/>
+          <p:nvPr/>
+        </p:nvSpPr>
+        <p:spPr>
+          <a:xfrm>
+            <a:off x="4827826" y="3584665"/>
+            <a:ext cx="1088390" cy="413385"/>
+          </a:xfrm>
+          <a:prstGeom prst="rect">
+            <a:avLst/>
+          </a:prstGeom>
+          <a:ln>
+            <a:solidFill>
+              <a:schemeClr val="tx1"/>
+            </a:solidFill>
+          </a:ln>
+        </p:spPr>
+        <p:style>
+          <a:lnRef idx="2">
+            <a:schemeClr val="dk1"/>
+          </a:lnRef>
+          <a:fillRef idx="1">
+            <a:schemeClr val="lt1"/>
+          </a:fillRef>
+          <a:effectRef idx="0">
+            <a:schemeClr val="dk1"/>
+          </a:effectRef>
+          <a:fontRef idx="minor">
+            <a:schemeClr val="dk1"/>
+          </a:fontRef>
+        </p:style>
+        <p:txBody>
+          <a:bodyPr rot="0" spcFirstLastPara="0" vert="horz" wrap="square" lIns="91440" tIns="0" rIns="91440" bIns="0" numCol="1" spcCol="0" rtlCol="0" fromWordArt="0" anchor="ctr" anchorCtr="0" forceAA="0" compatLnSpc="1">
+            <a:prstTxWarp prst="textNoShape">
+              <a:avLst/>
+            </a:prstTxWarp>
+            <a:noAutofit/>
+          </a:bodyPr>
+          <a:lstStyle/>
+          <a:p>
+            <a:pPr algn="ctr">
+              <a:lnSpc>
+                <a:spcPts val="1200"/>
+              </a:lnSpc>
+              <a:spcAft>
+                <a:spcPts val="0"/>
+              </a:spcAft>
+            </a:pPr>
+            <a:r>
+              <a:rPr lang="en-US" sz="1000" kern="100" dirty="0" smtClean="0">
+                <a:effectLst/>
+                <a:ea typeface="新細明體" panose="02020500000000000000" pitchFamily="18" charset="-120"/>
+                <a:cs typeface="Times New Roman" panose="02020603050405020304" pitchFamily="18" charset="0"/>
+              </a:rPr>
+              <a:t> set </a:t>
+            </a:r>
+            <a:r>
+              <a:rPr lang="en-US" altLang="zh-TW" sz="1000" kern="100" dirty="0" err="1">
+                <a:cs typeface="Times New Roman" panose="02020603050405020304" pitchFamily="18" charset="0"/>
+              </a:rPr>
+              <a:t>skipConfigSec</a:t>
+            </a:r>
+            <a:r>
+              <a:rPr lang="en-US" altLang="zh-TW" sz="1000" kern="100" dirty="0">
+                <a:cs typeface="Times New Roman" panose="02020603050405020304" pitchFamily="18" charset="0"/>
+              </a:rPr>
+              <a:t> </a:t>
+            </a:r>
+            <a:r>
+              <a:rPr lang="en-US" sz="1000" kern="100" dirty="0" smtClean="0">
+                <a:effectLst/>
+                <a:ea typeface="新細明體" panose="02020500000000000000" pitchFamily="18" charset="-120"/>
+                <a:cs typeface="Times New Roman" panose="02020603050405020304" pitchFamily="18" charset="0"/>
+              </a:rPr>
+              <a:t>to True</a:t>
+            </a:r>
+            <a:endParaRPr lang="zh-TW" sz="1200" kern="100" dirty="0">
+              <a:effectLst/>
+              <a:ea typeface="新細明體" panose="02020500000000000000" pitchFamily="18" charset="-120"/>
+              <a:cs typeface="Times New Roman" panose="02020603050405020304" pitchFamily="18" charset="0"/>
+            </a:endParaRPr>
+          </a:p>
+        </p:txBody>
+      </p:sp>
+      <p:cxnSp>
+        <p:nvCxnSpPr>
+          <p:cNvPr id="28" name="直線單箭頭接點 27"/>
+          <p:cNvCxnSpPr>
+            <a:stCxn id="21" idx="3"/>
+            <a:endCxn id="26" idx="1"/>
+          </p:cNvCxnSpPr>
+          <p:nvPr/>
+        </p:nvCxnSpPr>
+        <p:spPr>
+          <a:xfrm>
+            <a:off x="4397897" y="3791358"/>
+            <a:ext cx="429929" cy="0"/>
+          </a:xfrm>
+          <a:prstGeom prst="straightConnector1">
+            <a:avLst/>
+          </a:prstGeom>
+          <a:ln>
+            <a:solidFill>
+              <a:schemeClr val="tx1"/>
+            </a:solidFill>
+            <a:tailEnd type="triangle"/>
+          </a:ln>
+        </p:spPr>
+        <p:style>
+          <a:lnRef idx="1">
+            <a:schemeClr val="accent1"/>
+          </a:lnRef>
+          <a:fillRef idx="0">
+            <a:schemeClr val="accent1"/>
+          </a:fillRef>
+          <a:effectRef idx="0">
+            <a:schemeClr val="accent1"/>
+          </a:effectRef>
+          <a:fontRef idx="minor">
+            <a:schemeClr val="tx1"/>
+          </a:fontRef>
+        </p:style>
+      </p:cxnSp>
+      <p:sp>
+        <p:nvSpPr>
+          <p:cNvPr id="31" name="文字方塊 30"/>
+          <p:cNvSpPr txBox="1"/>
+          <p:nvPr/>
+        </p:nvSpPr>
+        <p:spPr>
+          <a:xfrm>
+            <a:off x="4267520" y="4484685"/>
+            <a:ext cx="220978" cy="246221"/>
+          </a:xfrm>
+          <a:prstGeom prst="rect">
+            <a:avLst/>
+          </a:prstGeom>
+          <a:noFill/>
+        </p:spPr>
+        <p:txBody>
+          <a:bodyPr wrap="square" rtlCol="0">
+            <a:spAutoFit/>
+          </a:bodyPr>
+          <a:lstStyle/>
+          <a:p>
+            <a:r>
+              <a:rPr lang="en-US" altLang="zh-TW" sz="1000" dirty="0" smtClean="0"/>
+              <a:t>Y</a:t>
+            </a:r>
+            <a:endParaRPr lang="zh-TW" altLang="en-US" sz="1000" dirty="0"/>
+          </a:p>
+        </p:txBody>
+      </p:sp>
+      <p:sp>
+        <p:nvSpPr>
+          <p:cNvPr id="46" name="流程圖: 決策 45"/>
+          <p:cNvSpPr/>
+          <p:nvPr/>
+        </p:nvSpPr>
+        <p:spPr>
+          <a:xfrm>
+            <a:off x="3313786" y="1664936"/>
+            <a:ext cx="914400" cy="546168"/>
+          </a:xfrm>
+          <a:prstGeom prst="flowChartDecision">
+            <a:avLst/>
+          </a:prstGeom>
+          <a:ln>
+            <a:solidFill>
+              <a:schemeClr val="tx1"/>
+            </a:solidFill>
+          </a:ln>
+        </p:spPr>
+        <p:style>
+          <a:lnRef idx="2">
+            <a:schemeClr val="dk1"/>
+          </a:lnRef>
+          <a:fillRef idx="1">
+            <a:schemeClr val="lt1"/>
+          </a:fillRef>
+          <a:effectRef idx="0">
+            <a:schemeClr val="dk1"/>
+          </a:effectRef>
+          <a:fontRef idx="minor">
+            <a:schemeClr val="dk1"/>
+          </a:fontRef>
+        </p:style>
+        <p:txBody>
+          <a:bodyPr rot="0" spcFirstLastPara="0" vert="horz" wrap="square" lIns="0" tIns="0" rIns="0" bIns="0" numCol="1" spcCol="0" rtlCol="0" fromWordArt="0" anchor="ctr" anchorCtr="0" forceAA="0" compatLnSpc="1">
+            <a:prstTxWarp prst="textNoShape">
+              <a:avLst/>
+            </a:prstTxWarp>
+            <a:noAutofit/>
+          </a:bodyPr>
+          <a:lstStyle/>
+          <a:p>
+            <a:pPr algn="ctr">
+              <a:lnSpc>
+                <a:spcPts val="1200"/>
+              </a:lnSpc>
+              <a:spcAft>
+                <a:spcPts val="0"/>
+              </a:spcAft>
+            </a:pPr>
+            <a:r>
+              <a:rPr lang="en-US" altLang="zh-TW" sz="800" kern="100" dirty="0" err="1" smtClean="0">
+                <a:cs typeface="Times New Roman" panose="02020603050405020304" pitchFamily="18" charset="0"/>
+              </a:rPr>
+              <a:t>enterConfigSec</a:t>
+            </a:r>
+            <a:endParaRPr lang="zh-TW" sz="800" kern="100" dirty="0">
+              <a:effectLst/>
+              <a:ea typeface="新細明體" panose="02020500000000000000" pitchFamily="18" charset="-120"/>
+              <a:cs typeface="Times New Roman" panose="02020603050405020304" pitchFamily="18" charset="0"/>
+            </a:endParaRPr>
+          </a:p>
+        </p:txBody>
+      </p:sp>
+      <p:cxnSp>
+        <p:nvCxnSpPr>
+          <p:cNvPr id="52" name="直線單箭頭接點 51"/>
+          <p:cNvCxnSpPr/>
+          <p:nvPr/>
+        </p:nvCxnSpPr>
+        <p:spPr>
+          <a:xfrm>
+            <a:off x="3770986" y="2211104"/>
+            <a:ext cx="0" cy="197373"/>
+          </a:xfrm>
+          <a:prstGeom prst="straightConnector1">
+            <a:avLst/>
+          </a:prstGeom>
+          <a:ln>
+            <a:tailEnd type="triangle"/>
+          </a:ln>
+        </p:spPr>
+        <p:style>
+          <a:lnRef idx="1">
+            <a:schemeClr val="dk1"/>
+          </a:lnRef>
+          <a:fillRef idx="0">
+            <a:schemeClr val="dk1"/>
+          </a:fillRef>
+          <a:effectRef idx="0">
+            <a:schemeClr val="dk1"/>
+          </a:effectRef>
+          <a:fontRef idx="minor">
+            <a:schemeClr val="tx1"/>
+          </a:fontRef>
+        </p:style>
+      </p:cxnSp>
+      <p:sp>
+        <p:nvSpPr>
+          <p:cNvPr id="53" name="文字方塊 52"/>
+          <p:cNvSpPr txBox="1"/>
+          <p:nvPr/>
+        </p:nvSpPr>
+        <p:spPr>
+          <a:xfrm>
+            <a:off x="3814734" y="2169850"/>
+            <a:ext cx="719646" cy="246221"/>
+          </a:xfrm>
+          <a:prstGeom prst="rect">
+            <a:avLst/>
+          </a:prstGeom>
+          <a:noFill/>
+        </p:spPr>
+        <p:txBody>
+          <a:bodyPr wrap="square" rtlCol="0">
+            <a:spAutoFit/>
+          </a:bodyPr>
+          <a:lstStyle/>
+          <a:p>
+            <a:r>
+              <a:rPr lang="en-US" altLang="zh-TW" sz="1000" dirty="0" smtClean="0"/>
+              <a:t>N</a:t>
+            </a:r>
+            <a:endParaRPr lang="zh-TW" altLang="en-US" sz="1000" dirty="0"/>
+          </a:p>
+        </p:txBody>
+      </p:sp>
+      <p:sp>
+        <p:nvSpPr>
+          <p:cNvPr id="54" name="矩形 53"/>
+          <p:cNvSpPr/>
+          <p:nvPr/>
+        </p:nvSpPr>
+        <p:spPr>
+          <a:xfrm>
+            <a:off x="456090" y="3414395"/>
+            <a:ext cx="1088390" cy="688213"/>
+          </a:xfrm>
+          <a:prstGeom prst="rect">
+            <a:avLst/>
+          </a:prstGeom>
+          <a:ln>
+            <a:solidFill>
+              <a:schemeClr val="tx1"/>
+            </a:solidFill>
+          </a:ln>
+        </p:spPr>
+        <p:style>
+          <a:lnRef idx="2">
+            <a:schemeClr val="dk1"/>
+          </a:lnRef>
+          <a:fillRef idx="1">
+            <a:schemeClr val="lt1"/>
+          </a:fillRef>
+          <a:effectRef idx="0">
+            <a:schemeClr val="dk1"/>
+          </a:effectRef>
+          <a:fontRef idx="minor">
+            <a:schemeClr val="dk1"/>
+          </a:fontRef>
+        </p:style>
+        <p:txBody>
+          <a:bodyPr rot="0" spcFirstLastPara="0" vert="horz" wrap="square" lIns="91440" tIns="0" rIns="91440" bIns="0" numCol="1" spcCol="0" rtlCol="0" fromWordArt="0" anchor="ctr" anchorCtr="0" forceAA="0" compatLnSpc="1">
+            <a:prstTxWarp prst="textNoShape">
+              <a:avLst/>
+            </a:prstTxWarp>
+            <a:noAutofit/>
+          </a:bodyPr>
+          <a:lstStyle/>
+          <a:p>
+            <a:pPr algn="ctr">
+              <a:lnSpc>
+                <a:spcPts val="1200"/>
+              </a:lnSpc>
+              <a:spcAft>
+                <a:spcPts val="0"/>
+              </a:spcAft>
+            </a:pPr>
+            <a:r>
+              <a:rPr lang="en-US" sz="800" kern="100" dirty="0" smtClean="0">
+                <a:effectLst/>
+                <a:ea typeface="新細明體" panose="02020500000000000000" pitchFamily="18" charset="-120"/>
+                <a:cs typeface="Times New Roman" panose="02020603050405020304" pitchFamily="18" charset="0"/>
+              </a:rPr>
+              <a:t>Create a node under S and gather info</a:t>
+            </a:r>
+            <a:endParaRPr lang="zh-TW" sz="1050" kern="100" dirty="0">
+              <a:effectLst/>
+              <a:ea typeface="新細明體" panose="02020500000000000000" pitchFamily="18" charset="-120"/>
+              <a:cs typeface="Times New Roman" panose="02020603050405020304" pitchFamily="18" charset="0"/>
+            </a:endParaRPr>
+          </a:p>
+        </p:txBody>
+      </p:sp>
+      <p:cxnSp>
+        <p:nvCxnSpPr>
+          <p:cNvPr id="56" name="肘形接點 55"/>
+          <p:cNvCxnSpPr>
+            <a:stCxn id="46" idx="1"/>
+            <a:endCxn id="60" idx="0"/>
+          </p:cNvCxnSpPr>
+          <p:nvPr/>
+        </p:nvCxnSpPr>
+        <p:spPr>
+          <a:xfrm rot="10800000" flipV="1">
+            <a:off x="1000604" y="1938020"/>
+            <a:ext cx="2313183" cy="562146"/>
+          </a:xfrm>
+          <a:prstGeom prst="bentConnector2">
+            <a:avLst/>
+          </a:prstGeom>
+          <a:ln>
+            <a:tailEnd type="triangle"/>
+          </a:ln>
+        </p:spPr>
+        <p:style>
+          <a:lnRef idx="1">
+            <a:schemeClr val="dk1"/>
+          </a:lnRef>
+          <a:fillRef idx="0">
+            <a:schemeClr val="dk1"/>
+          </a:fillRef>
+          <a:effectRef idx="0">
+            <a:schemeClr val="dk1"/>
+          </a:effectRef>
+          <a:fontRef idx="minor">
+            <a:schemeClr val="tx1"/>
+          </a:fontRef>
+        </p:style>
+      </p:cxnSp>
+      <p:sp>
+        <p:nvSpPr>
+          <p:cNvPr id="60" name="流程圖: 決策 59"/>
+          <p:cNvSpPr/>
+          <p:nvPr/>
+        </p:nvSpPr>
+        <p:spPr>
+          <a:xfrm>
+            <a:off x="543403" y="2500166"/>
+            <a:ext cx="914400" cy="546168"/>
+          </a:xfrm>
+          <a:prstGeom prst="flowChartDecision">
+            <a:avLst/>
+          </a:prstGeom>
+          <a:ln>
+            <a:solidFill>
+              <a:schemeClr val="tx1"/>
+            </a:solidFill>
+          </a:ln>
+        </p:spPr>
+        <p:style>
+          <a:lnRef idx="2">
+            <a:schemeClr val="dk1"/>
+          </a:lnRef>
+          <a:fillRef idx="1">
+            <a:schemeClr val="lt1"/>
+          </a:fillRef>
+          <a:effectRef idx="0">
+            <a:schemeClr val="dk1"/>
+          </a:effectRef>
+          <a:fontRef idx="minor">
+            <a:schemeClr val="dk1"/>
+          </a:fontRef>
+        </p:style>
+        <p:txBody>
+          <a:bodyPr rot="0" spcFirstLastPara="0" vert="horz" wrap="square" lIns="0" tIns="0" rIns="0" bIns="0" numCol="1" spcCol="0" rtlCol="0" fromWordArt="0" anchor="ctr" anchorCtr="0" forceAA="0" compatLnSpc="1">
+            <a:prstTxWarp prst="textNoShape">
+              <a:avLst/>
+            </a:prstTxWarp>
+            <a:noAutofit/>
+          </a:bodyPr>
+          <a:lstStyle/>
+          <a:p>
+            <a:pPr algn="ctr">
+              <a:lnSpc>
+                <a:spcPts val="1200"/>
+              </a:lnSpc>
+              <a:spcAft>
+                <a:spcPts val="0"/>
+              </a:spcAft>
+            </a:pPr>
+            <a:r>
+              <a:rPr lang="en-US" altLang="zh-TW" sz="800" kern="100" dirty="0" smtClean="0">
+                <a:effectLst/>
+                <a:ea typeface="新細明體" panose="02020500000000000000" pitchFamily="18" charset="-120"/>
+                <a:cs typeface="Times New Roman" panose="02020603050405020304" pitchFamily="18" charset="0"/>
+              </a:rPr>
+              <a:t>config sec. end</a:t>
+            </a:r>
+            <a:endParaRPr lang="zh-TW" sz="800" kern="100" dirty="0">
+              <a:effectLst/>
+              <a:ea typeface="新細明體" panose="02020500000000000000" pitchFamily="18" charset="-120"/>
+              <a:cs typeface="Times New Roman" panose="02020603050405020304" pitchFamily="18" charset="0"/>
+            </a:endParaRPr>
+          </a:p>
+        </p:txBody>
+      </p:sp>
+      <p:sp>
+        <p:nvSpPr>
+          <p:cNvPr id="61" name="文字方塊 60"/>
+          <p:cNvSpPr txBox="1"/>
+          <p:nvPr/>
+        </p:nvSpPr>
+        <p:spPr>
+          <a:xfrm>
+            <a:off x="2929733" y="1945797"/>
+            <a:ext cx="507872" cy="246221"/>
+          </a:xfrm>
+          <a:prstGeom prst="rect">
+            <a:avLst/>
+          </a:prstGeom>
+          <a:noFill/>
+        </p:spPr>
+        <p:txBody>
+          <a:bodyPr wrap="square" rtlCol="0">
+            <a:spAutoFit/>
+          </a:bodyPr>
+          <a:lstStyle/>
+          <a:p>
+            <a:r>
+              <a:rPr lang="en-US" altLang="zh-TW" sz="1000" dirty="0" smtClean="0"/>
+              <a:t>Y</a:t>
+            </a:r>
+            <a:endParaRPr lang="zh-TW" altLang="en-US" sz="1000" dirty="0"/>
+          </a:p>
+        </p:txBody>
+      </p:sp>
+      <p:cxnSp>
+        <p:nvCxnSpPr>
+          <p:cNvPr id="63" name="肘形接點 62"/>
+          <p:cNvCxnSpPr>
+            <a:stCxn id="54" idx="2"/>
+            <a:endCxn id="4" idx="1"/>
+          </p:cNvCxnSpPr>
+          <p:nvPr/>
+        </p:nvCxnSpPr>
+        <p:spPr>
+          <a:xfrm rot="5400000" flipH="1" flipV="1">
+            <a:off x="375452" y="1138278"/>
+            <a:ext cx="3589163" cy="2339498"/>
+          </a:xfrm>
+          <a:prstGeom prst="bentConnector4">
+            <a:avLst>
+              <a:gd name="adj1" fmla="val -6369"/>
+              <a:gd name="adj2" fmla="val -34780"/>
+            </a:avLst>
+          </a:prstGeom>
+          <a:ln>
+            <a:tailEnd type="triangle"/>
+          </a:ln>
+        </p:spPr>
+        <p:style>
+          <a:lnRef idx="1">
+            <a:schemeClr val="dk1"/>
+          </a:lnRef>
+          <a:fillRef idx="0">
+            <a:schemeClr val="dk1"/>
+          </a:fillRef>
+          <a:effectRef idx="0">
+            <a:schemeClr val="dk1"/>
+          </a:effectRef>
+          <a:fontRef idx="minor">
+            <a:schemeClr val="tx1"/>
+          </a:fontRef>
+        </p:style>
+      </p:cxnSp>
+      <p:sp>
+        <p:nvSpPr>
+          <p:cNvPr id="65" name="文字方塊 64"/>
+          <p:cNvSpPr txBox="1"/>
+          <p:nvPr/>
+        </p:nvSpPr>
+        <p:spPr>
+          <a:xfrm>
+            <a:off x="979012" y="3048875"/>
+            <a:ext cx="220978" cy="246221"/>
+          </a:xfrm>
+          <a:prstGeom prst="rect">
+            <a:avLst/>
+          </a:prstGeom>
+          <a:noFill/>
+        </p:spPr>
+        <p:txBody>
+          <a:bodyPr wrap="square" rtlCol="0">
+            <a:spAutoFit/>
+          </a:bodyPr>
+          <a:lstStyle/>
+          <a:p>
+            <a:r>
+              <a:rPr lang="en-US" altLang="zh-TW" sz="1000" dirty="0" smtClean="0"/>
+              <a:t>N</a:t>
+            </a:r>
+            <a:endParaRPr lang="zh-TW" altLang="en-US" sz="1000" dirty="0"/>
+          </a:p>
+        </p:txBody>
+      </p:sp>
+      <p:cxnSp>
+        <p:nvCxnSpPr>
+          <p:cNvPr id="69" name="直線單箭頭接點 68"/>
+          <p:cNvCxnSpPr>
+            <a:stCxn id="60" idx="2"/>
+            <a:endCxn id="54" idx="0"/>
+          </p:cNvCxnSpPr>
+          <p:nvPr/>
+        </p:nvCxnSpPr>
+        <p:spPr>
+          <a:xfrm flipH="1">
+            <a:off x="1000285" y="3046334"/>
+            <a:ext cx="318" cy="368061"/>
+          </a:xfrm>
+          <a:prstGeom prst="straightConnector1">
+            <a:avLst/>
+          </a:prstGeom>
+          <a:ln>
+            <a:tailEnd type="triangle"/>
+          </a:ln>
+        </p:spPr>
+        <p:style>
+          <a:lnRef idx="1">
+            <a:schemeClr val="dk1"/>
+          </a:lnRef>
+          <a:fillRef idx="0">
+            <a:schemeClr val="dk1"/>
+          </a:fillRef>
+          <a:effectRef idx="0">
+            <a:schemeClr val="dk1"/>
+          </a:effectRef>
+          <a:fontRef idx="minor">
+            <a:schemeClr val="tx1"/>
+          </a:fontRef>
+        </p:style>
+      </p:cxnSp>
+      <p:sp>
+        <p:nvSpPr>
+          <p:cNvPr id="71" name="矩形 70"/>
+          <p:cNvSpPr/>
+          <p:nvPr/>
+        </p:nvSpPr>
+        <p:spPr>
+          <a:xfrm>
+            <a:off x="1760462" y="3414395"/>
+            <a:ext cx="1088390" cy="452240"/>
+          </a:xfrm>
+          <a:prstGeom prst="rect">
+            <a:avLst/>
+          </a:prstGeom>
+          <a:ln>
+            <a:solidFill>
+              <a:schemeClr val="tx1"/>
+            </a:solidFill>
+          </a:ln>
+        </p:spPr>
+        <p:style>
+          <a:lnRef idx="2">
+            <a:schemeClr val="dk1"/>
+          </a:lnRef>
+          <a:fillRef idx="1">
+            <a:schemeClr val="lt1"/>
+          </a:fillRef>
+          <a:effectRef idx="0">
+            <a:schemeClr val="dk1"/>
+          </a:effectRef>
+          <a:fontRef idx="minor">
+            <a:schemeClr val="dk1"/>
+          </a:fontRef>
+        </p:style>
+        <p:txBody>
+          <a:bodyPr rot="0" spcFirstLastPara="0" vert="horz" wrap="square" lIns="91440" tIns="0" rIns="91440" bIns="0" numCol="1" spcCol="0" rtlCol="0" fromWordArt="0" anchor="ctr" anchorCtr="0" forceAA="0" compatLnSpc="1">
+            <a:prstTxWarp prst="textNoShape">
+              <a:avLst/>
+            </a:prstTxWarp>
+            <a:noAutofit/>
+          </a:bodyPr>
+          <a:lstStyle/>
+          <a:p>
+            <a:pPr>
+              <a:lnSpc>
+                <a:spcPts val="800"/>
+              </a:lnSpc>
+              <a:spcAft>
+                <a:spcPts val="0"/>
+              </a:spcAft>
+            </a:pPr>
+            <a:r>
+              <a:rPr lang="en-US" altLang="zh-TW" sz="800" kern="100" dirty="0" smtClean="0">
+                <a:ea typeface="新細明體" panose="02020500000000000000" pitchFamily="18" charset="-120"/>
+                <a:cs typeface="Times New Roman" panose="02020603050405020304" pitchFamily="18" charset="0"/>
+              </a:rPr>
+              <a:t>Go up 1 level to new node(parent)</a:t>
+            </a:r>
+          </a:p>
+        </p:txBody>
+      </p:sp>
+      <p:cxnSp>
+        <p:nvCxnSpPr>
+          <p:cNvPr id="73" name="肘形接點 72"/>
+          <p:cNvCxnSpPr>
+            <a:stCxn id="60" idx="3"/>
+            <a:endCxn id="71" idx="0"/>
+          </p:cNvCxnSpPr>
+          <p:nvPr/>
+        </p:nvCxnSpPr>
+        <p:spPr>
+          <a:xfrm>
+            <a:off x="1457803" y="2773250"/>
+            <a:ext cx="846854" cy="641145"/>
+          </a:xfrm>
+          <a:prstGeom prst="bentConnector2">
+            <a:avLst/>
+          </a:prstGeom>
+          <a:ln>
+            <a:tailEnd type="triangle"/>
+          </a:ln>
+        </p:spPr>
+        <p:style>
+          <a:lnRef idx="1">
+            <a:schemeClr val="dk1"/>
+          </a:lnRef>
+          <a:fillRef idx="0">
+            <a:schemeClr val="dk1"/>
+          </a:fillRef>
+          <a:effectRef idx="0">
+            <a:schemeClr val="dk1"/>
+          </a:effectRef>
+          <a:fontRef idx="minor">
+            <a:schemeClr val="tx1"/>
+          </a:fontRef>
+        </p:style>
+      </p:cxnSp>
+      <p:sp>
+        <p:nvSpPr>
+          <p:cNvPr id="74" name="文字方塊 73"/>
+          <p:cNvSpPr txBox="1"/>
+          <p:nvPr/>
+        </p:nvSpPr>
+        <p:spPr>
+          <a:xfrm>
+            <a:off x="1494638" y="2527029"/>
+            <a:ext cx="220978" cy="246221"/>
+          </a:xfrm>
+          <a:prstGeom prst="rect">
+            <a:avLst/>
+          </a:prstGeom>
+          <a:noFill/>
+        </p:spPr>
+        <p:txBody>
+          <a:bodyPr wrap="square" rtlCol="0">
+            <a:spAutoFit/>
+          </a:bodyPr>
+          <a:lstStyle/>
+          <a:p>
+            <a:r>
+              <a:rPr lang="en-US" altLang="zh-TW" sz="1000" dirty="0" smtClean="0"/>
+              <a:t>Y</a:t>
+            </a:r>
+            <a:endParaRPr lang="zh-TW" altLang="en-US" sz="1000" dirty="0"/>
+          </a:p>
+        </p:txBody>
+      </p:sp>
+      <p:sp>
+        <p:nvSpPr>
+          <p:cNvPr id="103" name="文字方塊 102"/>
+          <p:cNvSpPr txBox="1"/>
+          <p:nvPr/>
+        </p:nvSpPr>
+        <p:spPr>
+          <a:xfrm>
+            <a:off x="3790601" y="3084281"/>
+            <a:ext cx="220978" cy="246221"/>
+          </a:xfrm>
+          <a:prstGeom prst="rect">
+            <a:avLst/>
+          </a:prstGeom>
+          <a:noFill/>
+        </p:spPr>
+        <p:txBody>
+          <a:bodyPr wrap="square" rtlCol="0">
+            <a:spAutoFit/>
+          </a:bodyPr>
+          <a:lstStyle/>
+          <a:p>
+            <a:r>
+              <a:rPr lang="en-US" altLang="zh-TW" sz="1000" dirty="0" smtClean="0"/>
+              <a:t>Y</a:t>
+            </a:r>
+            <a:endParaRPr lang="zh-TW" altLang="en-US" sz="1000" dirty="0"/>
+          </a:p>
+        </p:txBody>
+      </p:sp>
+      <p:sp>
+        <p:nvSpPr>
+          <p:cNvPr id="106" name="流程圖: 決策 105"/>
+          <p:cNvSpPr/>
+          <p:nvPr/>
+        </p:nvSpPr>
+        <p:spPr>
+          <a:xfrm>
+            <a:off x="3318510" y="916848"/>
+            <a:ext cx="914400" cy="546168"/>
+          </a:xfrm>
+          <a:prstGeom prst="flowChartDecision">
+            <a:avLst/>
+          </a:prstGeom>
+          <a:ln>
+            <a:solidFill>
+              <a:schemeClr val="tx1"/>
+            </a:solidFill>
+          </a:ln>
+        </p:spPr>
+        <p:style>
+          <a:lnRef idx="2">
+            <a:schemeClr val="dk1"/>
+          </a:lnRef>
+          <a:fillRef idx="1">
+            <a:schemeClr val="lt1"/>
+          </a:fillRef>
+          <a:effectRef idx="0">
+            <a:schemeClr val="dk1"/>
+          </a:effectRef>
+          <a:fontRef idx="minor">
+            <a:schemeClr val="dk1"/>
+          </a:fontRef>
+        </p:style>
+        <p:txBody>
+          <a:bodyPr rot="0" spcFirstLastPara="0" vert="horz" wrap="square" lIns="0" tIns="0" rIns="0" bIns="0" numCol="1" spcCol="0" rtlCol="0" fromWordArt="0" anchor="ctr" anchorCtr="0" forceAA="0" compatLnSpc="1">
+            <a:prstTxWarp prst="textNoShape">
+              <a:avLst/>
+            </a:prstTxWarp>
+            <a:noAutofit/>
+          </a:bodyPr>
+          <a:lstStyle/>
+          <a:p>
+            <a:pPr algn="ctr">
+              <a:lnSpc>
+                <a:spcPts val="1200"/>
+              </a:lnSpc>
+              <a:spcAft>
+                <a:spcPts val="0"/>
+              </a:spcAft>
+            </a:pPr>
+            <a:r>
+              <a:rPr lang="en-US" altLang="zh-TW" sz="800" kern="100" dirty="0" err="1" smtClean="0">
+                <a:cs typeface="Times New Roman" panose="02020603050405020304" pitchFamily="18" charset="0"/>
+              </a:rPr>
+              <a:t>skipConfigSec</a:t>
+            </a:r>
+            <a:endParaRPr lang="zh-TW" sz="800" kern="100" dirty="0">
+              <a:effectLst/>
+              <a:ea typeface="新細明體" panose="02020500000000000000" pitchFamily="18" charset="-120"/>
+              <a:cs typeface="Times New Roman" panose="02020603050405020304" pitchFamily="18" charset="0"/>
+            </a:endParaRPr>
+          </a:p>
+        </p:txBody>
+      </p:sp>
+      <p:sp>
+        <p:nvSpPr>
+          <p:cNvPr id="2" name="文字方塊 1"/>
+          <p:cNvSpPr txBox="1"/>
+          <p:nvPr/>
+        </p:nvSpPr>
+        <p:spPr>
+          <a:xfrm>
+            <a:off x="10298635" y="66722"/>
+            <a:ext cx="1689497" cy="369332"/>
+          </a:xfrm>
+          <a:prstGeom prst="rect">
+            <a:avLst/>
+          </a:prstGeom>
+          <a:noFill/>
+        </p:spPr>
+        <p:txBody>
+          <a:bodyPr wrap="square" rtlCol="0">
+            <a:spAutoFit/>
+          </a:bodyPr>
+          <a:lstStyle/>
+          <a:p>
+            <a:r>
+              <a:rPr lang="en-US" altLang="zh-TW" dirty="0" smtClean="0"/>
+              <a:t>config2List</a:t>
+            </a:r>
+            <a:endParaRPr lang="zh-TW" altLang="en-US" dirty="0"/>
+          </a:p>
+        </p:txBody>
+      </p:sp>
+      <p:sp>
+        <p:nvSpPr>
+          <p:cNvPr id="38" name="矩形 37"/>
+          <p:cNvSpPr/>
+          <p:nvPr/>
+        </p:nvSpPr>
+        <p:spPr>
+          <a:xfrm>
+            <a:off x="3341751" y="-415719"/>
+            <a:ext cx="871855" cy="596934"/>
+          </a:xfrm>
+          <a:prstGeom prst="rect">
+            <a:avLst/>
+          </a:prstGeom>
+          <a:ln>
+            <a:solidFill>
+              <a:schemeClr val="tx1"/>
+            </a:solidFill>
+          </a:ln>
+        </p:spPr>
+        <p:style>
+          <a:lnRef idx="2">
+            <a:schemeClr val="dk1"/>
+          </a:lnRef>
+          <a:fillRef idx="1">
+            <a:schemeClr val="lt1"/>
+          </a:fillRef>
+          <a:effectRef idx="0">
+            <a:schemeClr val="dk1"/>
+          </a:effectRef>
+          <a:fontRef idx="minor">
+            <a:schemeClr val="dk1"/>
+          </a:fontRef>
+        </p:style>
+        <p:txBody>
+          <a:bodyPr rot="0" spcFirstLastPara="0" vert="horz" wrap="square" lIns="91440" tIns="0" rIns="91440" bIns="0" numCol="1" spcCol="0" rtlCol="0" fromWordArt="0" anchor="ctr" anchorCtr="0" forceAA="0" compatLnSpc="1">
+            <a:prstTxWarp prst="textNoShape">
+              <a:avLst/>
+            </a:prstTxWarp>
+            <a:noAutofit/>
+          </a:bodyPr>
+          <a:lstStyle/>
+          <a:p>
+            <a:pPr algn="ctr">
+              <a:lnSpc>
+                <a:spcPts val="1200"/>
+              </a:lnSpc>
+              <a:spcAft>
+                <a:spcPts val="0"/>
+              </a:spcAft>
+            </a:pPr>
+            <a:r>
+              <a:rPr lang="en-US" sz="1000" kern="100" dirty="0" smtClean="0">
+                <a:effectLst/>
+                <a:ea typeface="新細明體" panose="02020500000000000000" pitchFamily="18" charset="-120"/>
+                <a:cs typeface="Times New Roman" panose="02020603050405020304" pitchFamily="18" charset="0"/>
+              </a:rPr>
+              <a:t>Read config 1</a:t>
+            </a:r>
+            <a:r>
+              <a:rPr lang="en-US" sz="1000" kern="100" baseline="30000" dirty="0" smtClean="0">
+                <a:effectLst/>
+                <a:ea typeface="新細明體" panose="02020500000000000000" pitchFamily="18" charset="-120"/>
+                <a:cs typeface="Times New Roman" panose="02020603050405020304" pitchFamily="18" charset="0"/>
+              </a:rPr>
+              <a:t>st</a:t>
+            </a:r>
+            <a:r>
+              <a:rPr lang="en-US" sz="1000" kern="100" dirty="0" smtClean="0">
+                <a:effectLst/>
+                <a:ea typeface="新細明體" panose="02020500000000000000" pitchFamily="18" charset="-120"/>
+                <a:cs typeface="Times New Roman" panose="02020603050405020304" pitchFamily="18" charset="0"/>
+              </a:rPr>
+              <a:t> part in config file</a:t>
+            </a:r>
+            <a:endParaRPr lang="zh-TW" sz="1200" kern="100" dirty="0">
+              <a:effectLst/>
+              <a:ea typeface="新細明體" panose="02020500000000000000" pitchFamily="18" charset="-120"/>
+              <a:cs typeface="Times New Roman" panose="02020603050405020304" pitchFamily="18" charset="0"/>
+            </a:endParaRPr>
+          </a:p>
+        </p:txBody>
+      </p:sp>
+      <p:cxnSp>
+        <p:nvCxnSpPr>
+          <p:cNvPr id="41" name="直線單箭頭接點 40"/>
+          <p:cNvCxnSpPr>
+            <a:stCxn id="6" idx="4"/>
+            <a:endCxn id="38" idx="0"/>
+          </p:cNvCxnSpPr>
+          <p:nvPr/>
+        </p:nvCxnSpPr>
+        <p:spPr>
+          <a:xfrm>
+            <a:off x="3773013" y="-548322"/>
+            <a:ext cx="4666" cy="132603"/>
+          </a:xfrm>
+          <a:prstGeom prst="straightConnector1">
+            <a:avLst/>
+          </a:prstGeom>
+          <a:ln>
+            <a:solidFill>
+              <a:schemeClr val="tx1"/>
+            </a:solidFill>
+            <a:tailEnd type="triangle"/>
+          </a:ln>
+        </p:spPr>
+        <p:style>
+          <a:lnRef idx="1">
+            <a:schemeClr val="dk1"/>
+          </a:lnRef>
+          <a:fillRef idx="0">
+            <a:schemeClr val="dk1"/>
+          </a:fillRef>
+          <a:effectRef idx="0">
+            <a:schemeClr val="dk1"/>
+          </a:effectRef>
+          <a:fontRef idx="minor">
+            <a:schemeClr val="tx1"/>
+          </a:fontRef>
+        </p:style>
+      </p:cxnSp>
+      <p:sp>
+        <p:nvSpPr>
+          <p:cNvPr id="14" name="矩形 13"/>
+          <p:cNvSpPr/>
+          <p:nvPr/>
+        </p:nvSpPr>
+        <p:spPr>
+          <a:xfrm>
+            <a:off x="3814734" y="147107"/>
+            <a:ext cx="793807" cy="261610"/>
+          </a:xfrm>
+          <a:prstGeom prst="rect">
+            <a:avLst/>
+          </a:prstGeom>
+        </p:spPr>
+        <p:txBody>
+          <a:bodyPr wrap="none">
+            <a:spAutoFit/>
+          </a:bodyPr>
+          <a:lstStyle/>
+          <a:p>
+            <a:r>
+              <a:rPr lang="en-US" altLang="zh-TW" sz="1100" dirty="0" err="1"/>
+              <a:t>configCmd</a:t>
+            </a:r>
+            <a:endParaRPr lang="zh-TW" altLang="en-US" sz="1100" dirty="0"/>
+          </a:p>
+        </p:txBody>
+      </p:sp>
+      <p:sp>
+        <p:nvSpPr>
+          <p:cNvPr id="45" name="流程圖: 決策 44"/>
+          <p:cNvSpPr/>
+          <p:nvPr/>
+        </p:nvSpPr>
+        <p:spPr>
+          <a:xfrm>
+            <a:off x="4428965" y="916848"/>
+            <a:ext cx="914400" cy="546168"/>
+          </a:xfrm>
+          <a:prstGeom prst="flowChartDecision">
+            <a:avLst/>
+          </a:prstGeom>
+          <a:ln>
+            <a:solidFill>
+              <a:schemeClr val="tx1"/>
+            </a:solidFill>
+          </a:ln>
+        </p:spPr>
+        <p:style>
+          <a:lnRef idx="2">
+            <a:schemeClr val="dk1"/>
+          </a:lnRef>
+          <a:fillRef idx="1">
+            <a:schemeClr val="lt1"/>
+          </a:fillRef>
+          <a:effectRef idx="0">
+            <a:schemeClr val="dk1"/>
+          </a:effectRef>
+          <a:fontRef idx="minor">
+            <a:schemeClr val="dk1"/>
+          </a:fontRef>
+        </p:style>
+        <p:txBody>
+          <a:bodyPr rot="0" spcFirstLastPara="0" vert="horz" wrap="square" lIns="0" tIns="0" rIns="0" bIns="0" numCol="1" spcCol="0" rtlCol="0" fromWordArt="0" anchor="ctr" anchorCtr="0" forceAA="0" compatLnSpc="1">
+            <a:prstTxWarp prst="textNoShape">
+              <a:avLst/>
+            </a:prstTxWarp>
+            <a:noAutofit/>
+          </a:bodyPr>
+          <a:lstStyle/>
+          <a:p>
+            <a:pPr algn="ctr">
+              <a:lnSpc>
+                <a:spcPts val="1200"/>
+              </a:lnSpc>
+              <a:spcAft>
+                <a:spcPts val="0"/>
+              </a:spcAft>
+            </a:pPr>
+            <a:r>
+              <a:rPr lang="en-US" altLang="zh-TW" sz="800" kern="100" dirty="0" smtClean="0">
+                <a:cs typeface="Times New Roman" panose="02020603050405020304" pitchFamily="18" charset="0"/>
+              </a:rPr>
+              <a:t>Is config sec. end?</a:t>
+            </a:r>
+            <a:endParaRPr lang="zh-TW" sz="800" kern="100" dirty="0">
+              <a:effectLst/>
+              <a:ea typeface="新細明體" panose="02020500000000000000" pitchFamily="18" charset="-120"/>
+              <a:cs typeface="Times New Roman" panose="02020603050405020304" pitchFamily="18" charset="0"/>
+            </a:endParaRPr>
+          </a:p>
+        </p:txBody>
+      </p:sp>
+      <p:cxnSp>
+        <p:nvCxnSpPr>
+          <p:cNvPr id="16" name="直線單箭頭接點 15"/>
+          <p:cNvCxnSpPr>
+            <a:stCxn id="106" idx="3"/>
+            <a:endCxn id="45" idx="1"/>
+          </p:cNvCxnSpPr>
+          <p:nvPr/>
+        </p:nvCxnSpPr>
+        <p:spPr>
+          <a:xfrm>
+            <a:off x="4232910" y="1189932"/>
+            <a:ext cx="196055" cy="0"/>
+          </a:xfrm>
+          <a:prstGeom prst="straightConnector1">
+            <a:avLst/>
+          </a:prstGeom>
+          <a:ln>
+            <a:tailEnd type="triangle"/>
+          </a:ln>
+        </p:spPr>
+        <p:style>
+          <a:lnRef idx="1">
+            <a:schemeClr val="dk1"/>
+          </a:lnRef>
+          <a:fillRef idx="0">
+            <a:schemeClr val="dk1"/>
+          </a:fillRef>
+          <a:effectRef idx="0">
+            <a:schemeClr val="dk1"/>
+          </a:effectRef>
+          <a:fontRef idx="minor">
+            <a:schemeClr val="tx1"/>
+          </a:fontRef>
+        </p:style>
+      </p:cxnSp>
+      <p:sp>
+        <p:nvSpPr>
+          <p:cNvPr id="49" name="矩形 48"/>
+          <p:cNvSpPr/>
+          <p:nvPr/>
+        </p:nvSpPr>
+        <p:spPr>
+          <a:xfrm>
+            <a:off x="5539420" y="950043"/>
+            <a:ext cx="1088390" cy="479777"/>
+          </a:xfrm>
+          <a:prstGeom prst="rect">
+            <a:avLst/>
+          </a:prstGeom>
+          <a:ln>
+            <a:solidFill>
+              <a:schemeClr val="tx1"/>
+            </a:solidFill>
+          </a:ln>
+        </p:spPr>
+        <p:style>
+          <a:lnRef idx="2">
+            <a:schemeClr val="dk1"/>
+          </a:lnRef>
+          <a:fillRef idx="1">
+            <a:schemeClr val="lt1"/>
+          </a:fillRef>
+          <a:effectRef idx="0">
+            <a:schemeClr val="dk1"/>
+          </a:effectRef>
+          <a:fontRef idx="minor">
+            <a:schemeClr val="dk1"/>
+          </a:fontRef>
+        </p:style>
+        <p:txBody>
+          <a:bodyPr rot="0" spcFirstLastPara="0" vert="horz" wrap="square" lIns="91440" tIns="0" rIns="91440" bIns="0" numCol="1" spcCol="0" rtlCol="0" fromWordArt="0" anchor="ctr" anchorCtr="0" forceAA="0" compatLnSpc="1">
+            <a:prstTxWarp prst="textNoShape">
+              <a:avLst/>
+            </a:prstTxWarp>
+            <a:noAutofit/>
+          </a:bodyPr>
+          <a:lstStyle/>
+          <a:p>
+            <a:pPr algn="ctr">
+              <a:lnSpc>
+                <a:spcPts val="1200"/>
+              </a:lnSpc>
+            </a:pPr>
+            <a:r>
+              <a:rPr lang="en-US" sz="1000" kern="100" dirty="0" smtClean="0">
+                <a:effectLst/>
+                <a:ea typeface="新細明體" panose="02020500000000000000" pitchFamily="18" charset="-120"/>
+                <a:cs typeface="Times New Roman" panose="02020603050405020304" pitchFamily="18" charset="0"/>
+              </a:rPr>
+              <a:t> set </a:t>
+            </a:r>
+            <a:r>
+              <a:rPr lang="en-US" altLang="zh-TW" sz="1000" kern="100" dirty="0" err="1">
+                <a:cs typeface="Times New Roman" panose="02020603050405020304" pitchFamily="18" charset="0"/>
+              </a:rPr>
+              <a:t>skipConfigSec</a:t>
+            </a:r>
+            <a:endParaRPr lang="zh-TW" altLang="zh-TW" sz="1000" kern="100" dirty="0">
+              <a:cs typeface="Times New Roman" panose="02020603050405020304" pitchFamily="18" charset="0"/>
+            </a:endParaRPr>
+          </a:p>
+          <a:p>
+            <a:pPr algn="ctr">
+              <a:lnSpc>
+                <a:spcPts val="1200"/>
+              </a:lnSpc>
+              <a:spcAft>
+                <a:spcPts val="0"/>
+              </a:spcAft>
+            </a:pPr>
+            <a:r>
+              <a:rPr lang="en-US" sz="1000" kern="100" dirty="0" smtClean="0">
+                <a:effectLst/>
+                <a:ea typeface="新細明體" panose="02020500000000000000" pitchFamily="18" charset="-120"/>
+                <a:cs typeface="Times New Roman" panose="02020603050405020304" pitchFamily="18" charset="0"/>
+              </a:rPr>
+              <a:t>to False</a:t>
+            </a:r>
+            <a:endParaRPr lang="zh-TW" sz="1200" kern="100" dirty="0">
+              <a:effectLst/>
+              <a:ea typeface="新細明體" panose="02020500000000000000" pitchFamily="18" charset="-120"/>
+              <a:cs typeface="Times New Roman" panose="02020603050405020304" pitchFamily="18" charset="0"/>
+            </a:endParaRPr>
+          </a:p>
+        </p:txBody>
+      </p:sp>
+      <p:cxnSp>
+        <p:nvCxnSpPr>
+          <p:cNvPr id="19" name="直線單箭頭接點 18"/>
+          <p:cNvCxnSpPr>
+            <a:stCxn id="45" idx="3"/>
+            <a:endCxn id="49" idx="1"/>
+          </p:cNvCxnSpPr>
+          <p:nvPr/>
+        </p:nvCxnSpPr>
+        <p:spPr>
+          <a:xfrm>
+            <a:off x="5343365" y="1189932"/>
+            <a:ext cx="196055" cy="0"/>
+          </a:xfrm>
+          <a:prstGeom prst="straightConnector1">
+            <a:avLst/>
+          </a:prstGeom>
+          <a:ln>
+            <a:tailEnd type="triangle"/>
+          </a:ln>
+        </p:spPr>
+        <p:style>
+          <a:lnRef idx="1">
+            <a:schemeClr val="dk1"/>
+          </a:lnRef>
+          <a:fillRef idx="0">
+            <a:schemeClr val="dk1"/>
+          </a:fillRef>
+          <a:effectRef idx="0">
+            <a:schemeClr val="dk1"/>
+          </a:effectRef>
+          <a:fontRef idx="minor">
+            <a:schemeClr val="tx1"/>
+          </a:fontRef>
+        </p:style>
+      </p:cxnSp>
+      <p:cxnSp>
+        <p:nvCxnSpPr>
+          <p:cNvPr id="37" name="肘形接點 36"/>
+          <p:cNvCxnSpPr>
+            <a:stCxn id="49" idx="3"/>
+            <a:endCxn id="4" idx="3"/>
+          </p:cNvCxnSpPr>
+          <p:nvPr/>
+        </p:nvCxnSpPr>
+        <p:spPr>
+          <a:xfrm flipH="1" flipV="1">
+            <a:off x="4211638" y="513445"/>
+            <a:ext cx="2416172" cy="676487"/>
+          </a:xfrm>
+          <a:prstGeom prst="bentConnector3">
+            <a:avLst>
+              <a:gd name="adj1" fmla="val -9461"/>
+            </a:avLst>
+          </a:prstGeom>
+          <a:ln>
+            <a:tailEnd type="triangle"/>
+          </a:ln>
+        </p:spPr>
+        <p:style>
+          <a:lnRef idx="1">
+            <a:schemeClr val="dk1"/>
+          </a:lnRef>
+          <a:fillRef idx="0">
+            <a:schemeClr val="dk1"/>
+          </a:fillRef>
+          <a:effectRef idx="0">
+            <a:schemeClr val="dk1"/>
+          </a:effectRef>
+          <a:fontRef idx="minor">
+            <a:schemeClr val="tx1"/>
+          </a:fontRef>
+        </p:style>
+      </p:cxnSp>
+      <p:cxnSp>
+        <p:nvCxnSpPr>
+          <p:cNvPr id="42" name="肘形接點 41"/>
+          <p:cNvCxnSpPr>
+            <a:stCxn id="45" idx="2"/>
+          </p:cNvCxnSpPr>
+          <p:nvPr/>
+        </p:nvCxnSpPr>
+        <p:spPr>
+          <a:xfrm rot="5400000" flipH="1" flipV="1">
+            <a:off x="5738079" y="338016"/>
+            <a:ext cx="273085" cy="1976915"/>
+          </a:xfrm>
+          <a:prstGeom prst="bentConnector4">
+            <a:avLst>
+              <a:gd name="adj1" fmla="val -83710"/>
+              <a:gd name="adj2" fmla="val 99891"/>
+            </a:avLst>
+          </a:prstGeom>
+          <a:ln>
+            <a:tailEnd type="triangle"/>
+          </a:ln>
+        </p:spPr>
+        <p:style>
+          <a:lnRef idx="1">
+            <a:schemeClr val="dk1"/>
+          </a:lnRef>
+          <a:fillRef idx="0">
+            <a:schemeClr val="dk1"/>
+          </a:fillRef>
+          <a:effectRef idx="0">
+            <a:schemeClr val="dk1"/>
+          </a:effectRef>
+          <a:fontRef idx="minor">
+            <a:schemeClr val="tx1"/>
+          </a:fontRef>
+        </p:style>
+      </p:cxnSp>
+      <p:sp>
+        <p:nvSpPr>
+          <p:cNvPr id="67" name="文字方塊 66"/>
+          <p:cNvSpPr txBox="1"/>
+          <p:nvPr/>
+        </p:nvSpPr>
+        <p:spPr>
+          <a:xfrm>
+            <a:off x="4174557" y="947260"/>
+            <a:ext cx="220978" cy="246221"/>
+          </a:xfrm>
+          <a:prstGeom prst="rect">
+            <a:avLst/>
+          </a:prstGeom>
+          <a:noFill/>
+        </p:spPr>
+        <p:txBody>
+          <a:bodyPr wrap="square" rtlCol="0">
+            <a:spAutoFit/>
+          </a:bodyPr>
+          <a:lstStyle/>
+          <a:p>
+            <a:r>
+              <a:rPr lang="en-US" altLang="zh-TW" sz="1000" dirty="0" smtClean="0"/>
+              <a:t>Y</a:t>
+            </a:r>
+            <a:endParaRPr lang="zh-TW" altLang="en-US" sz="1000" dirty="0"/>
+          </a:p>
+        </p:txBody>
+      </p:sp>
+      <p:sp>
+        <p:nvSpPr>
+          <p:cNvPr id="68" name="文字方塊 67"/>
+          <p:cNvSpPr txBox="1"/>
+          <p:nvPr/>
+        </p:nvSpPr>
+        <p:spPr>
+          <a:xfrm>
+            <a:off x="5307822" y="894227"/>
+            <a:ext cx="220978" cy="246221"/>
+          </a:xfrm>
+          <a:prstGeom prst="rect">
+            <a:avLst/>
+          </a:prstGeom>
+          <a:noFill/>
+        </p:spPr>
+        <p:txBody>
+          <a:bodyPr wrap="square" rtlCol="0">
+            <a:spAutoFit/>
+          </a:bodyPr>
+          <a:lstStyle/>
+          <a:p>
+            <a:r>
+              <a:rPr lang="en-US" altLang="zh-TW" sz="1000" dirty="0" smtClean="0"/>
+              <a:t>Y</a:t>
+            </a:r>
+            <a:endParaRPr lang="zh-TW" altLang="en-US" sz="1000" dirty="0"/>
+          </a:p>
+        </p:txBody>
+      </p:sp>
+      <p:sp>
+        <p:nvSpPr>
+          <p:cNvPr id="70" name="文字方塊 69"/>
+          <p:cNvSpPr txBox="1"/>
+          <p:nvPr/>
+        </p:nvSpPr>
+        <p:spPr>
+          <a:xfrm>
+            <a:off x="4882278" y="1443251"/>
+            <a:ext cx="220978" cy="246221"/>
+          </a:xfrm>
+          <a:prstGeom prst="rect">
+            <a:avLst/>
+          </a:prstGeom>
+          <a:noFill/>
+        </p:spPr>
+        <p:txBody>
+          <a:bodyPr wrap="square" rtlCol="0">
+            <a:spAutoFit/>
+          </a:bodyPr>
+          <a:lstStyle/>
+          <a:p>
+            <a:r>
+              <a:rPr lang="en-US" altLang="zh-TW" sz="1000" dirty="0" smtClean="0"/>
+              <a:t>N</a:t>
+            </a:r>
+            <a:endParaRPr lang="zh-TW" altLang="en-US" sz="1000" dirty="0"/>
+          </a:p>
+        </p:txBody>
+      </p:sp>
+      <p:cxnSp>
+        <p:nvCxnSpPr>
+          <p:cNvPr id="55" name="直線單箭頭接點 54"/>
+          <p:cNvCxnSpPr>
+            <a:stCxn id="106" idx="2"/>
+            <a:endCxn id="46" idx="0"/>
+          </p:cNvCxnSpPr>
+          <p:nvPr/>
+        </p:nvCxnSpPr>
+        <p:spPr>
+          <a:xfrm flipH="1">
+            <a:off x="3770986" y="1463016"/>
+            <a:ext cx="4724" cy="201920"/>
+          </a:xfrm>
+          <a:prstGeom prst="straightConnector1">
+            <a:avLst/>
+          </a:prstGeom>
+          <a:ln>
+            <a:tailEnd type="triangle"/>
+          </a:ln>
+        </p:spPr>
+        <p:style>
+          <a:lnRef idx="1">
+            <a:schemeClr val="dk1"/>
+          </a:lnRef>
+          <a:fillRef idx="0">
+            <a:schemeClr val="dk1"/>
+          </a:fillRef>
+          <a:effectRef idx="0">
+            <a:schemeClr val="dk1"/>
+          </a:effectRef>
+          <a:fontRef idx="minor">
+            <a:schemeClr val="tx1"/>
+          </a:fontRef>
+        </p:style>
+      </p:cxnSp>
+      <p:cxnSp>
+        <p:nvCxnSpPr>
+          <p:cNvPr id="76" name="肘形接點 75"/>
+          <p:cNvCxnSpPr>
+            <a:stCxn id="9" idx="3"/>
+          </p:cNvCxnSpPr>
+          <p:nvPr/>
+        </p:nvCxnSpPr>
+        <p:spPr>
+          <a:xfrm flipV="1">
+            <a:off x="4488498" y="1689472"/>
+            <a:ext cx="2374581" cy="1072470"/>
+          </a:xfrm>
+          <a:prstGeom prst="bentConnector3">
+            <a:avLst>
+              <a:gd name="adj1" fmla="val 100060"/>
+            </a:avLst>
+          </a:prstGeom>
+          <a:ln>
+            <a:tailEnd type="triangle"/>
+          </a:ln>
+        </p:spPr>
+        <p:style>
+          <a:lnRef idx="1">
+            <a:schemeClr val="dk1"/>
+          </a:lnRef>
+          <a:fillRef idx="0">
+            <a:schemeClr val="dk1"/>
+          </a:fillRef>
+          <a:effectRef idx="0">
+            <a:schemeClr val="dk1"/>
+          </a:effectRef>
+          <a:fontRef idx="minor">
+            <a:schemeClr val="tx1"/>
+          </a:fontRef>
+        </p:style>
+      </p:cxnSp>
+      <p:sp>
+        <p:nvSpPr>
+          <p:cNvPr id="86" name="文字方塊 85"/>
+          <p:cNvSpPr txBox="1"/>
+          <p:nvPr/>
+        </p:nvSpPr>
+        <p:spPr>
+          <a:xfrm>
+            <a:off x="4462502" y="3539557"/>
+            <a:ext cx="220978" cy="246221"/>
+          </a:xfrm>
+          <a:prstGeom prst="rect">
+            <a:avLst/>
+          </a:prstGeom>
+          <a:noFill/>
+        </p:spPr>
+        <p:txBody>
+          <a:bodyPr wrap="square" rtlCol="0">
+            <a:spAutoFit/>
+          </a:bodyPr>
+          <a:lstStyle/>
+          <a:p>
+            <a:r>
+              <a:rPr lang="en-US" altLang="zh-TW" sz="1000" dirty="0" smtClean="0"/>
+              <a:t>N</a:t>
+            </a:r>
+            <a:endParaRPr lang="zh-TW" altLang="en-US" sz="1000" dirty="0"/>
+          </a:p>
+        </p:txBody>
+      </p:sp>
+      <p:cxnSp>
+        <p:nvCxnSpPr>
+          <p:cNvPr id="84" name="肘形接點 83"/>
+          <p:cNvCxnSpPr>
+            <a:stCxn id="26" idx="3"/>
+          </p:cNvCxnSpPr>
+          <p:nvPr/>
+        </p:nvCxnSpPr>
+        <p:spPr>
+          <a:xfrm flipV="1">
+            <a:off x="5916216" y="2761941"/>
+            <a:ext cx="946863" cy="1029417"/>
+          </a:xfrm>
+          <a:prstGeom prst="bentConnector2">
+            <a:avLst/>
+          </a:prstGeom>
+          <a:ln>
+            <a:tailEnd type="triangle"/>
+          </a:ln>
+        </p:spPr>
+        <p:style>
+          <a:lnRef idx="1">
+            <a:schemeClr val="dk1"/>
+          </a:lnRef>
+          <a:fillRef idx="0">
+            <a:schemeClr val="dk1"/>
+          </a:fillRef>
+          <a:effectRef idx="0">
+            <a:schemeClr val="dk1"/>
+          </a:effectRef>
+          <a:fontRef idx="minor">
+            <a:schemeClr val="tx1"/>
+          </a:fontRef>
+        </p:style>
+      </p:cxnSp>
+      <p:sp>
+        <p:nvSpPr>
+          <p:cNvPr id="89" name="矩形 88"/>
+          <p:cNvSpPr/>
+          <p:nvPr/>
+        </p:nvSpPr>
+        <p:spPr>
+          <a:xfrm>
+            <a:off x="3225053" y="4455832"/>
+            <a:ext cx="1088390" cy="491317"/>
+          </a:xfrm>
+          <a:prstGeom prst="rect">
+            <a:avLst/>
+          </a:prstGeom>
+          <a:ln>
+            <a:solidFill>
+              <a:schemeClr val="tx1"/>
+            </a:solidFill>
+          </a:ln>
+        </p:spPr>
+        <p:style>
+          <a:lnRef idx="2">
+            <a:schemeClr val="dk1"/>
+          </a:lnRef>
+          <a:fillRef idx="1">
+            <a:schemeClr val="lt1"/>
+          </a:fillRef>
+          <a:effectRef idx="0">
+            <a:schemeClr val="dk1"/>
+          </a:effectRef>
+          <a:fontRef idx="minor">
+            <a:schemeClr val="dk1"/>
+          </a:fontRef>
+        </p:style>
+        <p:txBody>
+          <a:bodyPr rot="0" spcFirstLastPara="0" vert="horz" wrap="square" lIns="91440" tIns="0" rIns="91440" bIns="0" numCol="1" spcCol="0" rtlCol="0" fromWordArt="0" anchor="ctr" anchorCtr="0" forceAA="0" compatLnSpc="1">
+            <a:prstTxWarp prst="textNoShape">
+              <a:avLst/>
+            </a:prstTxWarp>
+            <a:noAutofit/>
+          </a:bodyPr>
+          <a:lstStyle/>
+          <a:p>
+            <a:pPr algn="ctr">
+              <a:lnSpc>
+                <a:spcPts val="1200"/>
+              </a:lnSpc>
+            </a:pPr>
+            <a:r>
+              <a:rPr lang="en-US" sz="1000" kern="100" dirty="0" smtClean="0">
+                <a:effectLst/>
+                <a:ea typeface="新細明體" panose="02020500000000000000" pitchFamily="18" charset="-120"/>
+                <a:cs typeface="Times New Roman" panose="02020603050405020304" pitchFamily="18" charset="0"/>
+              </a:rPr>
+              <a:t> set </a:t>
+            </a:r>
+            <a:r>
+              <a:rPr lang="en-US" altLang="zh-TW" sz="1000" kern="100" dirty="0" err="1">
+                <a:cs typeface="Times New Roman" panose="02020603050405020304" pitchFamily="18" charset="0"/>
+              </a:rPr>
+              <a:t>enterConfigSec</a:t>
+            </a:r>
+            <a:endParaRPr lang="zh-TW" altLang="zh-TW" sz="1000" kern="100" dirty="0">
+              <a:cs typeface="Times New Roman" panose="02020603050405020304" pitchFamily="18" charset="0"/>
+            </a:endParaRPr>
+          </a:p>
+          <a:p>
+            <a:pPr algn="ctr">
+              <a:lnSpc>
+                <a:spcPts val="1200"/>
+              </a:lnSpc>
+              <a:spcAft>
+                <a:spcPts val="0"/>
+              </a:spcAft>
+            </a:pPr>
+            <a:r>
+              <a:rPr lang="en-US" sz="1000" kern="100" dirty="0" smtClean="0">
+                <a:effectLst/>
+                <a:ea typeface="新細明體" panose="02020500000000000000" pitchFamily="18" charset="-120"/>
+                <a:cs typeface="Times New Roman" panose="02020603050405020304" pitchFamily="18" charset="0"/>
+              </a:rPr>
+              <a:t>to True</a:t>
+            </a:r>
+            <a:endParaRPr lang="zh-TW" sz="1200" kern="100" dirty="0">
+              <a:effectLst/>
+              <a:ea typeface="新細明體" panose="02020500000000000000" pitchFamily="18" charset="-120"/>
+              <a:cs typeface="Times New Roman" panose="02020603050405020304" pitchFamily="18" charset="0"/>
+            </a:endParaRPr>
+          </a:p>
+        </p:txBody>
+      </p:sp>
+      <p:cxnSp>
+        <p:nvCxnSpPr>
+          <p:cNvPr id="87" name="直線單箭頭接點 86"/>
+          <p:cNvCxnSpPr>
+            <a:stCxn id="21" idx="2"/>
+            <a:endCxn id="89" idx="0"/>
+          </p:cNvCxnSpPr>
+          <p:nvPr/>
+        </p:nvCxnSpPr>
+        <p:spPr>
+          <a:xfrm flipH="1">
+            <a:off x="3769248" y="4304529"/>
+            <a:ext cx="1738" cy="151303"/>
+          </a:xfrm>
+          <a:prstGeom prst="straightConnector1">
+            <a:avLst/>
+          </a:prstGeom>
+          <a:ln>
+            <a:tailEnd type="triangle"/>
+          </a:ln>
+        </p:spPr>
+        <p:style>
+          <a:lnRef idx="1">
+            <a:schemeClr val="dk1"/>
+          </a:lnRef>
+          <a:fillRef idx="0">
+            <a:schemeClr val="dk1"/>
+          </a:fillRef>
+          <a:effectRef idx="0">
+            <a:schemeClr val="dk1"/>
+          </a:effectRef>
+          <a:fontRef idx="minor">
+            <a:schemeClr val="tx1"/>
+          </a:fontRef>
+        </p:style>
+      </p:cxnSp>
+      <p:sp>
+        <p:nvSpPr>
+          <p:cNvPr id="94" name="文字方塊 93"/>
+          <p:cNvSpPr txBox="1"/>
+          <p:nvPr/>
+        </p:nvSpPr>
+        <p:spPr>
+          <a:xfrm>
+            <a:off x="3800647" y="4212654"/>
+            <a:ext cx="220978" cy="246221"/>
+          </a:xfrm>
+          <a:prstGeom prst="rect">
+            <a:avLst/>
+          </a:prstGeom>
+          <a:noFill/>
+        </p:spPr>
+        <p:txBody>
+          <a:bodyPr wrap="square" rtlCol="0">
+            <a:spAutoFit/>
+          </a:bodyPr>
+          <a:lstStyle/>
+          <a:p>
+            <a:r>
+              <a:rPr lang="en-US" altLang="zh-TW" sz="1000" dirty="0" smtClean="0"/>
+              <a:t>Y</a:t>
+            </a:r>
+            <a:endParaRPr lang="zh-TW" altLang="en-US" sz="1000" dirty="0"/>
+          </a:p>
+        </p:txBody>
+      </p:sp>
+      <p:cxnSp>
+        <p:nvCxnSpPr>
+          <p:cNvPr id="92" name="直線單箭頭接點 91"/>
+          <p:cNvCxnSpPr>
+            <a:stCxn id="89" idx="2"/>
+          </p:cNvCxnSpPr>
+          <p:nvPr/>
+        </p:nvCxnSpPr>
+        <p:spPr>
+          <a:xfrm>
+            <a:off x="3769248" y="4947149"/>
+            <a:ext cx="0" cy="167973"/>
+          </a:xfrm>
+          <a:prstGeom prst="straightConnector1">
+            <a:avLst/>
+          </a:prstGeom>
+          <a:ln>
+            <a:tailEnd type="triangle"/>
+          </a:ln>
+        </p:spPr>
+        <p:style>
+          <a:lnRef idx="1">
+            <a:schemeClr val="dk1"/>
+          </a:lnRef>
+          <a:fillRef idx="0">
+            <a:schemeClr val="dk1"/>
+          </a:fillRef>
+          <a:effectRef idx="0">
+            <a:schemeClr val="dk1"/>
+          </a:effectRef>
+          <a:fontRef idx="minor">
+            <a:schemeClr val="tx1"/>
+          </a:fontRef>
+        </p:style>
+      </p:cxnSp>
+      <p:sp>
+        <p:nvSpPr>
+          <p:cNvPr id="99" name="流程圖: 決策 98"/>
+          <p:cNvSpPr/>
+          <p:nvPr/>
+        </p:nvSpPr>
+        <p:spPr>
+          <a:xfrm>
+            <a:off x="1847457" y="4102608"/>
+            <a:ext cx="914400" cy="546168"/>
+          </a:xfrm>
+          <a:prstGeom prst="flowChartDecision">
+            <a:avLst/>
+          </a:prstGeom>
+          <a:ln>
+            <a:solidFill>
+              <a:schemeClr val="tx1"/>
+            </a:solidFill>
+          </a:ln>
+        </p:spPr>
+        <p:style>
+          <a:lnRef idx="2">
+            <a:schemeClr val="dk1"/>
+          </a:lnRef>
+          <a:fillRef idx="1">
+            <a:schemeClr val="lt1"/>
+          </a:fillRef>
+          <a:effectRef idx="0">
+            <a:schemeClr val="dk1"/>
+          </a:effectRef>
+          <a:fontRef idx="minor">
+            <a:schemeClr val="dk1"/>
+          </a:fontRef>
+        </p:style>
+        <p:txBody>
+          <a:bodyPr rot="0" spcFirstLastPara="0" vert="horz" wrap="square" lIns="0" tIns="0" rIns="0" bIns="0" numCol="1" spcCol="0" rtlCol="0" fromWordArt="0" anchor="ctr" anchorCtr="0" forceAA="0" compatLnSpc="1">
+            <a:prstTxWarp prst="textNoShape">
+              <a:avLst/>
+            </a:prstTxWarp>
+            <a:noAutofit/>
+          </a:bodyPr>
+          <a:lstStyle/>
+          <a:p>
+            <a:pPr algn="ctr">
+              <a:lnSpc>
+                <a:spcPts val="1200"/>
+              </a:lnSpc>
+              <a:spcAft>
+                <a:spcPts val="0"/>
+              </a:spcAft>
+            </a:pPr>
+            <a:r>
+              <a:rPr lang="en-US" altLang="zh-TW" sz="800" kern="100" dirty="0" smtClean="0">
+                <a:ea typeface="新細明體" panose="02020500000000000000" pitchFamily="18" charset="-120"/>
+                <a:cs typeface="Times New Roman" panose="02020603050405020304" pitchFamily="18" charset="0"/>
+              </a:rPr>
+              <a:t>Is most top  level?</a:t>
+            </a:r>
+            <a:endParaRPr lang="zh-TW" sz="800" kern="100" dirty="0">
+              <a:effectLst/>
+              <a:ea typeface="新細明體" panose="02020500000000000000" pitchFamily="18" charset="-120"/>
+              <a:cs typeface="Times New Roman" panose="02020603050405020304" pitchFamily="18" charset="0"/>
+            </a:endParaRPr>
+          </a:p>
+        </p:txBody>
+      </p:sp>
+      <p:cxnSp>
+        <p:nvCxnSpPr>
+          <p:cNvPr id="100" name="直線單箭頭接點 99"/>
+          <p:cNvCxnSpPr>
+            <a:stCxn id="71" idx="2"/>
+            <a:endCxn id="99" idx="0"/>
+          </p:cNvCxnSpPr>
+          <p:nvPr/>
+        </p:nvCxnSpPr>
+        <p:spPr>
+          <a:xfrm>
+            <a:off x="2304657" y="3866635"/>
+            <a:ext cx="0" cy="235973"/>
+          </a:xfrm>
+          <a:prstGeom prst="straightConnector1">
+            <a:avLst/>
+          </a:prstGeom>
+          <a:ln>
+            <a:tailEnd type="triangle"/>
+          </a:ln>
+        </p:spPr>
+        <p:style>
+          <a:lnRef idx="1">
+            <a:schemeClr val="dk1"/>
+          </a:lnRef>
+          <a:fillRef idx="0">
+            <a:schemeClr val="dk1"/>
+          </a:fillRef>
+          <a:effectRef idx="0">
+            <a:schemeClr val="dk1"/>
+          </a:effectRef>
+          <a:fontRef idx="minor">
+            <a:schemeClr val="tx1"/>
+          </a:fontRef>
+        </p:style>
+      </p:cxnSp>
+      <p:sp>
+        <p:nvSpPr>
+          <p:cNvPr id="105" name="矩形 104"/>
+          <p:cNvSpPr/>
+          <p:nvPr/>
+        </p:nvSpPr>
+        <p:spPr>
+          <a:xfrm>
+            <a:off x="1760462" y="4889002"/>
+            <a:ext cx="1088390" cy="323078"/>
+          </a:xfrm>
+          <a:prstGeom prst="rect">
+            <a:avLst/>
+          </a:prstGeom>
+          <a:ln>
+            <a:solidFill>
+              <a:schemeClr val="tx1"/>
+            </a:solidFill>
+          </a:ln>
+        </p:spPr>
+        <p:style>
+          <a:lnRef idx="2">
+            <a:schemeClr val="dk1"/>
+          </a:lnRef>
+          <a:fillRef idx="1">
+            <a:schemeClr val="lt1"/>
+          </a:fillRef>
+          <a:effectRef idx="0">
+            <a:schemeClr val="dk1"/>
+          </a:effectRef>
+          <a:fontRef idx="minor">
+            <a:schemeClr val="dk1"/>
+          </a:fontRef>
+        </p:style>
+        <p:txBody>
+          <a:bodyPr rot="0" spcFirstLastPara="0" vert="horz" wrap="square" lIns="91440" tIns="0" rIns="91440" bIns="0" numCol="1" spcCol="0" rtlCol="0" fromWordArt="0" anchor="ctr" anchorCtr="0" forceAA="0" compatLnSpc="1">
+            <a:prstTxWarp prst="textNoShape">
+              <a:avLst/>
+            </a:prstTxWarp>
+            <a:noAutofit/>
+          </a:bodyPr>
+          <a:lstStyle/>
+          <a:p>
+            <a:pPr>
+              <a:lnSpc>
+                <a:spcPts val="800"/>
+              </a:lnSpc>
+              <a:spcAft>
+                <a:spcPts val="0"/>
+              </a:spcAft>
+            </a:pPr>
+            <a:r>
+              <a:rPr lang="en-US" altLang="zh-TW" sz="800" kern="100" dirty="0" smtClean="0">
+                <a:ea typeface="新細明體" panose="02020500000000000000" pitchFamily="18" charset="-120"/>
+                <a:cs typeface="Times New Roman" panose="02020603050405020304" pitchFamily="18" charset="0"/>
+              </a:rPr>
+              <a:t>Go to root</a:t>
+            </a:r>
+          </a:p>
+        </p:txBody>
+      </p:sp>
+      <p:cxnSp>
+        <p:nvCxnSpPr>
+          <p:cNvPr id="102" name="直線單箭頭接點 101"/>
+          <p:cNvCxnSpPr>
+            <a:stCxn id="99" idx="2"/>
+            <a:endCxn id="105" idx="0"/>
+          </p:cNvCxnSpPr>
+          <p:nvPr/>
+        </p:nvCxnSpPr>
+        <p:spPr>
+          <a:xfrm>
+            <a:off x="2304657" y="4648776"/>
+            <a:ext cx="0" cy="240226"/>
+          </a:xfrm>
+          <a:prstGeom prst="straightConnector1">
+            <a:avLst/>
+          </a:prstGeom>
+          <a:ln>
+            <a:tailEnd type="triangle"/>
+          </a:ln>
+        </p:spPr>
+        <p:style>
+          <a:lnRef idx="1">
+            <a:schemeClr val="dk1"/>
+          </a:lnRef>
+          <a:fillRef idx="0">
+            <a:schemeClr val="dk1"/>
+          </a:fillRef>
+          <a:effectRef idx="0">
+            <a:schemeClr val="dk1"/>
+          </a:effectRef>
+          <a:fontRef idx="minor">
+            <a:schemeClr val="tx1"/>
+          </a:fontRef>
+        </p:style>
+      </p:cxnSp>
+      <p:sp>
+        <p:nvSpPr>
+          <p:cNvPr id="108" name="文字方塊 107"/>
+          <p:cNvSpPr txBox="1"/>
+          <p:nvPr/>
+        </p:nvSpPr>
+        <p:spPr>
+          <a:xfrm>
+            <a:off x="2246184" y="4620643"/>
+            <a:ext cx="220978" cy="246221"/>
+          </a:xfrm>
+          <a:prstGeom prst="rect">
+            <a:avLst/>
+          </a:prstGeom>
+          <a:noFill/>
+        </p:spPr>
+        <p:txBody>
+          <a:bodyPr wrap="square" rtlCol="0">
+            <a:spAutoFit/>
+          </a:bodyPr>
+          <a:lstStyle/>
+          <a:p>
+            <a:r>
+              <a:rPr lang="en-US" altLang="zh-TW" sz="1000" dirty="0" smtClean="0"/>
+              <a:t>Y</a:t>
+            </a:r>
+            <a:endParaRPr lang="zh-TW" altLang="en-US" sz="1000" dirty="0"/>
+          </a:p>
+        </p:txBody>
+      </p:sp>
+      <p:sp>
+        <p:nvSpPr>
+          <p:cNvPr id="57" name="文字方塊 56"/>
+          <p:cNvSpPr txBox="1"/>
+          <p:nvPr/>
+        </p:nvSpPr>
+        <p:spPr>
+          <a:xfrm>
+            <a:off x="3758351" y="1417843"/>
+            <a:ext cx="220978" cy="246221"/>
+          </a:xfrm>
+          <a:prstGeom prst="rect">
+            <a:avLst/>
+          </a:prstGeom>
+          <a:noFill/>
+        </p:spPr>
+        <p:txBody>
+          <a:bodyPr wrap="square" rtlCol="0">
+            <a:spAutoFit/>
+          </a:bodyPr>
+          <a:lstStyle/>
+          <a:p>
+            <a:r>
+              <a:rPr lang="en-US" altLang="zh-TW" sz="1000" dirty="0" smtClean="0"/>
+              <a:t>N</a:t>
+            </a:r>
+            <a:endParaRPr lang="zh-TW" altLang="en-US" sz="1000" dirty="0"/>
+          </a:p>
+        </p:txBody>
+      </p:sp>
+    </p:spTree>
+    <p:extLst>
+      <p:ext uri="{BB962C8B-B14F-4D97-AF65-F5344CB8AC3E}">
+        <p14:creationId xmlns:p14="http://schemas.microsoft.com/office/powerpoint/2010/main" val="1718724587"/>
       </p:ext>
     </p:extLst>
   </p:cSld>

--- a/GCB_parser/doc/實作文件.pptx
+++ b/GCB_parser/doc/實作文件.pptx
@@ -9,6 +9,7 @@
     <p:sldId id="256" r:id="rId3"/>
     <p:sldId id="258" r:id="rId4"/>
     <p:sldId id="262" r:id="rId5"/>
+    <p:sldId id="263" r:id="rId6"/>
   </p:sldIdLst>
   <p:sldSz cx="12192000" cy="6858000"/>
   <p:notesSz cx="6858000" cy="9144000"/>
@@ -246,7 +247,7 @@
           <a:p>
             <a:fld id="{D36D3C6B-B939-4B91-BEC9-CDCFDB0F8485}" type="datetimeFigureOut">
               <a:rPr lang="zh-TW" altLang="en-US" smtClean="0"/>
-              <a:t>2020/1/3</a:t>
+              <a:t>2020/1/9</a:t>
             </a:fld>
             <a:endParaRPr lang="zh-TW" altLang="en-US"/>
           </a:p>
@@ -416,7 +417,7 @@
           <a:p>
             <a:fld id="{D36D3C6B-B939-4B91-BEC9-CDCFDB0F8485}" type="datetimeFigureOut">
               <a:rPr lang="zh-TW" altLang="en-US" smtClean="0"/>
-              <a:t>2020/1/3</a:t>
+              <a:t>2020/1/9</a:t>
             </a:fld>
             <a:endParaRPr lang="zh-TW" altLang="en-US"/>
           </a:p>
@@ -596,7 +597,7 @@
           <a:p>
             <a:fld id="{D36D3C6B-B939-4B91-BEC9-CDCFDB0F8485}" type="datetimeFigureOut">
               <a:rPr lang="zh-TW" altLang="en-US" smtClean="0"/>
-              <a:t>2020/1/3</a:t>
+              <a:t>2020/1/9</a:t>
             </a:fld>
             <a:endParaRPr lang="zh-TW" altLang="en-US"/>
           </a:p>
@@ -766,7 +767,7 @@
           <a:p>
             <a:fld id="{D36D3C6B-B939-4B91-BEC9-CDCFDB0F8485}" type="datetimeFigureOut">
               <a:rPr lang="zh-TW" altLang="en-US" smtClean="0"/>
-              <a:t>2020/1/3</a:t>
+              <a:t>2020/1/9</a:t>
             </a:fld>
             <a:endParaRPr lang="zh-TW" altLang="en-US"/>
           </a:p>
@@ -1012,7 +1013,7 @@
           <a:p>
             <a:fld id="{D36D3C6B-B939-4B91-BEC9-CDCFDB0F8485}" type="datetimeFigureOut">
               <a:rPr lang="zh-TW" altLang="en-US" smtClean="0"/>
-              <a:t>2020/1/3</a:t>
+              <a:t>2020/1/9</a:t>
             </a:fld>
             <a:endParaRPr lang="zh-TW" altLang="en-US"/>
           </a:p>
@@ -1244,7 +1245,7 @@
           <a:p>
             <a:fld id="{D36D3C6B-B939-4B91-BEC9-CDCFDB0F8485}" type="datetimeFigureOut">
               <a:rPr lang="zh-TW" altLang="en-US" smtClean="0"/>
-              <a:t>2020/1/3</a:t>
+              <a:t>2020/1/9</a:t>
             </a:fld>
             <a:endParaRPr lang="zh-TW" altLang="en-US"/>
           </a:p>
@@ -1611,7 +1612,7 @@
           <a:p>
             <a:fld id="{D36D3C6B-B939-4B91-BEC9-CDCFDB0F8485}" type="datetimeFigureOut">
               <a:rPr lang="zh-TW" altLang="en-US" smtClean="0"/>
-              <a:t>2020/1/3</a:t>
+              <a:t>2020/1/9</a:t>
             </a:fld>
             <a:endParaRPr lang="zh-TW" altLang="en-US"/>
           </a:p>
@@ -1729,7 +1730,7 @@
           <a:p>
             <a:fld id="{D36D3C6B-B939-4B91-BEC9-CDCFDB0F8485}" type="datetimeFigureOut">
               <a:rPr lang="zh-TW" altLang="en-US" smtClean="0"/>
-              <a:t>2020/1/3</a:t>
+              <a:t>2020/1/9</a:t>
             </a:fld>
             <a:endParaRPr lang="zh-TW" altLang="en-US"/>
           </a:p>
@@ -1824,7 +1825,7 @@
           <a:p>
             <a:fld id="{D36D3C6B-B939-4B91-BEC9-CDCFDB0F8485}" type="datetimeFigureOut">
               <a:rPr lang="zh-TW" altLang="en-US" smtClean="0"/>
-              <a:t>2020/1/3</a:t>
+              <a:t>2020/1/9</a:t>
             </a:fld>
             <a:endParaRPr lang="zh-TW" altLang="en-US"/>
           </a:p>
@@ -2101,7 +2102,7 @@
           <a:p>
             <a:fld id="{D36D3C6B-B939-4B91-BEC9-CDCFDB0F8485}" type="datetimeFigureOut">
               <a:rPr lang="zh-TW" altLang="en-US" smtClean="0"/>
-              <a:t>2020/1/3</a:t>
+              <a:t>2020/1/9</a:t>
             </a:fld>
             <a:endParaRPr lang="zh-TW" altLang="en-US"/>
           </a:p>
@@ -2354,7 +2355,7 @@
           <a:p>
             <a:fld id="{D36D3C6B-B939-4B91-BEC9-CDCFDB0F8485}" type="datetimeFigureOut">
               <a:rPr lang="zh-TW" altLang="en-US" smtClean="0"/>
-              <a:t>2020/1/3</a:t>
+              <a:t>2020/1/9</a:t>
             </a:fld>
             <a:endParaRPr lang="zh-TW" altLang="en-US"/>
           </a:p>
@@ -2567,7 +2568,7 @@
           <a:p>
             <a:fld id="{D36D3C6B-B939-4B91-BEC9-CDCFDB0F8485}" type="datetimeFigureOut">
               <a:rPr lang="zh-TW" altLang="en-US" smtClean="0"/>
-              <a:t>2020/1/3</a:t>
+              <a:t>2020/1/9</a:t>
             </a:fld>
             <a:endParaRPr lang="zh-TW" altLang="en-US"/>
           </a:p>
@@ -10581,33 +10582,22 @@
                 <a:ea typeface="新細明體" panose="02020500000000000000" pitchFamily="18" charset="-120"/>
                 <a:cs typeface="Times New Roman" panose="02020603050405020304" pitchFamily="18" charset="0"/>
               </a:rPr>
-              <a:t>Shift up </a:t>
+              <a:t>Shift up parent by (</a:t>
+            </a:r>
+            <a:r>
+              <a:rPr lang="en-US" altLang="zh-TW" sz="1000" kern="100" dirty="0" err="1" smtClean="0">
+                <a:ea typeface="新細明體" panose="02020500000000000000" pitchFamily="18" charset="-120"/>
+                <a:cs typeface="Times New Roman" panose="02020603050405020304" pitchFamily="18" charset="0"/>
+              </a:rPr>
+              <a:t>preLvl-curLvl</a:t>
             </a:r>
             <a:r>
               <a:rPr lang="en-US" altLang="zh-TW" sz="1000" kern="100" dirty="0" smtClean="0">
                 <a:ea typeface="新細明體" panose="02020500000000000000" pitchFamily="18" charset="-120"/>
                 <a:cs typeface="Times New Roman" panose="02020603050405020304" pitchFamily="18" charset="0"/>
               </a:rPr>
-              <a:t>parent by (</a:t>
-            </a:r>
-            <a:r>
-              <a:rPr lang="en-US" altLang="zh-TW" sz="1000" kern="100" dirty="0" err="1" smtClean="0">
-                <a:ea typeface="新細明體" panose="02020500000000000000" pitchFamily="18" charset="-120"/>
-                <a:cs typeface="Times New Roman" panose="02020603050405020304" pitchFamily="18" charset="0"/>
-              </a:rPr>
-              <a:t>preLvl-curLvl</a:t>
-            </a:r>
-            <a:r>
-              <a:rPr lang="en-US" altLang="zh-TW" sz="1000" kern="100" dirty="0" smtClean="0">
-                <a:ea typeface="新細明體" panose="02020500000000000000" pitchFamily="18" charset="-120"/>
-                <a:cs typeface="Times New Roman" panose="02020603050405020304" pitchFamily="18" charset="0"/>
-              </a:rPr>
               <a:t>)</a:t>
             </a:r>
-            <a:endParaRPr lang="en-US" altLang="zh-TW" sz="1000" kern="100" dirty="0" smtClean="0">
-              <a:ea typeface="新細明體" panose="02020500000000000000" pitchFamily="18" charset="-120"/>
-              <a:cs typeface="Times New Roman" panose="02020603050405020304" pitchFamily="18" charset="0"/>
-            </a:endParaRPr>
           </a:p>
         </p:txBody>
       </p:sp>
@@ -12240,15 +12230,7 @@
                 <a:ea typeface="新細明體" panose="02020500000000000000" pitchFamily="18" charset="-120"/>
                 <a:cs typeface="Times New Roman" panose="02020603050405020304" pitchFamily="18" charset="0"/>
               </a:rPr>
-              <a:t>to </a:t>
-            </a:r>
-            <a:r>
-              <a:rPr lang="en-US" sz="900" kern="100" dirty="0" smtClean="0">
-                <a:effectLst/>
-                <a:ea typeface="新細明體" panose="02020500000000000000" pitchFamily="18" charset="-120"/>
-                <a:cs typeface="Times New Roman" panose="02020603050405020304" pitchFamily="18" charset="0"/>
-              </a:rPr>
-              <a:t>False</a:t>
+              <a:t>to False</a:t>
             </a:r>
           </a:p>
           <a:p>
@@ -12864,6 +12846,380 @@
     <p:extLst>
       <p:ext uri="{BB962C8B-B14F-4D97-AF65-F5344CB8AC3E}">
         <p14:creationId xmlns:p14="http://schemas.microsoft.com/office/powerpoint/2010/main" val="946243708"/>
+      </p:ext>
+    </p:extLst>
+  </p:cSld>
+  <p:clrMapOvr>
+    <a:masterClrMapping/>
+  </p:clrMapOvr>
+</p:sld>
+</file>
+
+<file path=ppt/slides/slide5.xml><?xml version="1.0" encoding="utf-8"?>
+<p:sld xmlns:a="http://schemas.openxmlformats.org/drawingml/2006/main" xmlns:r="http://schemas.openxmlformats.org/officeDocument/2006/relationships" xmlns:p="http://schemas.openxmlformats.org/presentationml/2006/main">
+  <p:cSld>
+    <p:spTree>
+      <p:nvGrpSpPr>
+        <p:cNvPr id="1" name=""/>
+        <p:cNvGrpSpPr/>
+        <p:nvPr/>
+      </p:nvGrpSpPr>
+      <p:grpSpPr>
+        <a:xfrm>
+          <a:off x="0" y="0"/>
+          <a:ext cx="0" cy="0"/>
+          <a:chOff x="0" y="0"/>
+          <a:chExt cx="0" cy="0"/>
+        </a:xfrm>
+      </p:grpSpPr>
+      <p:sp>
+        <p:nvSpPr>
+          <p:cNvPr id="4" name="矩形 3"/>
+          <p:cNvSpPr/>
+          <p:nvPr/>
+        </p:nvSpPr>
+        <p:spPr>
+          <a:xfrm>
+            <a:off x="856288" y="511073"/>
+            <a:ext cx="1474571" cy="369332"/>
+          </a:xfrm>
+          <a:prstGeom prst="rect">
+            <a:avLst/>
+          </a:prstGeom>
+        </p:spPr>
+        <p:txBody>
+          <a:bodyPr wrap="none">
+            <a:spAutoFit/>
+          </a:bodyPr>
+          <a:lstStyle/>
+          <a:p>
+            <a:r>
+              <a:rPr lang="en-US" altLang="zh-TW" dirty="0" err="1"/>
+              <a:t>recognizeGCB</a:t>
+            </a:r>
+            <a:endParaRPr lang="zh-TW" altLang="en-US" dirty="0"/>
+          </a:p>
+        </p:txBody>
+      </p:sp>
+      <p:sp>
+        <p:nvSpPr>
+          <p:cNvPr id="5" name="矩形 4"/>
+          <p:cNvSpPr/>
+          <p:nvPr/>
+        </p:nvSpPr>
+        <p:spPr>
+          <a:xfrm>
+            <a:off x="2043443" y="1912490"/>
+            <a:ext cx="2972289" cy="369332"/>
+          </a:xfrm>
+          <a:prstGeom prst="rect">
+            <a:avLst/>
+          </a:prstGeom>
+        </p:spPr>
+        <p:txBody>
+          <a:bodyPr wrap="none">
+            <a:spAutoFit/>
+          </a:bodyPr>
+          <a:lstStyle/>
+          <a:p>
+            <a:r>
+              <a:rPr lang="en-US" altLang="zh-TW" dirty="0" err="1" smtClean="0">
+                <a:solidFill>
+                  <a:srgbClr val="000000"/>
+                </a:solidFill>
+                <a:latin typeface="Consolas" panose="020B0609020204030204" pitchFamily="49" charset="0"/>
+              </a:rPr>
+              <a:t>confPattern</a:t>
+            </a:r>
+            <a:r>
+              <a:rPr lang="en-US" altLang="zh-TW" dirty="0" smtClean="0">
+                <a:solidFill>
+                  <a:srgbClr val="000000"/>
+                </a:solidFill>
+                <a:latin typeface="Consolas" panose="020B0609020204030204" pitchFamily="49" charset="0"/>
+              </a:rPr>
+              <a:t>=[c</a:t>
+            </a:r>
+            <a:r>
+              <a:rPr lang="en-US" altLang="zh-TW" baseline="-25000" dirty="0">
+                <a:solidFill>
+                  <a:srgbClr val="000000"/>
+                </a:solidFill>
+                <a:latin typeface="Consolas" panose="020B0609020204030204" pitchFamily="49" charset="0"/>
+              </a:rPr>
+              <a:t>0</a:t>
+            </a:r>
+            <a:r>
+              <a:rPr lang="en-US" altLang="zh-TW" dirty="0" smtClean="0">
+                <a:solidFill>
+                  <a:srgbClr val="000000"/>
+                </a:solidFill>
+                <a:latin typeface="Consolas" panose="020B0609020204030204" pitchFamily="49" charset="0"/>
+              </a:rPr>
+              <a:t>,c</a:t>
+            </a:r>
+            <a:r>
+              <a:rPr lang="en-US" altLang="zh-TW" baseline="-25000" dirty="0">
+                <a:solidFill>
+                  <a:srgbClr val="000000"/>
+                </a:solidFill>
+                <a:latin typeface="Consolas" panose="020B0609020204030204" pitchFamily="49" charset="0"/>
+              </a:rPr>
+              <a:t>1</a:t>
+            </a:r>
+            <a:r>
+              <a:rPr lang="en-US" altLang="zh-TW" dirty="0" smtClean="0">
+                <a:solidFill>
+                  <a:srgbClr val="000000"/>
+                </a:solidFill>
+                <a:latin typeface="Consolas" panose="020B0609020204030204" pitchFamily="49" charset="0"/>
+              </a:rPr>
+              <a:t>…,</a:t>
+            </a:r>
+            <a:r>
+              <a:rPr lang="en-US" altLang="zh-TW" dirty="0" err="1" smtClean="0">
+                <a:solidFill>
+                  <a:srgbClr val="000000"/>
+                </a:solidFill>
+                <a:latin typeface="Consolas" panose="020B0609020204030204" pitchFamily="49" charset="0"/>
+              </a:rPr>
+              <a:t>c</a:t>
+            </a:r>
+            <a:r>
+              <a:rPr lang="en-US" altLang="zh-TW" baseline="-25000" dirty="0" err="1" smtClean="0">
+                <a:solidFill>
+                  <a:srgbClr val="000000"/>
+                </a:solidFill>
+                <a:latin typeface="Consolas" panose="020B0609020204030204" pitchFamily="49" charset="0"/>
+              </a:rPr>
+              <a:t>M</a:t>
+            </a:r>
+            <a:r>
+              <a:rPr lang="en-US" altLang="zh-TW" dirty="0" smtClean="0">
+                <a:solidFill>
+                  <a:srgbClr val="000000"/>
+                </a:solidFill>
+                <a:latin typeface="Consolas" panose="020B0609020204030204" pitchFamily="49" charset="0"/>
+              </a:rPr>
+              <a:t>]</a:t>
+            </a:r>
+            <a:endParaRPr lang="zh-TW" altLang="en-US" dirty="0"/>
+          </a:p>
+        </p:txBody>
+      </p:sp>
+      <p:sp>
+        <p:nvSpPr>
+          <p:cNvPr id="6" name="矩形 5"/>
+          <p:cNvSpPr/>
+          <p:nvPr/>
+        </p:nvSpPr>
+        <p:spPr>
+          <a:xfrm>
+            <a:off x="2043443" y="2331517"/>
+            <a:ext cx="2085827" cy="369332"/>
+          </a:xfrm>
+          <a:prstGeom prst="rect">
+            <a:avLst/>
+          </a:prstGeom>
+        </p:spPr>
+        <p:txBody>
+          <a:bodyPr wrap="none">
+            <a:spAutoFit/>
+          </a:bodyPr>
+          <a:lstStyle/>
+          <a:p>
+            <a:r>
+              <a:rPr lang="en-US" altLang="zh-TW" dirty="0" smtClean="0">
+                <a:solidFill>
+                  <a:srgbClr val="000000"/>
+                </a:solidFill>
+                <a:latin typeface="Consolas" panose="020B0609020204030204" pitchFamily="49" charset="0"/>
+              </a:rPr>
+              <a:t>path=[n</a:t>
+            </a:r>
+            <a:r>
+              <a:rPr lang="en-US" altLang="zh-TW" baseline="-25000" dirty="0" smtClean="0">
+                <a:solidFill>
+                  <a:srgbClr val="000000"/>
+                </a:solidFill>
+                <a:latin typeface="Consolas" panose="020B0609020204030204" pitchFamily="49" charset="0"/>
+              </a:rPr>
+              <a:t>0</a:t>
+            </a:r>
+            <a:r>
+              <a:rPr lang="en-US" altLang="zh-TW" dirty="0" smtClean="0">
+                <a:solidFill>
+                  <a:srgbClr val="000000"/>
+                </a:solidFill>
+                <a:latin typeface="Consolas" panose="020B0609020204030204" pitchFamily="49" charset="0"/>
+              </a:rPr>
+              <a:t>,n</a:t>
+            </a:r>
+            <a:r>
+              <a:rPr lang="en-US" altLang="zh-TW" baseline="-25000" dirty="0">
+                <a:solidFill>
+                  <a:srgbClr val="000000"/>
+                </a:solidFill>
+                <a:latin typeface="Consolas" panose="020B0609020204030204" pitchFamily="49" charset="0"/>
+              </a:rPr>
+              <a:t>1</a:t>
+            </a:r>
+            <a:r>
+              <a:rPr lang="en-US" altLang="zh-TW" dirty="0" smtClean="0">
+                <a:solidFill>
+                  <a:srgbClr val="000000"/>
+                </a:solidFill>
+                <a:latin typeface="Consolas" panose="020B0609020204030204" pitchFamily="49" charset="0"/>
+              </a:rPr>
+              <a:t>…,</a:t>
+            </a:r>
+            <a:r>
+              <a:rPr lang="en-US" altLang="zh-TW" dirty="0" err="1" smtClean="0">
+                <a:solidFill>
+                  <a:srgbClr val="000000"/>
+                </a:solidFill>
+                <a:latin typeface="Consolas" panose="020B0609020204030204" pitchFamily="49" charset="0"/>
+              </a:rPr>
+              <a:t>n</a:t>
+            </a:r>
+            <a:r>
+              <a:rPr lang="en-US" altLang="zh-TW" baseline="-25000" dirty="0" err="1" smtClean="0">
+                <a:solidFill>
+                  <a:srgbClr val="000000"/>
+                </a:solidFill>
+                <a:latin typeface="Consolas" panose="020B0609020204030204" pitchFamily="49" charset="0"/>
+              </a:rPr>
+              <a:t>K</a:t>
+            </a:r>
+            <a:r>
+              <a:rPr lang="en-US" altLang="zh-TW" dirty="0" smtClean="0">
+                <a:solidFill>
+                  <a:srgbClr val="000000"/>
+                </a:solidFill>
+                <a:latin typeface="Consolas" panose="020B0609020204030204" pitchFamily="49" charset="0"/>
+              </a:rPr>
+              <a:t>]</a:t>
+            </a:r>
+            <a:endParaRPr lang="zh-TW" altLang="en-US" dirty="0"/>
+          </a:p>
+        </p:txBody>
+      </p:sp>
+      <p:sp>
+        <p:nvSpPr>
+          <p:cNvPr id="7" name="矩形 6"/>
+          <p:cNvSpPr/>
+          <p:nvPr/>
+        </p:nvSpPr>
+        <p:spPr>
+          <a:xfrm>
+            <a:off x="5253782" y="511073"/>
+            <a:ext cx="4583306" cy="923330"/>
+          </a:xfrm>
+          <a:prstGeom prst="rect">
+            <a:avLst/>
+          </a:prstGeom>
+        </p:spPr>
+        <p:txBody>
+          <a:bodyPr wrap="none">
+            <a:spAutoFit/>
+          </a:bodyPr>
+          <a:lstStyle/>
+          <a:p>
+            <a:pPr marL="342900" indent="-342900">
+              <a:buFont typeface="+mj-lt"/>
+              <a:buAutoNum type="arabicPeriod"/>
+            </a:pPr>
+            <a:r>
+              <a:rPr lang="en-US" altLang="zh-TW" dirty="0" smtClean="0">
+                <a:solidFill>
+                  <a:srgbClr val="000000"/>
+                </a:solidFill>
+                <a:latin typeface="Consolas" panose="020B0609020204030204" pitchFamily="49" charset="0"/>
+              </a:rPr>
+              <a:t>Test </a:t>
+            </a:r>
+            <a:r>
+              <a:rPr lang="en-US" altLang="zh-TW" dirty="0" err="1" smtClean="0">
+                <a:solidFill>
+                  <a:srgbClr val="000000"/>
+                </a:solidFill>
+                <a:latin typeface="Consolas" panose="020B0609020204030204" pitchFamily="49" charset="0"/>
+              </a:rPr>
+              <a:t>len</a:t>
+            </a:r>
+            <a:r>
+              <a:rPr lang="en-US" altLang="zh-TW" dirty="0" smtClean="0">
+                <a:solidFill>
+                  <a:srgbClr val="000000"/>
+                </a:solidFill>
+                <a:latin typeface="Consolas" panose="020B0609020204030204" pitchFamily="49" charset="0"/>
+              </a:rPr>
+              <a:t>(path)&gt;=</a:t>
+            </a:r>
+            <a:r>
+              <a:rPr lang="en-US" altLang="zh-TW" dirty="0" err="1" smtClean="0">
+                <a:solidFill>
+                  <a:srgbClr val="000000"/>
+                </a:solidFill>
+                <a:latin typeface="Consolas" panose="020B0609020204030204" pitchFamily="49" charset="0"/>
+              </a:rPr>
+              <a:t>len</a:t>
+            </a:r>
+            <a:r>
+              <a:rPr lang="en-US" altLang="zh-TW" dirty="0" smtClean="0">
+                <a:solidFill>
+                  <a:srgbClr val="000000"/>
+                </a:solidFill>
+                <a:latin typeface="Consolas" panose="020B0609020204030204" pitchFamily="49" charset="0"/>
+              </a:rPr>
+              <a:t>(</a:t>
+            </a:r>
+            <a:r>
+              <a:rPr lang="en-US" altLang="zh-TW" dirty="0" err="1" smtClean="0">
+                <a:solidFill>
+                  <a:srgbClr val="000000"/>
+                </a:solidFill>
+                <a:latin typeface="Consolas" panose="020B0609020204030204" pitchFamily="49" charset="0"/>
+              </a:rPr>
+              <a:t>confPattern</a:t>
+            </a:r>
+            <a:r>
+              <a:rPr lang="en-US" altLang="zh-TW" dirty="0" smtClean="0">
+                <a:solidFill>
+                  <a:srgbClr val="000000"/>
+                </a:solidFill>
+                <a:latin typeface="Consolas" panose="020B0609020204030204" pitchFamily="49" charset="0"/>
+              </a:rPr>
+              <a:t>)</a:t>
+            </a:r>
+          </a:p>
+          <a:p>
+            <a:pPr marL="342900" indent="-342900">
+              <a:buFont typeface="+mj-lt"/>
+              <a:buAutoNum type="arabicPeriod"/>
+            </a:pPr>
+            <a:r>
+              <a:rPr lang="en-US" altLang="zh-TW" dirty="0" smtClean="0"/>
+              <a:t>Set s = 0</a:t>
+            </a:r>
+          </a:p>
+          <a:p>
+            <a:pPr marL="342900" indent="-342900">
+              <a:buFont typeface="+mj-lt"/>
+              <a:buAutoNum type="arabicPeriod"/>
+            </a:pPr>
+            <a:r>
+              <a:rPr lang="en-US" altLang="zh-TW" dirty="0" smtClean="0"/>
+              <a:t>For every c in cs,cs+1,c</a:t>
+            </a:r>
+            <a:endParaRPr lang="zh-TW" altLang="en-US" dirty="0"/>
+          </a:p>
+        </p:txBody>
+      </p:sp>
+    </p:spTree>
+    <p:extLst>
+      <p:ext uri="{BB962C8B-B14F-4D97-AF65-F5344CB8AC3E}">
+        <p14:creationId xmlns:p14="http://schemas.microsoft.com/office/powerpoint/2010/main" val="1446568746"/>
       </p:ext>
     </p:extLst>
   </p:cSld>
